--- a/reference_material/slides/008_Analytical_Distributions.pptx
+++ b/reference_material/slides/008_Analytical_Distributions.pptx
@@ -19,6 +19,7 @@
     <p:sldId id="266" r:id="rId13"/>
     <p:sldId id="264" r:id="rId14"/>
     <p:sldId id="268" r:id="rId15"/>
+    <p:sldId id="270" r:id="rId16"/>
   </p:sldIdLst>
   <p:sldSz cx="12192000" cy="6858000"/>
   <p:notesSz cx="6858000" cy="9144000"/>
@@ -264,7 +265,7 @@
           <a:p>
             <a:fld id="{2309A392-0DC8-8B49-8A0A-4A3C1972ED88}" type="datetimeFigureOut">
               <a:rPr lang="en-US" smtClean="0"/>
-              <a:t>9/23/22</a:t>
+              <a:t>8/20/25</a:t>
             </a:fld>
             <a:endParaRPr lang="en-US"/>
           </a:p>
@@ -475,7 +476,7 @@
           <a:p>
             <a:fld id="{2309A392-0DC8-8B49-8A0A-4A3C1972ED88}" type="datetimeFigureOut">
               <a:rPr lang="en-US" smtClean="0"/>
-              <a:t>9/23/22</a:t>
+              <a:t>8/20/25</a:t>
             </a:fld>
             <a:endParaRPr lang="en-US"/>
           </a:p>
@@ -690,7 +691,7 @@
           <a:p>
             <a:fld id="{2309A392-0DC8-8B49-8A0A-4A3C1972ED88}" type="datetimeFigureOut">
               <a:rPr lang="en-US" smtClean="0"/>
-              <a:t>9/23/22</a:t>
+              <a:t>8/20/25</a:t>
             </a:fld>
             <a:endParaRPr lang="en-US"/>
           </a:p>
@@ -891,7 +892,7 @@
           <a:p>
             <a:fld id="{2309A392-0DC8-8B49-8A0A-4A3C1972ED88}" type="datetimeFigureOut">
               <a:rPr lang="en-US" smtClean="0"/>
-              <a:t>9/23/22</a:t>
+              <a:t>8/20/25</a:t>
             </a:fld>
             <a:endParaRPr lang="en-US"/>
           </a:p>
@@ -1170,7 +1171,7 @@
           <a:p>
             <a:fld id="{2309A392-0DC8-8B49-8A0A-4A3C1972ED88}" type="datetimeFigureOut">
               <a:rPr lang="en-US" smtClean="0"/>
-              <a:t>9/23/22</a:t>
+              <a:t>8/20/25</a:t>
             </a:fld>
             <a:endParaRPr lang="en-US"/>
           </a:p>
@@ -1438,7 +1439,7 @@
           <a:p>
             <a:fld id="{2309A392-0DC8-8B49-8A0A-4A3C1972ED88}" type="datetimeFigureOut">
               <a:rPr lang="en-US" smtClean="0"/>
-              <a:t>9/23/22</a:t>
+              <a:t>8/20/25</a:t>
             </a:fld>
             <a:endParaRPr lang="en-US"/>
           </a:p>
@@ -1854,7 +1855,7 @@
           <a:p>
             <a:fld id="{2309A392-0DC8-8B49-8A0A-4A3C1972ED88}" type="datetimeFigureOut">
               <a:rPr lang="en-US" smtClean="0"/>
-              <a:t>9/23/22</a:t>
+              <a:t>8/20/25</a:t>
             </a:fld>
             <a:endParaRPr lang="en-US"/>
           </a:p>
@@ -2003,7 +2004,7 @@
           <a:p>
             <a:fld id="{2309A392-0DC8-8B49-8A0A-4A3C1972ED88}" type="datetimeFigureOut">
               <a:rPr lang="en-US" smtClean="0"/>
-              <a:t>9/23/22</a:t>
+              <a:t>8/20/25</a:t>
             </a:fld>
             <a:endParaRPr lang="en-US"/>
           </a:p>
@@ -2129,7 +2130,7 @@
           <a:p>
             <a:fld id="{2309A392-0DC8-8B49-8A0A-4A3C1972ED88}" type="datetimeFigureOut">
               <a:rPr lang="en-US" smtClean="0"/>
-              <a:t>9/23/22</a:t>
+              <a:t>8/20/25</a:t>
             </a:fld>
             <a:endParaRPr lang="en-US"/>
           </a:p>
@@ -2380,7 +2381,7 @@
           <a:p>
             <a:fld id="{2309A392-0DC8-8B49-8A0A-4A3C1972ED88}" type="datetimeFigureOut">
               <a:rPr lang="en-US" smtClean="0"/>
-              <a:t>9/23/22</a:t>
+              <a:t>8/20/25</a:t>
             </a:fld>
             <a:endParaRPr lang="en-US"/>
           </a:p>
@@ -2825,7 +2826,7 @@
           <a:p>
             <a:fld id="{2309A392-0DC8-8B49-8A0A-4A3C1972ED88}" type="datetimeFigureOut">
               <a:rPr lang="en-US" smtClean="0"/>
-              <a:t>9/23/22</a:t>
+              <a:t>8/20/25</a:t>
             </a:fld>
             <a:endParaRPr lang="en-US"/>
           </a:p>
@@ -3152,7 +3153,7 @@
           <a:p>
             <a:fld id="{2309A392-0DC8-8B49-8A0A-4A3C1972ED88}" type="datetimeFigureOut">
               <a:rPr lang="en-US" smtClean="0"/>
-              <a:t>9/23/22</a:t>
+              <a:t>8/20/25</a:t>
             </a:fld>
             <a:endParaRPr lang="en-US"/>
           </a:p>
@@ -4134,6 +4135,13 @@
             <a:schemeClr val="lt1"/>
           </a:fontRef>
         </p:style>
+        <p:txBody>
+          <a:bodyPr/>
+          <a:lstStyle/>
+          <a:p>
+            <a:endParaRPr lang="en-US"/>
+          </a:p>
+        </p:txBody>
       </p:sp>
       <p:pic>
         <p:nvPicPr>
@@ -4482,8 +4490,8 @@
         </p:nvSpPr>
         <p:spPr>
           <a:xfrm>
-            <a:off x="213853" y="2015732"/>
-            <a:ext cx="5198805" cy="3942616"/>
+            <a:off x="1" y="1853755"/>
+            <a:ext cx="5412658" cy="4199726"/>
           </a:xfrm>
         </p:spPr>
         <p:txBody>
@@ -4494,7 +4502,7 @@
           <a:p>
             <a:r>
               <a:rPr lang="en-US" dirty="0"/>
-              <a:t>All models are wrong, some models are useful.</a:t>
+              <a:t>All models are wrong, some are useful.</a:t>
             </a:r>
           </a:p>
           <a:p>
@@ -4506,11 +4514,22 @@
           <a:p>
             <a:r>
               <a:rPr lang="en-US" dirty="0"/>
-              <a:t>If a model fits something, we can use it to do calculations and draw inferences.</a:t>
-            </a:r>
-          </a:p>
-          <a:p>
-            <a:endParaRPr lang="en-US" dirty="0"/>
+              <a:t>Model assumptions fill gaps in knowledge. </a:t>
+            </a:r>
+          </a:p>
+          <a:p>
+            <a:r>
+              <a:rPr lang="en-US" dirty="0"/>
+              <a:t>If a model fits something, we can use it to do calculations and draw </a:t>
+            </a:r>
+            <a:r>
+              <a:rPr lang="en-US" b="1" dirty="0"/>
+              <a:t>inference</a:t>
+            </a:r>
+            <a:r>
+              <a:rPr lang="en-US" dirty="0"/>
+              <a:t>.</a:t>
+            </a:r>
           </a:p>
           <a:p>
             <a:r>
@@ -5052,6 +5071,151 @@
 </p:sld>
 </file>
 
+<file path=ppt/slides/slide15.xml><?xml version="1.0" encoding="utf-8"?>
+<p:sld xmlns:a="http://schemas.openxmlformats.org/drawingml/2006/main" xmlns:r="http://schemas.openxmlformats.org/officeDocument/2006/relationships" xmlns:p="http://schemas.openxmlformats.org/presentationml/2006/main">
+  <p:cSld>
+    <p:spTree>
+      <p:nvGrpSpPr>
+        <p:cNvPr id="1" name=""/>
+        <p:cNvGrpSpPr/>
+        <p:nvPr/>
+      </p:nvGrpSpPr>
+      <p:grpSpPr>
+        <a:xfrm>
+          <a:off x="0" y="0"/>
+          <a:ext cx="0" cy="0"/>
+          <a:chOff x="0" y="0"/>
+          <a:chExt cx="0" cy="0"/>
+        </a:xfrm>
+      </p:grpSpPr>
+      <p:sp>
+        <p:nvSpPr>
+          <p:cNvPr id="2" name="Title 1">
+            <a:extLst>
+              <a:ext uri="{FF2B5EF4-FFF2-40B4-BE49-F238E27FC236}">
+                <a16:creationId xmlns:a16="http://schemas.microsoft.com/office/drawing/2014/main" id="{BED200ED-3E70-4A5A-6FFB-0C96D6208774}"/>
+              </a:ext>
+            </a:extLst>
+          </p:cNvPr>
+          <p:cNvSpPr>
+            <a:spLocks noGrp="1"/>
+          </p:cNvSpPr>
+          <p:nvPr>
+            <p:ph type="title"/>
+          </p:nvPr>
+        </p:nvSpPr>
+        <p:spPr/>
+        <p:txBody>
+          <a:bodyPr/>
+          <a:lstStyle/>
+          <a:p>
+            <a:r>
+              <a:rPr lang="en-US" dirty="0"/>
+              <a:t>Analytical Models and Inference</a:t>
+            </a:r>
+          </a:p>
+        </p:txBody>
+      </p:sp>
+      <p:sp>
+        <p:nvSpPr>
+          <p:cNvPr id="3" name="Content Placeholder 2">
+            <a:extLst>
+              <a:ext uri="{FF2B5EF4-FFF2-40B4-BE49-F238E27FC236}">
+                <a16:creationId xmlns:a16="http://schemas.microsoft.com/office/drawing/2014/main" id="{7E9071FD-AD95-002C-A2CA-3772CAE52C8F}"/>
+              </a:ext>
+            </a:extLst>
+          </p:cNvPr>
+          <p:cNvSpPr>
+            <a:spLocks noGrp="1"/>
+          </p:cNvSpPr>
+          <p:nvPr>
+            <p:ph idx="1"/>
+          </p:nvPr>
+        </p:nvSpPr>
+        <p:spPr>
+          <a:xfrm>
+            <a:off x="1451579" y="1853754"/>
+            <a:ext cx="9603275" cy="4199727"/>
+          </a:xfrm>
+        </p:spPr>
+        <p:txBody>
+          <a:bodyPr/>
+          <a:lstStyle/>
+          <a:p>
+            <a:r>
+              <a:rPr lang="en-US" dirty="0"/>
+              <a:t>Analytical models are a key foundation of inferential statistics and machine learning. </a:t>
+            </a:r>
+          </a:p>
+          <a:p>
+            <a:pPr lvl="1"/>
+            <a:r>
+              <a:rPr lang="en-US" dirty="0"/>
+              <a:t>The model provides us with a set of expectations. </a:t>
+            </a:r>
+          </a:p>
+          <a:p>
+            <a:pPr lvl="1"/>
+            <a:r>
+              <a:rPr lang="en-US" dirty="0"/>
+              <a:t>The empirical data provides us with the parameters shaping those expectations. </a:t>
+            </a:r>
+          </a:p>
+          <a:p>
+            <a:r>
+              <a:rPr lang="en-US" dirty="0"/>
+              <a:t>Generalization in statistics also relies on analytical models. </a:t>
+            </a:r>
+          </a:p>
+          <a:p>
+            <a:pPr lvl="1"/>
+            <a:r>
+              <a:rPr lang="en-US" dirty="0"/>
+              <a:t>The parameters come from a small subset, where ‘all’ is impractical. </a:t>
+            </a:r>
+          </a:p>
+          <a:p>
+            <a:pPr lvl="1"/>
+            <a:r>
+              <a:rPr lang="en-US" dirty="0"/>
+              <a:t>The model projects those expectations to an entire population. </a:t>
+            </a:r>
+          </a:p>
+          <a:p>
+            <a:r>
+              <a:rPr lang="en-US" dirty="0"/>
+              <a:t>We aren’t assured that an analytical distribution will fit our data, but they commonly do. </a:t>
+            </a:r>
+          </a:p>
+          <a:p>
+            <a:pPr lvl="1"/>
+            <a:r>
+              <a:rPr lang="en-US" dirty="0"/>
+              <a:t>ML allows us to be more flexible in making complex models for prediction. </a:t>
+            </a:r>
+          </a:p>
+          <a:p>
+            <a:pPr lvl="1"/>
+            <a:r>
+              <a:rPr lang="en-US" dirty="0"/>
+              <a:t>’Old school’ stats is limited to things we can eyeball/calculate by hand. </a:t>
+            </a:r>
+          </a:p>
+        </p:txBody>
+      </p:sp>
+    </p:spTree>
+    <p:extLst>
+      <p:ext uri="{BB962C8B-B14F-4D97-AF65-F5344CB8AC3E}">
+        <p14:creationId xmlns:p14="http://schemas.microsoft.com/office/powerpoint/2010/main" val="4165556546"/>
+      </p:ext>
+    </p:extLst>
+  </p:cSld>
+  <p:clrMapOvr>
+    <a:masterClrMapping/>
+  </p:clrMapOvr>
+</p:sld>
+</file>
+
 <file path=ppt/slides/slide2.xml><?xml version="1.0" encoding="utf-8"?>
 <p:sld xmlns:a="http://schemas.openxmlformats.org/drawingml/2006/main" xmlns:r="http://schemas.openxmlformats.org/officeDocument/2006/relationships" xmlns:p="http://schemas.openxmlformats.org/presentationml/2006/main">
   <p:cSld>
@@ -6746,12 +6910,20 @@
             <p:ph type="title"/>
           </p:nvPr>
         </p:nvSpPr>
-        <p:spPr/>
+        <p:spPr>
+          <a:xfrm>
+            <a:off x="6299593" y="804519"/>
+            <a:ext cx="4755261" cy="1049235"/>
+          </a:xfrm>
+        </p:spPr>
         <p:txBody>
           <a:bodyPr/>
           <a:lstStyle/>
           <a:p>
-            <a:endParaRPr lang="en-US"/>
+            <a:r>
+              <a:rPr lang="en-US" dirty="0"/>
+              <a:t>Exponential</a:t>
+            </a:r>
           </a:p>
         </p:txBody>
       </p:sp>
@@ -6771,12 +6943,20 @@
             <p:ph idx="1"/>
           </p:nvPr>
         </p:nvSpPr>
-        <p:spPr/>
+        <p:spPr>
+          <a:xfrm>
+            <a:off x="1" y="4910203"/>
+            <a:ext cx="6372522" cy="1143278"/>
+          </a:xfrm>
+        </p:spPr>
         <p:txBody>
           <a:bodyPr/>
           <a:lstStyle/>
           <a:p>
-            <a:endParaRPr lang="en-US"/>
+            <a:r>
+              <a:rPr lang="en-US" dirty="0"/>
+              <a:t>Exponential are often seen in a time-series plot, as seen on the right. </a:t>
+            </a:r>
           </a:p>
         </p:txBody>
       </p:sp>
@@ -6809,8 +6989,55 @@
         </p:blipFill>
         <p:spPr bwMode="auto">
           <a:xfrm>
-            <a:off x="1238250" y="0"/>
-            <a:ext cx="9713913" cy="6858000"/>
+            <a:off x="6372523" y="2749463"/>
+            <a:ext cx="5819477" cy="4108537"/>
+          </a:xfrm>
+          <a:prstGeom prst="rect">
+            <a:avLst/>
+          </a:prstGeom>
+          <a:noFill/>
+          <a:extLst>
+            <a:ext uri="{909E8E84-426E-40DD-AFC4-6F175D3DCCD1}">
+              <a14:hiddenFill xmlns:a14="http://schemas.microsoft.com/office/drawing/2010/main">
+                <a:solidFill>
+                  <a:srgbClr val="FFFFFF"/>
+                </a:solidFill>
+              </a14:hiddenFill>
+            </a:ext>
+          </a:extLst>
+        </p:spPr>
+      </p:pic>
+      <p:pic>
+        <p:nvPicPr>
+          <p:cNvPr id="4" name="Picture 2" descr="Exponential Distribution: Uses, Parameters &amp; Examples - Statistics By Jim">
+            <a:extLst>
+              <a:ext uri="{FF2B5EF4-FFF2-40B4-BE49-F238E27FC236}">
+                <a16:creationId xmlns:a16="http://schemas.microsoft.com/office/drawing/2014/main" id="{EC7E29DC-A042-6DDB-C0E3-509124548314}"/>
+              </a:ext>
+            </a:extLst>
+          </p:cNvPr>
+          <p:cNvPicPr>
+            <a:picLocks noChangeAspect="1" noChangeArrowheads="1"/>
+          </p:cNvPicPr>
+          <p:nvPr/>
+        </p:nvPicPr>
+        <p:blipFill>
+          <a:blip r:embed="rId3">
+            <a:extLst>
+              <a:ext uri="{28A0092B-C50C-407E-A947-70E740481C1C}">
+                <a14:useLocalDpi xmlns:a14="http://schemas.microsoft.com/office/drawing/2010/main" val="0"/>
+              </a:ext>
+            </a:extLst>
+          </a:blip>
+          <a:srcRect/>
+          <a:stretch>
+            <a:fillRect/>
+          </a:stretch>
+        </p:blipFill>
+        <p:spPr bwMode="auto">
+          <a:xfrm>
+            <a:off x="1" y="804519"/>
+            <a:ext cx="6299592" cy="4199728"/>
           </a:xfrm>
           <a:prstGeom prst="rect">
             <a:avLst/>

--- a/reference_material/slides/008_Analytical_Distributions.pptx
+++ b/reference_material/slides/008_Analytical_Distributions.pptx
@@ -5,21 +5,34 @@
     <p:sldMasterId id="2147483660" r:id="rId1"/>
   </p:sldMasterIdLst>
   <p:sldIdLst>
-    <p:sldId id="256" r:id="rId2"/>
-    <p:sldId id="257" r:id="rId3"/>
-    <p:sldId id="258" r:id="rId4"/>
-    <p:sldId id="259" r:id="rId5"/>
-    <p:sldId id="260" r:id="rId6"/>
-    <p:sldId id="262" r:id="rId7"/>
-    <p:sldId id="267" r:id="rId8"/>
-    <p:sldId id="261" r:id="rId9"/>
-    <p:sldId id="265" r:id="rId10"/>
-    <p:sldId id="269" r:id="rId11"/>
-    <p:sldId id="263" r:id="rId12"/>
-    <p:sldId id="266" r:id="rId13"/>
-    <p:sldId id="264" r:id="rId14"/>
-    <p:sldId id="268" r:id="rId15"/>
-    <p:sldId id="270" r:id="rId16"/>
+    <p:sldId id="281" r:id="rId2"/>
+    <p:sldId id="256" r:id="rId3"/>
+    <p:sldId id="257" r:id="rId4"/>
+    <p:sldId id="278" r:id="rId5"/>
+    <p:sldId id="258" r:id="rId6"/>
+    <p:sldId id="279" r:id="rId7"/>
+    <p:sldId id="259" r:id="rId8"/>
+    <p:sldId id="260" r:id="rId9"/>
+    <p:sldId id="283" r:id="rId10"/>
+    <p:sldId id="262" r:id="rId11"/>
+    <p:sldId id="267" r:id="rId12"/>
+    <p:sldId id="261" r:id="rId13"/>
+    <p:sldId id="265" r:id="rId14"/>
+    <p:sldId id="269" r:id="rId15"/>
+    <p:sldId id="263" r:id="rId16"/>
+    <p:sldId id="266" r:id="rId17"/>
+    <p:sldId id="264" r:id="rId18"/>
+    <p:sldId id="276" r:id="rId19"/>
+    <p:sldId id="277" r:id="rId20"/>
+    <p:sldId id="268" r:id="rId21"/>
+    <p:sldId id="280" r:id="rId22"/>
+    <p:sldId id="274" r:id="rId23"/>
+    <p:sldId id="282" r:id="rId24"/>
+    <p:sldId id="271" r:id="rId25"/>
+    <p:sldId id="272" r:id="rId26"/>
+    <p:sldId id="273" r:id="rId27"/>
+    <p:sldId id="270" r:id="rId28"/>
+    <p:sldId id="275" r:id="rId29"/>
   </p:sldIdLst>
   <p:sldSz cx="12192000" cy="6858000"/>
   <p:notesSz cx="6858000" cy="9144000"/>
@@ -265,7 +278,7 @@
           <a:p>
             <a:fld id="{2309A392-0DC8-8B49-8A0A-4A3C1972ED88}" type="datetimeFigureOut">
               <a:rPr lang="en-US" smtClean="0"/>
-              <a:t>8/20/25</a:t>
+              <a:t>9/10/25</a:t>
             </a:fld>
             <a:endParaRPr lang="en-US"/>
           </a:p>
@@ -476,7 +489,7 @@
           <a:p>
             <a:fld id="{2309A392-0DC8-8B49-8A0A-4A3C1972ED88}" type="datetimeFigureOut">
               <a:rPr lang="en-US" smtClean="0"/>
-              <a:t>8/20/25</a:t>
+              <a:t>9/10/25</a:t>
             </a:fld>
             <a:endParaRPr lang="en-US"/>
           </a:p>
@@ -691,7 +704,7 @@
           <a:p>
             <a:fld id="{2309A392-0DC8-8B49-8A0A-4A3C1972ED88}" type="datetimeFigureOut">
               <a:rPr lang="en-US" smtClean="0"/>
-              <a:t>8/20/25</a:t>
+              <a:t>9/10/25</a:t>
             </a:fld>
             <a:endParaRPr lang="en-US"/>
           </a:p>
@@ -892,7 +905,7 @@
           <a:p>
             <a:fld id="{2309A392-0DC8-8B49-8A0A-4A3C1972ED88}" type="datetimeFigureOut">
               <a:rPr lang="en-US" smtClean="0"/>
-              <a:t>8/20/25</a:t>
+              <a:t>9/10/25</a:t>
             </a:fld>
             <a:endParaRPr lang="en-US"/>
           </a:p>
@@ -1171,7 +1184,7 @@
           <a:p>
             <a:fld id="{2309A392-0DC8-8B49-8A0A-4A3C1972ED88}" type="datetimeFigureOut">
               <a:rPr lang="en-US" smtClean="0"/>
-              <a:t>8/20/25</a:t>
+              <a:t>9/10/25</a:t>
             </a:fld>
             <a:endParaRPr lang="en-US"/>
           </a:p>
@@ -1439,7 +1452,7 @@
           <a:p>
             <a:fld id="{2309A392-0DC8-8B49-8A0A-4A3C1972ED88}" type="datetimeFigureOut">
               <a:rPr lang="en-US" smtClean="0"/>
-              <a:t>8/20/25</a:t>
+              <a:t>9/10/25</a:t>
             </a:fld>
             <a:endParaRPr lang="en-US"/>
           </a:p>
@@ -1855,7 +1868,7 @@
           <a:p>
             <a:fld id="{2309A392-0DC8-8B49-8A0A-4A3C1972ED88}" type="datetimeFigureOut">
               <a:rPr lang="en-US" smtClean="0"/>
-              <a:t>8/20/25</a:t>
+              <a:t>9/10/25</a:t>
             </a:fld>
             <a:endParaRPr lang="en-US"/>
           </a:p>
@@ -2004,7 +2017,7 @@
           <a:p>
             <a:fld id="{2309A392-0DC8-8B49-8A0A-4A3C1972ED88}" type="datetimeFigureOut">
               <a:rPr lang="en-US" smtClean="0"/>
-              <a:t>8/20/25</a:t>
+              <a:t>9/10/25</a:t>
             </a:fld>
             <a:endParaRPr lang="en-US"/>
           </a:p>
@@ -2130,7 +2143,7 @@
           <a:p>
             <a:fld id="{2309A392-0DC8-8B49-8A0A-4A3C1972ED88}" type="datetimeFigureOut">
               <a:rPr lang="en-US" smtClean="0"/>
-              <a:t>8/20/25</a:t>
+              <a:t>9/10/25</a:t>
             </a:fld>
             <a:endParaRPr lang="en-US"/>
           </a:p>
@@ -2381,7 +2394,7 @@
           <a:p>
             <a:fld id="{2309A392-0DC8-8B49-8A0A-4A3C1972ED88}" type="datetimeFigureOut">
               <a:rPr lang="en-US" smtClean="0"/>
-              <a:t>8/20/25</a:t>
+              <a:t>9/10/25</a:t>
             </a:fld>
             <a:endParaRPr lang="en-US"/>
           </a:p>
@@ -2826,7 +2839,7 @@
           <a:p>
             <a:fld id="{2309A392-0DC8-8B49-8A0A-4A3C1972ED88}" type="datetimeFigureOut">
               <a:rPr lang="en-US" smtClean="0"/>
-              <a:t>8/20/25</a:t>
+              <a:t>9/10/25</a:t>
             </a:fld>
             <a:endParaRPr lang="en-US"/>
           </a:p>
@@ -3153,7 +3166,7 @@
           <a:p>
             <a:fld id="{2309A392-0DC8-8B49-8A0A-4A3C1972ED88}" type="datetimeFigureOut">
               <a:rPr lang="en-US" smtClean="0"/>
-              <a:t>8/20/25</a:t>
+              <a:t>9/10/25</a:t>
             </a:fld>
             <a:endParaRPr lang="en-US"/>
           </a:p>
@@ -3644,7 +3657,7 @@
           <p:cNvPr id="2" name="Title 1">
             <a:extLst>
               <a:ext uri="{FF2B5EF4-FFF2-40B4-BE49-F238E27FC236}">
-                <a16:creationId xmlns:a16="http://schemas.microsoft.com/office/drawing/2014/main" id="{4C107512-2BCC-4A45-979A-9837B31FD052}"/>
+                <a16:creationId xmlns:a16="http://schemas.microsoft.com/office/drawing/2014/main" id="{CE987EB3-B82D-F8A9-3F7D-A0071541FB4B}"/>
               </a:ext>
             </a:extLst>
           </p:cNvPr>
@@ -3652,7 +3665,7 @@
             <a:spLocks noGrp="1"/>
           </p:cNvSpPr>
           <p:nvPr>
-            <p:ph type="ctrTitle"/>
+            <p:ph type="title"/>
           </p:nvPr>
         </p:nvSpPr>
         <p:spPr/>
@@ -3662,17 +3675,17 @@
           <a:p>
             <a:r>
               <a:rPr lang="en-US" dirty="0"/>
-              <a:t>Analytical Distribution</a:t>
-            </a:r>
-          </a:p>
-        </p:txBody>
-      </p:sp>
-      <p:sp>
-        <p:nvSpPr>
-          <p:cNvPr id="3" name="Subtitle 2">
+              <a:t>Housekeeping</a:t>
+            </a:r>
+          </a:p>
+        </p:txBody>
+      </p:sp>
+      <p:sp>
+        <p:nvSpPr>
+          <p:cNvPr id="3" name="Content Placeholder 2">
             <a:extLst>
               <a:ext uri="{FF2B5EF4-FFF2-40B4-BE49-F238E27FC236}">
-                <a16:creationId xmlns:a16="http://schemas.microsoft.com/office/drawing/2014/main" id="{11F4DEA8-2576-554D-81C2-F7BC2D8B643E}"/>
+                <a16:creationId xmlns:a16="http://schemas.microsoft.com/office/drawing/2014/main" id="{A287942B-7C03-5BF4-0298-43333A81091E}"/>
               </a:ext>
             </a:extLst>
           </p:cNvPr>
@@ -3680,22 +3693,71 @@
             <a:spLocks noGrp="1"/>
           </p:cNvSpPr>
           <p:nvPr>
-            <p:ph type="subTitle" idx="1"/>
-          </p:nvPr>
-        </p:nvSpPr>
-        <p:spPr/>
+            <p:ph idx="1"/>
+          </p:nvPr>
+        </p:nvSpPr>
+        <p:spPr>
+          <a:xfrm>
+            <a:off x="1451579" y="2015732"/>
+            <a:ext cx="9603275" cy="4037749"/>
+          </a:xfrm>
+        </p:spPr>
         <p:txBody>
           <a:bodyPr/>
           <a:lstStyle/>
           <a:p>
-            <a:endParaRPr lang="en-US"/>
+            <a:r>
+              <a:rPr lang="en-US" dirty="0"/>
+              <a:t>Quiz – marks should be showing. </a:t>
+            </a:r>
+          </a:p>
+          <a:p>
+            <a:r>
+              <a:rPr lang="en-US" dirty="0"/>
+              <a:t>Today – analytical distributions, part 1. </a:t>
+            </a:r>
+          </a:p>
+          <a:p>
+            <a:pPr lvl="1"/>
+            <a:r>
+              <a:rPr lang="en-US" dirty="0"/>
+              <a:t>Roughly chapter 5 today. </a:t>
+            </a:r>
+          </a:p>
+          <a:p>
+            <a:pPr lvl="1"/>
+            <a:r>
+              <a:rPr lang="en-US" dirty="0"/>
+              <a:t>Matching empirical to analytical, creating analytical distributions, samples, random. </a:t>
+            </a:r>
+          </a:p>
+          <a:p>
+            <a:pPr lvl="1"/>
+            <a:r>
+              <a:rPr lang="en-US" dirty="0"/>
+              <a:t>Today we’ll look at a loose example of exponential data. </a:t>
+            </a:r>
+          </a:p>
+          <a:p>
+            <a:pPr lvl="2"/>
+            <a:r>
+              <a:rPr lang="en-US" dirty="0"/>
+              <a:t>Gentle intro to time series data. </a:t>
+            </a:r>
+          </a:p>
+          <a:p>
+            <a:pPr lvl="1"/>
+            <a:r>
+              <a:rPr lang="en-US" dirty="0"/>
+              <a:t>Next time we’ll dig deeper with normal data (this will be more ‘realistic’). </a:t>
+            </a:r>
           </a:p>
         </p:txBody>
       </p:sp>
     </p:spTree>
     <p:extLst>
       <p:ext uri="{BB962C8B-B14F-4D97-AF65-F5344CB8AC3E}">
-        <p14:creationId xmlns:p14="http://schemas.microsoft.com/office/powerpoint/2010/main" val="250159308"/>
+        <p14:creationId xmlns:p14="http://schemas.microsoft.com/office/powerpoint/2010/main" val="137767890"/>
       </p:ext>
     </p:extLst>
   </p:cSld>
@@ -3727,7 +3789,7 @@
           <p:cNvPr id="2" name="Title 1">
             <a:extLst>
               <a:ext uri="{FF2B5EF4-FFF2-40B4-BE49-F238E27FC236}">
-                <a16:creationId xmlns:a16="http://schemas.microsoft.com/office/drawing/2014/main" id="{5B2DEB1A-3910-CAEF-2C2C-671EA3E1C8C3}"/>
+                <a16:creationId xmlns:a16="http://schemas.microsoft.com/office/drawing/2014/main" id="{97293264-DDAC-7F43-8B49-4EB3383B980F}"/>
               </a:ext>
             </a:extLst>
           </p:cNvPr>
@@ -3745,7 +3807,7 @@
           <a:p>
             <a:r>
               <a:rPr lang="en-US" dirty="0"/>
-              <a:t>Exponential Distribution</a:t>
+              <a:t>Normal Distribution</a:t>
             </a:r>
           </a:p>
         </p:txBody>
@@ -3755,7 +3817,7 @@
           <p:cNvPr id="3" name="Content Placeholder 2">
             <a:extLst>
               <a:ext uri="{FF2B5EF4-FFF2-40B4-BE49-F238E27FC236}">
-                <a16:creationId xmlns:a16="http://schemas.microsoft.com/office/drawing/2014/main" id="{C1D0D8FF-D580-F956-C863-2FEF397410B6}"/>
+                <a16:creationId xmlns:a16="http://schemas.microsoft.com/office/drawing/2014/main" id="{1990F544-9E76-5944-B5AE-85A44EE599C1}"/>
               </a:ext>
             </a:extLst>
           </p:cNvPr>
@@ -3768,8 +3830,8 @@
         </p:nvSpPr>
         <p:spPr>
           <a:xfrm>
-            <a:off x="663677" y="2015732"/>
-            <a:ext cx="5514939" cy="3450613"/>
+            <a:off x="1451579" y="2015732"/>
+            <a:ext cx="9603275" cy="4037749"/>
           </a:xfrm>
         </p:spPr>
         <p:txBody>
@@ -3778,88 +3840,81 @@
           <a:p>
             <a:r>
               <a:rPr lang="en-US" dirty="0"/>
-              <a:t>The plot of exponential growth (normally shown over time) looks like a hockey stick. </a:t>
-            </a:r>
-          </a:p>
-          <a:p>
-            <a:r>
-              <a:rPr lang="en-US" dirty="0"/>
-              <a:t>The histogram/</a:t>
+              <a:t>Many phenomena can be modeled with a normal distribution. </a:t>
+            </a:r>
+          </a:p>
+          <a:p>
+            <a:pPr lvl="1"/>
+            <a:r>
+              <a:rPr lang="en-US" dirty="0"/>
+              <a:t>Shoe size, weight, grades in school…</a:t>
+            </a:r>
+          </a:p>
+          <a:p>
+            <a:pPr lvl="1"/>
+            <a:r>
+              <a:rPr lang="en-US" dirty="0"/>
+              <a:t>Most things where people tend to be close to average, and values farther away are more rare, are often normal (or close).</a:t>
+            </a:r>
+          </a:p>
+          <a:p>
+            <a:r>
+              <a:rPr lang="en-US" dirty="0"/>
+              <a:t>Key normal distribution facts:</a:t>
+            </a:r>
+          </a:p>
+          <a:p>
+            <a:pPr lvl="1"/>
+            <a:r>
+              <a:rPr lang="en-US" dirty="0"/>
+              <a:t>Symmetrical on either side of the mean.</a:t>
+            </a:r>
+          </a:p>
+          <a:p>
+            <a:pPr lvl="1"/>
+            <a:r>
+              <a:rPr lang="en-US" dirty="0"/>
+              <a:t>Median and mean are equal. </a:t>
+            </a:r>
+          </a:p>
+          <a:p>
+            <a:pPr lvl="1"/>
+            <a:r>
+              <a:rPr lang="en-US" dirty="0"/>
+              <a:t>Defined by standard deviation and mean. </a:t>
+            </a:r>
+          </a:p>
+          <a:p>
+            <a:pPr lvl="1"/>
+            <a:r>
+              <a:rPr lang="en-US" dirty="0"/>
+              <a:t>Known amounts fall within X standard deviations (~68%, 97%, 99%, </a:t>
             </a:r>
             <a:r>
               <a:rPr lang="en-US" dirty="0" err="1"/>
-              <a:t>pmf</a:t>
-            </a:r>
-            <a:r>
-              <a:rPr lang="en-US" dirty="0"/>
-              <a:t>/pdf function is the “opposite”:</a:t>
-            </a:r>
-          </a:p>
-          <a:p>
-            <a:pPr lvl="1"/>
-            <a:r>
-              <a:rPr lang="en-US" dirty="0"/>
-              <a:t>Lots of small values. (The flat, early part). </a:t>
-            </a:r>
-          </a:p>
-          <a:p>
-            <a:pPr lvl="1"/>
-            <a:r>
-              <a:rPr lang="en-US" dirty="0"/>
-              <a:t>A few large values. (The “climbing” part). </a:t>
-            </a:r>
-          </a:p>
-        </p:txBody>
-      </p:sp>
-      <p:pic>
-        <p:nvPicPr>
-          <p:cNvPr id="1026" name="Picture 2" descr="plot of the probability density function of the exponential distribution">
-            <a:extLst>
-              <a:ext uri="{FF2B5EF4-FFF2-40B4-BE49-F238E27FC236}">
-                <a16:creationId xmlns:a16="http://schemas.microsoft.com/office/drawing/2014/main" id="{6C7D26DD-5554-9114-A879-460661FFB3A0}"/>
-              </a:ext>
-            </a:extLst>
-          </p:cNvPr>
-          <p:cNvPicPr>
-            <a:picLocks noChangeAspect="1" noChangeArrowheads="1"/>
-          </p:cNvPicPr>
-          <p:nvPr/>
-        </p:nvPicPr>
-        <p:blipFill rotWithShape="1">
-          <a:blip r:embed="rId2">
-            <a:extLst>
-              <a:ext uri="{28A0092B-C50C-407E-A947-70E740481C1C}">
-                <a14:useLocalDpi xmlns:a14="http://schemas.microsoft.com/office/drawing/2010/main" val="0"/>
-              </a:ext>
-            </a:extLst>
-          </a:blip>
-          <a:srcRect t="7447" r="5578" b="7185"/>
-          <a:stretch/>
-        </p:blipFill>
-        <p:spPr bwMode="auto">
-          <a:xfrm>
-            <a:off x="6178616" y="1853754"/>
-            <a:ext cx="6013384" cy="4349443"/>
-          </a:xfrm>
-          <a:prstGeom prst="rect">
-            <a:avLst/>
-          </a:prstGeom>
-          <a:noFill/>
-          <a:extLst>
-            <a:ext uri="{909E8E84-426E-40DD-AFC4-6F175D3DCCD1}">
-              <a14:hiddenFill xmlns:a14="http://schemas.microsoft.com/office/drawing/2010/main">
-                <a:solidFill>
-                  <a:srgbClr val="FFFFFF"/>
-                </a:solidFill>
-              </a14:hiddenFill>
-            </a:ext>
-          </a:extLst>
-        </p:spPr>
-      </p:pic>
+              <a:t>etc</a:t>
+            </a:r>
+            <a:r>
+              <a:rPr lang="en-US" dirty="0"/>
+              <a:t>…)</a:t>
+            </a:r>
+          </a:p>
+          <a:p>
+            <a:pPr lvl="2"/>
+            <a:r>
+              <a:rPr lang="en-US" dirty="0"/>
+              <a:t>We can use this to estimate how many records we can expect to fall in a range. </a:t>
+            </a:r>
+          </a:p>
+          <a:p>
+            <a:endParaRPr lang="en-US" dirty="0"/>
+          </a:p>
+        </p:txBody>
+      </p:sp>
     </p:spTree>
     <p:extLst>
       <p:ext uri="{BB962C8B-B14F-4D97-AF65-F5344CB8AC3E}">
-        <p14:creationId xmlns:p14="http://schemas.microsoft.com/office/powerpoint/2010/main" val="3914195842"/>
+        <p14:creationId xmlns:p14="http://schemas.microsoft.com/office/powerpoint/2010/main" val="1296268881"/>
       </p:ext>
     </p:extLst>
   </p:cSld>
@@ -3870,734 +3925,6 @@
 </file>
 
 <file path=ppt/slides/slide11.xml><?xml version="1.0" encoding="utf-8"?>
-<p:sld xmlns:a="http://schemas.openxmlformats.org/drawingml/2006/main" xmlns:r="http://schemas.openxmlformats.org/officeDocument/2006/relationships" xmlns:p="http://schemas.openxmlformats.org/presentationml/2006/main">
-  <p:cSld>
-    <p:spTree>
-      <p:nvGrpSpPr>
-        <p:cNvPr id="1" name=""/>
-        <p:cNvGrpSpPr/>
-        <p:nvPr/>
-      </p:nvGrpSpPr>
-      <p:grpSpPr>
-        <a:xfrm>
-          <a:off x="0" y="0"/>
-          <a:ext cx="0" cy="0"/>
-          <a:chOff x="0" y="0"/>
-          <a:chExt cx="0" cy="0"/>
-        </a:xfrm>
-      </p:grpSpPr>
-      <p:sp>
-        <p:nvSpPr>
-          <p:cNvPr id="2" name="Title 1">
-            <a:extLst>
-              <a:ext uri="{FF2B5EF4-FFF2-40B4-BE49-F238E27FC236}">
-                <a16:creationId xmlns:a16="http://schemas.microsoft.com/office/drawing/2014/main" id="{3A8EF875-5449-C54D-8493-0CAA0A5AAB3B}"/>
-              </a:ext>
-            </a:extLst>
-          </p:cNvPr>
-          <p:cNvSpPr>
-            <a:spLocks noGrp="1"/>
-          </p:cNvSpPr>
-          <p:nvPr>
-            <p:ph type="title"/>
-          </p:nvPr>
-        </p:nvSpPr>
-        <p:spPr/>
-        <p:txBody>
-          <a:bodyPr/>
-          <a:lstStyle/>
-          <a:p>
-            <a:r>
-              <a:rPr lang="en-US" dirty="0"/>
-              <a:t>Other Distributions - Pareto</a:t>
-            </a:r>
-          </a:p>
-        </p:txBody>
-      </p:sp>
-      <p:sp>
-        <p:nvSpPr>
-          <p:cNvPr id="3" name="Content Placeholder 2">
-            <a:extLst>
-              <a:ext uri="{FF2B5EF4-FFF2-40B4-BE49-F238E27FC236}">
-                <a16:creationId xmlns:a16="http://schemas.microsoft.com/office/drawing/2014/main" id="{0175512E-326E-174D-8A9D-73A51CEB735B}"/>
-              </a:ext>
-            </a:extLst>
-          </p:cNvPr>
-          <p:cNvSpPr>
-            <a:spLocks noGrp="1"/>
-          </p:cNvSpPr>
-          <p:nvPr>
-            <p:ph idx="1"/>
-          </p:nvPr>
-        </p:nvSpPr>
-        <p:spPr/>
-        <p:txBody>
-          <a:bodyPr/>
-          <a:lstStyle/>
-          <a:p>
-            <a:r>
-              <a:rPr lang="en-US" dirty="0"/>
-              <a:t>Pareto was an Italian economist from way back.</a:t>
-            </a:r>
-          </a:p>
-          <a:p>
-            <a:r>
-              <a:rPr lang="en-US" dirty="0"/>
-              <a:t>Created the 80/20 rule or Pareto Principle – 80% of the results come from 20% of the inputs. </a:t>
-            </a:r>
-          </a:p>
-          <a:p>
-            <a:pPr lvl="1"/>
-            <a:r>
-              <a:rPr lang="en-US" dirty="0"/>
-              <a:t>Original – 80% land belongs to 20% of people. </a:t>
-            </a:r>
-          </a:p>
-          <a:p>
-            <a:pPr lvl="1"/>
-            <a:r>
-              <a:rPr lang="en-US" dirty="0"/>
-              <a:t>Wealth – 80% of wealth belongs to 20% of people.</a:t>
-            </a:r>
-          </a:p>
-          <a:p>
-            <a:pPr lvl="1"/>
-            <a:r>
-              <a:rPr lang="en-US" dirty="0"/>
-              <a:t>Customers – 80% of revenue comes from 20% of customers.</a:t>
-            </a:r>
-          </a:p>
-          <a:p>
-            <a:r>
-              <a:rPr lang="en-US" dirty="0"/>
-              <a:t>The 80/20 split varies, but the idea applies in many situations:</a:t>
-            </a:r>
-          </a:p>
-          <a:p>
-            <a:pPr lvl="1"/>
-            <a:r>
-              <a:rPr lang="en-US" dirty="0"/>
-              <a:t>Microsoft – 80% errors from 20% bugs.</a:t>
-            </a:r>
-          </a:p>
-          <a:p>
-            <a:pPr lvl="1"/>
-            <a:endParaRPr lang="en-US" dirty="0"/>
-          </a:p>
-        </p:txBody>
-      </p:sp>
-      <p:pic>
-        <p:nvPicPr>
-          <p:cNvPr id="4" name="Picture 3">
-            <a:extLst>
-              <a:ext uri="{FF2B5EF4-FFF2-40B4-BE49-F238E27FC236}">
-                <a16:creationId xmlns:a16="http://schemas.microsoft.com/office/drawing/2014/main" id="{A27226E2-BD20-0449-9A0D-0637DD37B22F}"/>
-              </a:ext>
-            </a:extLst>
-          </p:cNvPr>
-          <p:cNvPicPr>
-            <a:picLocks noChangeAspect="1"/>
-          </p:cNvPicPr>
-          <p:nvPr/>
-        </p:nvPicPr>
-        <p:blipFill>
-          <a:blip r:embed="rId2"/>
-          <a:stretch>
-            <a:fillRect/>
-          </a:stretch>
-        </p:blipFill>
-        <p:spPr>
-          <a:xfrm>
-            <a:off x="8625526" y="3187881"/>
-            <a:ext cx="3175000" cy="3009900"/>
-          </a:xfrm>
-          <a:prstGeom prst="rect">
-            <a:avLst/>
-          </a:prstGeom>
-        </p:spPr>
-      </p:pic>
-    </p:spTree>
-    <p:extLst>
-      <p:ext uri="{BB962C8B-B14F-4D97-AF65-F5344CB8AC3E}">
-        <p14:creationId xmlns:p14="http://schemas.microsoft.com/office/powerpoint/2010/main" val="4141681551"/>
-      </p:ext>
-    </p:extLst>
-  </p:cSld>
-  <p:clrMapOvr>
-    <a:masterClrMapping/>
-  </p:clrMapOvr>
-</p:sld>
-</file>
-
-<file path=ppt/slides/slide12.xml><?xml version="1.0" encoding="utf-8"?>
-<p:sld xmlns:a="http://schemas.openxmlformats.org/drawingml/2006/main" xmlns:r="http://schemas.openxmlformats.org/officeDocument/2006/relationships" xmlns:p="http://schemas.openxmlformats.org/presentationml/2006/main">
-  <p:cSld>
-    <p:bg>
-      <p:bgPr>
-        <a:gradFill rotWithShape="1">
-          <a:gsLst>
-            <a:gs pos="0">
-              <a:schemeClr val="bg2">
-                <a:tint val="94000"/>
-                <a:satMod val="80000"/>
-                <a:lumMod val="106000"/>
-              </a:schemeClr>
-            </a:gs>
-            <a:gs pos="100000">
-              <a:schemeClr val="bg2">
-                <a:shade val="80000"/>
-              </a:schemeClr>
-            </a:gs>
-          </a:gsLst>
-          <a:path path="circle">
-            <a:fillToRect l="43000" r="43000" b="100000"/>
-          </a:path>
-        </a:gradFill>
-        <a:effectLst/>
-      </p:bgPr>
-    </p:bg>
-    <p:spTree>
-      <p:nvGrpSpPr>
-        <p:cNvPr id="1" name=""/>
-        <p:cNvGrpSpPr/>
-        <p:nvPr/>
-      </p:nvGrpSpPr>
-      <p:grpSpPr>
-        <a:xfrm>
-          <a:off x="0" y="0"/>
-          <a:ext cx="0" cy="0"/>
-          <a:chOff x="0" y="0"/>
-          <a:chExt cx="0" cy="0"/>
-        </a:xfrm>
-      </p:grpSpPr>
-      <p:sp>
-        <p:nvSpPr>
-          <p:cNvPr id="71" name="Rectangle 70">
-            <a:extLst>
-              <a:ext uri="{FF2B5EF4-FFF2-40B4-BE49-F238E27FC236}">
-                <a16:creationId xmlns:a16="http://schemas.microsoft.com/office/drawing/2014/main" id="{CDDE5CDF-1512-4CDA-B956-23D223F8DE44}"/>
-              </a:ext>
-              <a:ext uri="{C183D7F6-B498-43B3-948B-1728B52AA6E4}">
-                <adec:decorative xmlns:adec="http://schemas.microsoft.com/office/drawing/2017/decorative" val="1"/>
-              </a:ext>
-            </a:extLst>
-          </p:cNvPr>
-          <p:cNvSpPr>
-            <a:spLocks noGrp="1" noRot="1" noChangeAspect="1" noMove="1" noResize="1" noEditPoints="1" noAdjustHandles="1" noChangeArrowheads="1" noChangeShapeType="1" noTextEdit="1"/>
-          </p:cNvSpPr>
-          <p:nvPr>
-            <p:extLst>
-              <p:ext uri="{386F3935-93C4-4BCD-93E2-E3B085C9AB24}">
-                <p16:designElem xmlns:p16="http://schemas.microsoft.com/office/powerpoint/2015/main" val="1"/>
-              </p:ext>
-            </p:extLst>
-          </p:nvPr>
-        </p:nvSpPr>
-        <p:spPr>
-          <a:xfrm>
-            <a:off x="0" y="2019476"/>
-            <a:ext cx="12192000" cy="4105941"/>
-          </a:xfrm>
-          <a:prstGeom prst="rect">
-            <a:avLst/>
-          </a:prstGeom>
-          <a:gradFill flip="none" rotWithShape="1">
-            <a:gsLst>
-              <a:gs pos="0">
-                <a:schemeClr val="bg2">
-                  <a:alpha val="0"/>
-                </a:schemeClr>
-              </a:gs>
-              <a:gs pos="100000">
-                <a:schemeClr val="bg2"/>
-              </a:gs>
-            </a:gsLst>
-            <a:lin ang="5400000" scaled="0"/>
-            <a:tileRect/>
-          </a:gradFill>
-          <a:ln>
-            <a:noFill/>
-          </a:ln>
-        </p:spPr>
-        <p:style>
-          <a:lnRef idx="2">
-            <a:schemeClr val="accent1">
-              <a:shade val="50000"/>
-            </a:schemeClr>
-          </a:lnRef>
-          <a:fillRef idx="1">
-            <a:schemeClr val="accent1"/>
-          </a:fillRef>
-          <a:effectRef idx="0">
-            <a:schemeClr val="accent1"/>
-          </a:effectRef>
-          <a:fontRef idx="minor">
-            <a:schemeClr val="lt1"/>
-          </a:fontRef>
-        </p:style>
-        <p:txBody>
-          <a:bodyPr/>
-          <a:lstStyle/>
-          <a:p>
-            <a:endParaRPr lang="en-US"/>
-          </a:p>
-        </p:txBody>
-      </p:sp>
-      <p:pic>
-        <p:nvPicPr>
-          <p:cNvPr id="73" name="Picture 72">
-            <a:extLst>
-              <a:ext uri="{FF2B5EF4-FFF2-40B4-BE49-F238E27FC236}">
-                <a16:creationId xmlns:a16="http://schemas.microsoft.com/office/drawing/2014/main" id="{B029D7D8-5A6B-4C76-94C8-15798C6C5ADB}"/>
-              </a:ext>
-              <a:ext uri="{C183D7F6-B498-43B3-948B-1728B52AA6E4}">
-                <adec:decorative xmlns:adec="http://schemas.microsoft.com/office/drawing/2017/decorative" val="1"/>
-              </a:ext>
-            </a:extLst>
-          </p:cNvPr>
-          <p:cNvPicPr>
-            <a:picLocks noGrp="1" noRot="1" noChangeAspect="1" noMove="1" noResize="1" noEditPoints="1" noAdjustHandles="1" noChangeArrowheads="1" noChangeShapeType="1" noCrop="1"/>
-          </p:cNvPicPr>
-          <p:nvPr>
-            <p:extLst>
-              <p:ext uri="{386F3935-93C4-4BCD-93E2-E3B085C9AB24}">
-                <p16:designElem xmlns:p16="http://schemas.microsoft.com/office/powerpoint/2015/main" val="1"/>
-              </p:ext>
-            </p:extLst>
-          </p:nvPr>
-        </p:nvPicPr>
-        <p:blipFill rotWithShape="1">
-          <a:blip r:embed="rId2">
-            <a:extLst>
-              <a:ext uri="{28A0092B-C50C-407E-A947-70E740481C1C}">
-                <a14:useLocalDpi xmlns:a14="http://schemas.microsoft.com/office/drawing/2010/main" val="0"/>
-              </a:ext>
-            </a:extLst>
-          </a:blip>
-          <a:srcRect t="1538" b="-1538"/>
-          <a:stretch/>
-        </p:blipFill>
-        <p:spPr bwMode="black">
-          <a:xfrm>
-            <a:off x="0" y="6126480"/>
-            <a:ext cx="12192000" cy="742950"/>
-          </a:xfrm>
-          <a:prstGeom prst="rect">
-            <a:avLst/>
-          </a:prstGeom>
-        </p:spPr>
-      </p:pic>
-      <p:cxnSp>
-        <p:nvCxnSpPr>
-          <p:cNvPr id="75" name="Straight Connector 74">
-            <a:extLst>
-              <a:ext uri="{FF2B5EF4-FFF2-40B4-BE49-F238E27FC236}">
-                <a16:creationId xmlns:a16="http://schemas.microsoft.com/office/drawing/2014/main" id="{A5C9319C-E20D-4884-952F-60B6A58C3E34}"/>
-              </a:ext>
-              <a:ext uri="{C183D7F6-B498-43B3-948B-1728B52AA6E4}">
-                <adec:decorative xmlns:adec="http://schemas.microsoft.com/office/drawing/2017/decorative" val="1"/>
-              </a:ext>
-            </a:extLst>
-          </p:cNvPr>
-          <p:cNvCxnSpPr>
-            <a:cxnSpLocks noGrp="1" noRot="1" noChangeAspect="1" noMove="1" noResize="1" noEditPoints="1" noAdjustHandles="1" noChangeArrowheads="1" noChangeShapeType="1"/>
-          </p:cNvCxnSpPr>
-          <p:nvPr>
-            <p:extLst>
-              <p:ext uri="{386F3935-93C4-4BCD-93E2-E3B085C9AB24}">
-                <p16:designElem xmlns:p16="http://schemas.microsoft.com/office/powerpoint/2015/main" val="1"/>
-              </p:ext>
-            </p:extLst>
-          </p:nvPr>
-        </p:nvCxnSpPr>
-        <p:spPr>
-          <a:xfrm>
-            <a:off x="0" y="6128413"/>
-            <a:ext cx="12192000" cy="0"/>
-          </a:xfrm>
-          <a:prstGeom prst="line">
-            <a:avLst/>
-          </a:prstGeom>
-          <a:ln w="12700">
-            <a:solidFill>
-              <a:srgbClr val="000001">
-                <a:alpha val="20000"/>
-              </a:srgbClr>
-            </a:solidFill>
-          </a:ln>
-        </p:spPr>
-        <p:style>
-          <a:lnRef idx="1">
-            <a:schemeClr val="accent1"/>
-          </a:lnRef>
-          <a:fillRef idx="0">
-            <a:schemeClr val="accent1"/>
-          </a:fillRef>
-          <a:effectRef idx="0">
-            <a:schemeClr val="accent1"/>
-          </a:effectRef>
-          <a:fontRef idx="minor">
-            <a:schemeClr val="tx1"/>
-          </a:fontRef>
-        </p:style>
-      </p:cxnSp>
-      <p:sp useBgFill="1">
-        <p:nvSpPr>
-          <p:cNvPr id="77" name="Rectangle 76">
-            <a:extLst>
-              <a:ext uri="{FF2B5EF4-FFF2-40B4-BE49-F238E27FC236}">
-                <a16:creationId xmlns:a16="http://schemas.microsoft.com/office/drawing/2014/main" id="{F1176DA6-4BBF-42A4-9C94-E6613CCD6B37}"/>
-              </a:ext>
-              <a:ext uri="{C183D7F6-B498-43B3-948B-1728B52AA6E4}">
-                <adec:decorative xmlns:adec="http://schemas.microsoft.com/office/drawing/2017/decorative" val="1"/>
-              </a:ext>
-            </a:extLst>
-          </p:cNvPr>
-          <p:cNvSpPr>
-            <a:spLocks noGrp="1" noRot="1" noChangeAspect="1" noMove="1" noResize="1" noEditPoints="1" noAdjustHandles="1" noChangeArrowheads="1" noChangeShapeType="1" noTextEdit="1"/>
-          </p:cNvSpPr>
-          <p:nvPr>
-            <p:extLst>
-              <p:ext uri="{386F3935-93C4-4BCD-93E2-E3B085C9AB24}">
-                <p16:designElem xmlns:p16="http://schemas.microsoft.com/office/powerpoint/2015/main" val="1"/>
-              </p:ext>
-            </p:extLst>
-          </p:nvPr>
-        </p:nvSpPr>
-        <p:spPr>
-          <a:xfrm>
-            <a:off x="0" y="0"/>
-            <a:ext cx="12192000" cy="6858000"/>
-          </a:xfrm>
-          <a:prstGeom prst="rect">
-            <a:avLst/>
-          </a:prstGeom>
-          <a:ln>
-            <a:noFill/>
-          </a:ln>
-        </p:spPr>
-        <p:style>
-          <a:lnRef idx="2">
-            <a:schemeClr val="accent1">
-              <a:shade val="50000"/>
-            </a:schemeClr>
-          </a:lnRef>
-          <a:fillRef idx="1">
-            <a:schemeClr val="accent1"/>
-          </a:fillRef>
-          <a:effectRef idx="0">
-            <a:schemeClr val="accent1"/>
-          </a:effectRef>
-          <a:fontRef idx="minor">
-            <a:schemeClr val="lt1"/>
-          </a:fontRef>
-        </p:style>
-        <p:txBody>
-          <a:bodyPr rtlCol="0" anchor="ctr"/>
-          <a:lstStyle/>
-          <a:p>
-            <a:pPr algn="ctr"/>
-            <a:endParaRPr lang="en-US"/>
-          </a:p>
-        </p:txBody>
-      </p:sp>
-      <p:sp>
-        <p:nvSpPr>
-          <p:cNvPr id="79" name="Rectangle 78">
-            <a:extLst>
-              <a:ext uri="{FF2B5EF4-FFF2-40B4-BE49-F238E27FC236}">
-                <a16:creationId xmlns:a16="http://schemas.microsoft.com/office/drawing/2014/main" id="{99AAB0AE-172B-4FB4-80C2-86CD6B824220}"/>
-              </a:ext>
-              <a:ext uri="{C183D7F6-B498-43B3-948B-1728B52AA6E4}">
-                <adec:decorative xmlns:adec="http://schemas.microsoft.com/office/drawing/2017/decorative" val="1"/>
-              </a:ext>
-            </a:extLst>
-          </p:cNvPr>
-          <p:cNvSpPr>
-            <a:spLocks noGrp="1" noRot="1" noChangeAspect="1" noMove="1" noResize="1" noEditPoints="1" noAdjustHandles="1" noChangeArrowheads="1" noChangeShapeType="1" noTextEdit="1"/>
-          </p:cNvSpPr>
-          <p:nvPr>
-            <p:extLst>
-              <p:ext uri="{386F3935-93C4-4BCD-93E2-E3B085C9AB24}">
-                <p16:designElem xmlns:p16="http://schemas.microsoft.com/office/powerpoint/2015/main" val="1"/>
-              </p:ext>
-            </p:extLst>
-          </p:nvPr>
-        </p:nvSpPr>
-        <p:spPr>
-          <a:xfrm>
-            <a:off x="477012" y="480060"/>
-            <a:ext cx="11237976" cy="5897880"/>
-          </a:xfrm>
-          <a:prstGeom prst="rect">
-            <a:avLst/>
-          </a:prstGeom>
-          <a:solidFill>
-            <a:schemeClr val="bg1"/>
-          </a:solidFill>
-          <a:ln w="22225">
-            <a:solidFill>
-              <a:srgbClr val="A31149"/>
-            </a:solidFill>
-          </a:ln>
-        </p:spPr>
-        <p:style>
-          <a:lnRef idx="2">
-            <a:schemeClr val="accent1">
-              <a:shade val="50000"/>
-            </a:schemeClr>
-          </a:lnRef>
-          <a:fillRef idx="1">
-            <a:schemeClr val="accent1"/>
-          </a:fillRef>
-          <a:effectRef idx="0">
-            <a:schemeClr val="accent1"/>
-          </a:effectRef>
-          <a:fontRef idx="minor">
-            <a:schemeClr val="lt1"/>
-          </a:fontRef>
-        </p:style>
-        <p:txBody>
-          <a:bodyPr rtlCol="0" anchor="ctr"/>
-          <a:lstStyle/>
-          <a:p>
-            <a:pPr algn="ctr"/>
-            <a:endParaRPr lang="en-US"/>
-          </a:p>
-        </p:txBody>
-      </p:sp>
-      <p:pic>
-        <p:nvPicPr>
-          <p:cNvPr id="2050" name="Picture 2" descr="Price&amp;#39;s Law &amp;amp; Pareto Distribution Inequality – Success &amp;amp; Failure">
-            <a:extLst>
-              <a:ext uri="{FF2B5EF4-FFF2-40B4-BE49-F238E27FC236}">
-                <a16:creationId xmlns:a16="http://schemas.microsoft.com/office/drawing/2014/main" id="{C8B4DCC6-14D6-F544-B893-2B3775A2FFD7}"/>
-              </a:ext>
-            </a:extLst>
-          </p:cNvPr>
-          <p:cNvPicPr>
-            <a:picLocks noGrp="1" noChangeAspect="1" noChangeArrowheads="1"/>
-          </p:cNvPicPr>
-          <p:nvPr>
-            <p:ph idx="1"/>
-          </p:nvPr>
-        </p:nvPicPr>
-        <p:blipFill>
-          <a:blip r:embed="rId3">
-            <a:extLst>
-              <a:ext uri="{28A0092B-C50C-407E-A947-70E740481C1C}">
-                <a14:useLocalDpi xmlns:a14="http://schemas.microsoft.com/office/drawing/2010/main" val="0"/>
-              </a:ext>
-            </a:extLst>
-          </a:blip>
-          <a:stretch>
-            <a:fillRect/>
-          </a:stretch>
-        </p:blipFill>
-        <p:spPr bwMode="auto">
-          <a:xfrm>
-            <a:off x="2073570" y="643467"/>
-            <a:ext cx="8044860" cy="5571066"/>
-          </a:xfrm>
-          <a:prstGeom prst="rect">
-            <a:avLst/>
-          </a:prstGeom>
-          <a:noFill/>
-          <a:extLst>
-            <a:ext uri="{909E8E84-426E-40DD-AFC4-6F175D3DCCD1}">
-              <a14:hiddenFill xmlns:a14="http://schemas.microsoft.com/office/drawing/2010/main">
-                <a:solidFill>
-                  <a:srgbClr val="FFFFFF"/>
-                </a:solidFill>
-              </a14:hiddenFill>
-            </a:ext>
-          </a:extLst>
-        </p:spPr>
-      </p:pic>
-    </p:spTree>
-    <p:extLst>
-      <p:ext uri="{BB962C8B-B14F-4D97-AF65-F5344CB8AC3E}">
-        <p14:creationId xmlns:p14="http://schemas.microsoft.com/office/powerpoint/2010/main" val="905032534"/>
-      </p:ext>
-    </p:extLst>
-  </p:cSld>
-  <p:clrMapOvr>
-    <a:masterClrMapping/>
-  </p:clrMapOvr>
-</p:sld>
-</file>
-
-<file path=ppt/slides/slide13.xml><?xml version="1.0" encoding="utf-8"?>
-<p:sld xmlns:a="http://schemas.openxmlformats.org/drawingml/2006/main" xmlns:r="http://schemas.openxmlformats.org/officeDocument/2006/relationships" xmlns:p="http://schemas.openxmlformats.org/presentationml/2006/main">
-  <p:cSld>
-    <p:spTree>
-      <p:nvGrpSpPr>
-        <p:cNvPr id="1" name=""/>
-        <p:cNvGrpSpPr/>
-        <p:nvPr/>
-      </p:nvGrpSpPr>
-      <p:grpSpPr>
-        <a:xfrm>
-          <a:off x="0" y="0"/>
-          <a:ext cx="0" cy="0"/>
-          <a:chOff x="0" y="0"/>
-          <a:chExt cx="0" cy="0"/>
-        </a:xfrm>
-      </p:grpSpPr>
-      <p:sp>
-        <p:nvSpPr>
-          <p:cNvPr id="2" name="Title 1">
-            <a:extLst>
-              <a:ext uri="{FF2B5EF4-FFF2-40B4-BE49-F238E27FC236}">
-                <a16:creationId xmlns:a16="http://schemas.microsoft.com/office/drawing/2014/main" id="{740F3F7D-1356-9240-983E-59AEA90F23F0}"/>
-              </a:ext>
-            </a:extLst>
-          </p:cNvPr>
-          <p:cNvSpPr>
-            <a:spLocks noGrp="1"/>
-          </p:cNvSpPr>
-          <p:nvPr>
-            <p:ph type="title"/>
-          </p:nvPr>
-        </p:nvSpPr>
-        <p:spPr/>
-        <p:txBody>
-          <a:bodyPr/>
-          <a:lstStyle/>
-          <a:p>
-            <a:r>
-              <a:rPr lang="en-US" dirty="0"/>
-              <a:t>Why Bother?</a:t>
-            </a:r>
-          </a:p>
-        </p:txBody>
-      </p:sp>
-      <p:sp>
-        <p:nvSpPr>
-          <p:cNvPr id="3" name="Content Placeholder 2">
-            <a:extLst>
-              <a:ext uri="{FF2B5EF4-FFF2-40B4-BE49-F238E27FC236}">
-                <a16:creationId xmlns:a16="http://schemas.microsoft.com/office/drawing/2014/main" id="{12C01C2E-B5FE-E540-A8D7-832EB72B9D00}"/>
-              </a:ext>
-            </a:extLst>
-          </p:cNvPr>
-          <p:cNvSpPr>
-            <a:spLocks noGrp="1"/>
-          </p:cNvSpPr>
-          <p:nvPr>
-            <p:ph idx="1"/>
-          </p:nvPr>
-        </p:nvSpPr>
-        <p:spPr>
-          <a:xfrm>
-            <a:off x="1" y="1853755"/>
-            <a:ext cx="5412658" cy="4199726"/>
-          </a:xfrm>
-        </p:spPr>
-        <p:txBody>
-          <a:bodyPr>
-            <a:normAutofit/>
-          </a:bodyPr>
-          <a:lstStyle/>
-          <a:p>
-            <a:r>
-              <a:rPr lang="en-US" dirty="0"/>
-              <a:t>All models are wrong, some are useful.</a:t>
-            </a:r>
-          </a:p>
-          <a:p>
-            <a:r>
-              <a:rPr lang="en-US" dirty="0"/>
-              <a:t>Models give a simplified picture of complex and noisy real-world scenarios. </a:t>
-            </a:r>
-          </a:p>
-          <a:p>
-            <a:r>
-              <a:rPr lang="en-US" dirty="0"/>
-              <a:t>Model assumptions fill gaps in knowledge. </a:t>
-            </a:r>
-          </a:p>
-          <a:p>
-            <a:r>
-              <a:rPr lang="en-US" dirty="0"/>
-              <a:t>If a model fits something, we can use it to do calculations and draw </a:t>
-            </a:r>
-            <a:r>
-              <a:rPr lang="en-US" b="1" dirty="0"/>
-              <a:t>inference</a:t>
-            </a:r>
-            <a:r>
-              <a:rPr lang="en-US" dirty="0"/>
-              <a:t>.</a:t>
-            </a:r>
-          </a:p>
-          <a:p>
-            <a:r>
-              <a:rPr lang="en-US" dirty="0"/>
-              <a:t>Ex. We can try to “fit” a model to explain the spread of COVID. </a:t>
-            </a:r>
-          </a:p>
-        </p:txBody>
-      </p:sp>
-      <p:pic>
-        <p:nvPicPr>
-          <p:cNvPr id="2050" name="Picture 2" descr="All Models Are Wrong, Some Are Very Wrong!">
-            <a:extLst>
-              <a:ext uri="{FF2B5EF4-FFF2-40B4-BE49-F238E27FC236}">
-                <a16:creationId xmlns:a16="http://schemas.microsoft.com/office/drawing/2014/main" id="{BEA6BC59-B82B-79D1-F97C-62B1C7C775C4}"/>
-              </a:ext>
-            </a:extLst>
-          </p:cNvPr>
-          <p:cNvPicPr>
-            <a:picLocks noChangeAspect="1" noChangeArrowheads="1"/>
-          </p:cNvPicPr>
-          <p:nvPr/>
-        </p:nvPicPr>
-        <p:blipFill rotWithShape="1">
-          <a:blip r:embed="rId2">
-            <a:extLst>
-              <a:ext uri="{28A0092B-C50C-407E-A947-70E740481C1C}">
-                <a14:useLocalDpi xmlns:a14="http://schemas.microsoft.com/office/drawing/2010/main" val="0"/>
-              </a:ext>
-            </a:extLst>
-          </a:blip>
-          <a:srcRect b="12694"/>
-          <a:stretch/>
-        </p:blipFill>
-        <p:spPr bwMode="auto">
-          <a:xfrm>
-            <a:off x="5412658" y="2408962"/>
-            <a:ext cx="6723957" cy="3156155"/>
-          </a:xfrm>
-          <a:prstGeom prst="rect">
-            <a:avLst/>
-          </a:prstGeom>
-          <a:noFill/>
-          <a:extLst>
-            <a:ext uri="{909E8E84-426E-40DD-AFC4-6F175D3DCCD1}">
-              <a14:hiddenFill xmlns:a14="http://schemas.microsoft.com/office/drawing/2010/main">
-                <a:solidFill>
-                  <a:srgbClr val="FFFFFF"/>
-                </a:solidFill>
-              </a14:hiddenFill>
-            </a:ext>
-          </a:extLst>
-        </p:spPr>
-      </p:pic>
-    </p:spTree>
-    <p:extLst>
-      <p:ext uri="{BB962C8B-B14F-4D97-AF65-F5344CB8AC3E}">
-        <p14:creationId xmlns:p14="http://schemas.microsoft.com/office/powerpoint/2010/main" val="2094213371"/>
-      </p:ext>
-    </p:extLst>
-  </p:cSld>
-  <p:clrMapOvr>
-    <a:masterClrMapping/>
-  </p:clrMapOvr>
-</p:sld>
-</file>
-
-<file path=ppt/slides/slide14.xml><?xml version="1.0" encoding="utf-8"?>
 <p:sld xmlns:a="http://schemas.openxmlformats.org/drawingml/2006/main" xmlns:r="http://schemas.openxmlformats.org/officeDocument/2006/relationships" xmlns:p="http://schemas.openxmlformats.org/presentationml/2006/main">
   <p:cSld>
     <p:bg>
@@ -4751,7 +4078,7 @@
           <p:cNvPr id="2" name="Title 1">
             <a:extLst>
               <a:ext uri="{FF2B5EF4-FFF2-40B4-BE49-F238E27FC236}">
-                <a16:creationId xmlns:a16="http://schemas.microsoft.com/office/drawing/2014/main" id="{AA67E9BD-6BDA-9E4B-BC24-A43D924084AD}"/>
+                <a16:creationId xmlns:a16="http://schemas.microsoft.com/office/drawing/2014/main" id="{34FE0BDA-819A-E44A-B59C-1A2CE55D6B82}"/>
               </a:ext>
             </a:extLst>
           </p:cNvPr>
@@ -4775,9 +4102,14 @@
           <a:lstStyle/>
           <a:p>
             <a:r>
-              <a:rPr lang="en-US" dirty="0"/>
-              <a:t>Example – Use model to Predict</a:t>
-            </a:r>
+              <a:rPr lang="en-US" sz="2700"/>
+              <a:t>Other Distributions - </a:t>
+            </a:r>
+            <a:r>
+              <a:rPr lang="en-US" sz="2700" err="1"/>
+              <a:t>LogNormal</a:t>
+            </a:r>
+            <a:endParaRPr lang="en-US" sz="2700"/>
           </a:p>
         </p:txBody>
       </p:sp>
@@ -4860,7 +4192,7 @@
           <p:cNvPr id="3" name="Content Placeholder 2">
             <a:extLst>
               <a:ext uri="{FF2B5EF4-FFF2-40B4-BE49-F238E27FC236}">
-                <a16:creationId xmlns:a16="http://schemas.microsoft.com/office/drawing/2014/main" id="{B41D4AE7-D507-0242-9DBD-C4089277944D}"/>
+                <a16:creationId xmlns:a16="http://schemas.microsoft.com/office/drawing/2014/main" id="{2D15F7E9-E3A8-E149-9A35-8BFA15336AFA}"/>
               </a:ext>
             </a:extLst>
           </p:cNvPr>
@@ -4873,8 +4205,8 @@
         </p:nvSpPr>
         <p:spPr>
           <a:xfrm>
-            <a:off x="523568" y="2015732"/>
-            <a:ext cx="5100225" cy="3890994"/>
+            <a:off x="589935" y="2015732"/>
+            <a:ext cx="5033858" cy="3450613"/>
           </a:xfrm>
         </p:spPr>
         <p:txBody>
@@ -4885,81 +4217,41 @@
           <a:p>
             <a:r>
               <a:rPr lang="en-US" dirty="0"/>
-              <a:t>If someone is 67 inches tall, how much do they weigh? </a:t>
-            </a:r>
-          </a:p>
-          <a:p>
-            <a:r>
-              <a:rPr lang="en-US" dirty="0"/>
-              <a:t>Blue dots are the empirical data. </a:t>
-            </a:r>
-          </a:p>
-          <a:p>
-            <a:r>
-              <a:rPr lang="en-US" dirty="0"/>
-              <a:t>Red line is model (best fit). </a:t>
-            </a:r>
-          </a:p>
-          <a:p>
-            <a:r>
-              <a:rPr lang="en-US" dirty="0"/>
-              <a:t>We don’t have empirical data on the weight of a 67 inch person. </a:t>
-            </a:r>
-          </a:p>
-          <a:p>
-            <a:r>
-              <a:rPr lang="en-US" dirty="0"/>
-              <a:t>We do have a model that gives us an estimate, based on the empirical data. </a:t>
-            </a:r>
-          </a:p>
-        </p:txBody>
-      </p:sp>
-      <p:pic>
-        <p:nvPicPr>
-          <p:cNvPr id="5122" name="Picture 2" descr="Lesson 9: Linear Regression Foundations">
-            <a:extLst>
-              <a:ext uri="{FF2B5EF4-FFF2-40B4-BE49-F238E27FC236}">
-                <a16:creationId xmlns:a16="http://schemas.microsoft.com/office/drawing/2014/main" id="{C734B908-9DD0-384D-830B-40455249C85C}"/>
-              </a:ext>
-            </a:extLst>
-          </p:cNvPr>
-          <p:cNvPicPr>
-            <a:picLocks noChangeAspect="1" noChangeArrowheads="1"/>
-          </p:cNvPicPr>
-          <p:nvPr/>
-        </p:nvPicPr>
-        <p:blipFill>
-          <a:blip r:embed="rId2">
-            <a:extLst>
-              <a:ext uri="{28A0092B-C50C-407E-A947-70E740481C1C}">
-                <a14:useLocalDpi xmlns:a14="http://schemas.microsoft.com/office/drawing/2010/main" val="0"/>
-              </a:ext>
-            </a:extLst>
-          </a:blip>
-          <a:stretch>
-            <a:fillRect/>
-          </a:stretch>
-        </p:blipFill>
-        <p:spPr bwMode="auto">
-          <a:xfrm>
-            <a:off x="6094410" y="697859"/>
-            <a:ext cx="6097589" cy="4109774"/>
-          </a:xfrm>
-          <a:prstGeom prst="rect">
-            <a:avLst/>
-          </a:prstGeom>
-          <a:noFill/>
-          <a:extLst>
-            <a:ext uri="{909E8E84-426E-40DD-AFC4-6F175D3DCCD1}">
-              <a14:hiddenFill xmlns:a14="http://schemas.microsoft.com/office/drawing/2010/main">
-                <a:solidFill>
-                  <a:srgbClr val="FFFFFF"/>
-                </a:solidFill>
-              </a14:hiddenFill>
-            </a:ext>
-          </a:extLst>
-        </p:spPr>
-      </p:pic>
+              <a:t>Lognormal distributions are similar to normal, but slightly ‘tweaked’. </a:t>
+            </a:r>
+          </a:p>
+          <a:p>
+            <a:r>
+              <a:rPr lang="en-US" dirty="0"/>
+              <a:t>They have a longer right side tail. </a:t>
+            </a:r>
+          </a:p>
+          <a:p>
+            <a:pPr lvl="1"/>
+            <a:r>
+              <a:rPr lang="en-US" dirty="0"/>
+              <a:t>It is </a:t>
+            </a:r>
+            <a:r>
+              <a:rPr lang="en-US"/>
+              <a:t>“skewed”. </a:t>
+            </a:r>
+            <a:endParaRPr lang="en-US" dirty="0"/>
+          </a:p>
+          <a:p>
+            <a:r>
+              <a:rPr lang="en-US" dirty="0"/>
+              <a:t>E.g. Wave heights – there are a few that are really large. </a:t>
+            </a:r>
+          </a:p>
+          <a:p>
+            <a:r>
+              <a:rPr lang="en-US" dirty="0"/>
+              <a:t>People’s heights are slightly more lognormal than normal. </a:t>
+            </a:r>
+          </a:p>
+        </p:txBody>
+      </p:sp>
       <p:pic>
         <p:nvPicPr>
           <p:cNvPr id="77" name="Picture 76">
@@ -4984,7 +4276,7 @@
           </p:nvPr>
         </p:nvPicPr>
         <p:blipFill rotWithShape="1">
-          <a:blip r:embed="rId3">
+          <a:blip r:embed="rId2">
             <a:extLst>
               <a:ext uri="{28A0092B-C50C-407E-A947-70E740481C1C}">
                 <a14:useLocalDpi xmlns:a14="http://schemas.microsoft.com/office/drawing/2010/main" val="0"/>
@@ -5058,10 +4350,542 @@
           </a:fontRef>
         </p:style>
       </p:cxnSp>
+      <p:pic>
+        <p:nvPicPr>
+          <p:cNvPr id="5122" name="Picture 2" descr="Lognormal and Normal Distribution">
+            <a:extLst>
+              <a:ext uri="{FF2B5EF4-FFF2-40B4-BE49-F238E27FC236}">
+                <a16:creationId xmlns:a16="http://schemas.microsoft.com/office/drawing/2014/main" id="{37CDB209-8D0F-CDA9-B569-E30EE0871720}"/>
+              </a:ext>
+            </a:extLst>
+          </p:cNvPr>
+          <p:cNvPicPr>
+            <a:picLocks noChangeAspect="1" noChangeArrowheads="1"/>
+          </p:cNvPicPr>
+          <p:nvPr/>
+        </p:nvPicPr>
+        <p:blipFill>
+          <a:blip r:embed="rId3">
+            <a:extLst>
+              <a:ext uri="{28A0092B-C50C-407E-A947-70E740481C1C}">
+                <a14:useLocalDpi xmlns:a14="http://schemas.microsoft.com/office/drawing/2010/main" val="0"/>
+              </a:ext>
+            </a:extLst>
+          </a:blip>
+          <a:srcRect/>
+          <a:stretch>
+            <a:fillRect/>
+          </a:stretch>
+        </p:blipFill>
+        <p:spPr bwMode="auto">
+          <a:xfrm>
+            <a:off x="6095849" y="729586"/>
+            <a:ext cx="6013957" cy="5492663"/>
+          </a:xfrm>
+          <a:prstGeom prst="rect">
+            <a:avLst/>
+          </a:prstGeom>
+          <a:noFill/>
+          <a:extLst>
+            <a:ext uri="{909E8E84-426E-40DD-AFC4-6F175D3DCCD1}">
+              <a14:hiddenFill xmlns:a14="http://schemas.microsoft.com/office/drawing/2010/main">
+                <a:solidFill>
+                  <a:srgbClr val="FFFFFF"/>
+                </a:solidFill>
+              </a14:hiddenFill>
+            </a:ext>
+          </a:extLst>
+        </p:spPr>
+      </p:pic>
     </p:spTree>
     <p:extLst>
       <p:ext uri="{BB962C8B-B14F-4D97-AF65-F5344CB8AC3E}">
-        <p14:creationId xmlns:p14="http://schemas.microsoft.com/office/powerpoint/2010/main" val="1365649302"/>
+        <p14:creationId xmlns:p14="http://schemas.microsoft.com/office/powerpoint/2010/main" val="2559469915"/>
+      </p:ext>
+    </p:extLst>
+  </p:cSld>
+  <p:clrMapOvr>
+    <a:masterClrMapping/>
+  </p:clrMapOvr>
+</p:sld>
+</file>
+
+<file path=ppt/slides/slide12.xml><?xml version="1.0" encoding="utf-8"?>
+<p:sld xmlns:a="http://schemas.openxmlformats.org/drawingml/2006/main" xmlns:r="http://schemas.openxmlformats.org/officeDocument/2006/relationships" xmlns:p="http://schemas.openxmlformats.org/presentationml/2006/main">
+  <p:cSld>
+    <p:spTree>
+      <p:nvGrpSpPr>
+        <p:cNvPr id="1" name=""/>
+        <p:cNvGrpSpPr/>
+        <p:nvPr/>
+      </p:nvGrpSpPr>
+      <p:grpSpPr>
+        <a:xfrm>
+          <a:off x="0" y="0"/>
+          <a:ext cx="0" cy="0"/>
+          <a:chOff x="0" y="0"/>
+          <a:chExt cx="0" cy="0"/>
+        </a:xfrm>
+      </p:grpSpPr>
+      <p:sp>
+        <p:nvSpPr>
+          <p:cNvPr id="2" name="Title 1">
+            <a:extLst>
+              <a:ext uri="{FF2B5EF4-FFF2-40B4-BE49-F238E27FC236}">
+                <a16:creationId xmlns:a16="http://schemas.microsoft.com/office/drawing/2014/main" id="{5D990652-6841-F04E-B871-279EB8717CE7}"/>
+              </a:ext>
+            </a:extLst>
+          </p:cNvPr>
+          <p:cNvSpPr>
+            <a:spLocks noGrp="1"/>
+          </p:cNvSpPr>
+          <p:nvPr>
+            <p:ph type="title"/>
+          </p:nvPr>
+        </p:nvSpPr>
+        <p:spPr/>
+        <p:txBody>
+          <a:bodyPr/>
+          <a:lstStyle/>
+          <a:p>
+            <a:r>
+              <a:rPr lang="en-US" dirty="0"/>
+              <a:t>Other Distributions - Exponential</a:t>
+            </a:r>
+          </a:p>
+        </p:txBody>
+      </p:sp>
+      <p:sp>
+        <p:nvSpPr>
+          <p:cNvPr id="3" name="Content Placeholder 2">
+            <a:extLst>
+              <a:ext uri="{FF2B5EF4-FFF2-40B4-BE49-F238E27FC236}">
+                <a16:creationId xmlns:a16="http://schemas.microsoft.com/office/drawing/2014/main" id="{94074069-1BD7-8246-BF19-8D162C6DDBCE}"/>
+              </a:ext>
+            </a:extLst>
+          </p:cNvPr>
+          <p:cNvSpPr>
+            <a:spLocks noGrp="1"/>
+          </p:cNvSpPr>
+          <p:nvPr>
+            <p:ph idx="1"/>
+          </p:nvPr>
+        </p:nvSpPr>
+        <p:spPr>
+          <a:xfrm>
+            <a:off x="1451579" y="2015732"/>
+            <a:ext cx="9603275" cy="4037749"/>
+          </a:xfrm>
+        </p:spPr>
+        <p:txBody>
+          <a:bodyPr/>
+          <a:lstStyle/>
+          <a:p>
+            <a:r>
+              <a:rPr lang="en-US" dirty="0"/>
+              <a:t>Topical – viral spread can be modeled exponentially.</a:t>
+            </a:r>
+          </a:p>
+          <a:p>
+            <a:r>
+              <a:rPr lang="en-US" dirty="0"/>
+              <a:t>The “R” value often quoted is a measure of how many people an average infected person will infect. If it is greater than one, the virus spreads; if lower, it eventually dies out.</a:t>
+            </a:r>
+          </a:p>
+          <a:p>
+            <a:r>
+              <a:rPr lang="en-US" dirty="0"/>
+              <a:t>E.g. an R value of 1.1 would mean that 100 infected people generate 110 infections, who in turn generate 121 infections, </a:t>
+            </a:r>
+            <a:r>
+              <a:rPr lang="en-US" dirty="0" err="1"/>
+              <a:t>etc</a:t>
+            </a:r>
+            <a:r>
+              <a:rPr lang="en-US" dirty="0"/>
+              <a:t>…</a:t>
+            </a:r>
+          </a:p>
+          <a:p>
+            <a:r>
+              <a:rPr lang="en-US" dirty="0"/>
+              <a:t>Real world models are more complex – vaccine penetration, population behavior, restrictions, </a:t>
+            </a:r>
+            <a:r>
+              <a:rPr lang="en-US" dirty="0" err="1"/>
+              <a:t>etc</a:t>
+            </a:r>
+            <a:r>
+              <a:rPr lang="en-US" dirty="0"/>
+              <a:t>… all complicate the math. </a:t>
+            </a:r>
+          </a:p>
+          <a:p>
+            <a:r>
+              <a:rPr lang="en-US" dirty="0"/>
+              <a:t>Note:  The book looks at a slightly different exponential distribution, more on that next time.</a:t>
+            </a:r>
+          </a:p>
+        </p:txBody>
+      </p:sp>
+    </p:spTree>
+    <p:extLst>
+      <p:ext uri="{BB962C8B-B14F-4D97-AF65-F5344CB8AC3E}">
+        <p14:creationId xmlns:p14="http://schemas.microsoft.com/office/powerpoint/2010/main" val="967434610"/>
+      </p:ext>
+    </p:extLst>
+  </p:cSld>
+  <p:clrMapOvr>
+    <a:masterClrMapping/>
+  </p:clrMapOvr>
+</p:sld>
+</file>
+
+<file path=ppt/slides/slide13.xml><?xml version="1.0" encoding="utf-8"?>
+<p:sld xmlns:a="http://schemas.openxmlformats.org/drawingml/2006/main" xmlns:r="http://schemas.openxmlformats.org/officeDocument/2006/relationships" xmlns:p="http://schemas.openxmlformats.org/presentationml/2006/main">
+  <p:cSld>
+    <p:spTree>
+      <p:nvGrpSpPr>
+        <p:cNvPr id="1" name=""/>
+        <p:cNvGrpSpPr/>
+        <p:nvPr/>
+      </p:nvGrpSpPr>
+      <p:grpSpPr>
+        <a:xfrm>
+          <a:off x="0" y="0"/>
+          <a:ext cx="0" cy="0"/>
+          <a:chOff x="0" y="0"/>
+          <a:chExt cx="0" cy="0"/>
+        </a:xfrm>
+      </p:grpSpPr>
+      <p:sp>
+        <p:nvSpPr>
+          <p:cNvPr id="2" name="Title 1">
+            <a:extLst>
+              <a:ext uri="{FF2B5EF4-FFF2-40B4-BE49-F238E27FC236}">
+                <a16:creationId xmlns:a16="http://schemas.microsoft.com/office/drawing/2014/main" id="{B6B667CC-3132-AD46-A606-DE4585244F76}"/>
+              </a:ext>
+            </a:extLst>
+          </p:cNvPr>
+          <p:cNvSpPr>
+            <a:spLocks noGrp="1"/>
+          </p:cNvSpPr>
+          <p:nvPr>
+            <p:ph type="title"/>
+          </p:nvPr>
+        </p:nvSpPr>
+        <p:spPr>
+          <a:xfrm>
+            <a:off x="6299593" y="804519"/>
+            <a:ext cx="4755261" cy="1049235"/>
+          </a:xfrm>
+        </p:spPr>
+        <p:txBody>
+          <a:bodyPr/>
+          <a:lstStyle/>
+          <a:p>
+            <a:r>
+              <a:rPr lang="en-US" dirty="0"/>
+              <a:t>Exponential</a:t>
+            </a:r>
+          </a:p>
+        </p:txBody>
+      </p:sp>
+      <p:sp>
+        <p:nvSpPr>
+          <p:cNvPr id="3" name="Content Placeholder 2">
+            <a:extLst>
+              <a:ext uri="{FF2B5EF4-FFF2-40B4-BE49-F238E27FC236}">
+                <a16:creationId xmlns:a16="http://schemas.microsoft.com/office/drawing/2014/main" id="{0401C41D-F379-724A-AD0C-09F8ACAE8FD8}"/>
+              </a:ext>
+            </a:extLst>
+          </p:cNvPr>
+          <p:cNvSpPr>
+            <a:spLocks noGrp="1"/>
+          </p:cNvSpPr>
+          <p:nvPr>
+            <p:ph idx="1"/>
+          </p:nvPr>
+        </p:nvSpPr>
+        <p:spPr>
+          <a:xfrm>
+            <a:off x="1" y="4910203"/>
+            <a:ext cx="6372522" cy="1143278"/>
+          </a:xfrm>
+        </p:spPr>
+        <p:txBody>
+          <a:bodyPr/>
+          <a:lstStyle/>
+          <a:p>
+            <a:r>
+              <a:rPr lang="en-US" dirty="0"/>
+              <a:t>Exponential are often seen in a time-series plot, as seen on the right. </a:t>
+            </a:r>
+          </a:p>
+        </p:txBody>
+      </p:sp>
+      <p:pic>
+        <p:nvPicPr>
+          <p:cNvPr id="1026" name="Picture 2" descr="Coronavirus is growing exponentially – here&amp;#39;s what that really means">
+            <a:extLst>
+              <a:ext uri="{FF2B5EF4-FFF2-40B4-BE49-F238E27FC236}">
+                <a16:creationId xmlns:a16="http://schemas.microsoft.com/office/drawing/2014/main" id="{F4BB64A2-1B33-A14B-9F31-EEAE9ACD8F32}"/>
+              </a:ext>
+            </a:extLst>
+          </p:cNvPr>
+          <p:cNvPicPr>
+            <a:picLocks noChangeAspect="1" noChangeArrowheads="1"/>
+          </p:cNvPicPr>
+          <p:nvPr/>
+        </p:nvPicPr>
+        <p:blipFill>
+          <a:blip r:embed="rId2">
+            <a:extLst>
+              <a:ext uri="{28A0092B-C50C-407E-A947-70E740481C1C}">
+                <a14:useLocalDpi xmlns:a14="http://schemas.microsoft.com/office/drawing/2010/main" val="0"/>
+              </a:ext>
+            </a:extLst>
+          </a:blip>
+          <a:srcRect/>
+          <a:stretch>
+            <a:fillRect/>
+          </a:stretch>
+        </p:blipFill>
+        <p:spPr bwMode="auto">
+          <a:xfrm>
+            <a:off x="6372523" y="2749463"/>
+            <a:ext cx="5819477" cy="4108537"/>
+          </a:xfrm>
+          <a:prstGeom prst="rect">
+            <a:avLst/>
+          </a:prstGeom>
+          <a:noFill/>
+          <a:extLst>
+            <a:ext uri="{909E8E84-426E-40DD-AFC4-6F175D3DCCD1}">
+              <a14:hiddenFill xmlns:a14="http://schemas.microsoft.com/office/drawing/2010/main">
+                <a:solidFill>
+                  <a:srgbClr val="FFFFFF"/>
+                </a:solidFill>
+              </a14:hiddenFill>
+            </a:ext>
+          </a:extLst>
+        </p:spPr>
+      </p:pic>
+      <p:pic>
+        <p:nvPicPr>
+          <p:cNvPr id="4" name="Picture 2" descr="Exponential Distribution: Uses, Parameters &amp; Examples - Statistics By Jim">
+            <a:extLst>
+              <a:ext uri="{FF2B5EF4-FFF2-40B4-BE49-F238E27FC236}">
+                <a16:creationId xmlns:a16="http://schemas.microsoft.com/office/drawing/2014/main" id="{EC7E29DC-A042-6DDB-C0E3-509124548314}"/>
+              </a:ext>
+            </a:extLst>
+          </p:cNvPr>
+          <p:cNvPicPr>
+            <a:picLocks noChangeAspect="1" noChangeArrowheads="1"/>
+          </p:cNvPicPr>
+          <p:nvPr/>
+        </p:nvPicPr>
+        <p:blipFill>
+          <a:blip r:embed="rId3">
+            <a:extLst>
+              <a:ext uri="{28A0092B-C50C-407E-A947-70E740481C1C}">
+                <a14:useLocalDpi xmlns:a14="http://schemas.microsoft.com/office/drawing/2010/main" val="0"/>
+              </a:ext>
+            </a:extLst>
+          </a:blip>
+          <a:srcRect/>
+          <a:stretch>
+            <a:fillRect/>
+          </a:stretch>
+        </p:blipFill>
+        <p:spPr bwMode="auto">
+          <a:xfrm>
+            <a:off x="1" y="804519"/>
+            <a:ext cx="6299592" cy="4199728"/>
+          </a:xfrm>
+          <a:prstGeom prst="rect">
+            <a:avLst/>
+          </a:prstGeom>
+          <a:noFill/>
+          <a:extLst>
+            <a:ext uri="{909E8E84-426E-40DD-AFC4-6F175D3DCCD1}">
+              <a14:hiddenFill xmlns:a14="http://schemas.microsoft.com/office/drawing/2010/main">
+                <a:solidFill>
+                  <a:srgbClr val="FFFFFF"/>
+                </a:solidFill>
+              </a14:hiddenFill>
+            </a:ext>
+          </a:extLst>
+        </p:spPr>
+      </p:pic>
+    </p:spTree>
+    <p:extLst>
+      <p:ext uri="{BB962C8B-B14F-4D97-AF65-F5344CB8AC3E}">
+        <p14:creationId xmlns:p14="http://schemas.microsoft.com/office/powerpoint/2010/main" val="999310419"/>
+      </p:ext>
+    </p:extLst>
+  </p:cSld>
+  <p:clrMapOvr>
+    <a:masterClrMapping/>
+  </p:clrMapOvr>
+</p:sld>
+</file>
+
+<file path=ppt/slides/slide14.xml><?xml version="1.0" encoding="utf-8"?>
+<p:sld xmlns:a="http://schemas.openxmlformats.org/drawingml/2006/main" xmlns:r="http://schemas.openxmlformats.org/officeDocument/2006/relationships" xmlns:p="http://schemas.openxmlformats.org/presentationml/2006/main">
+  <p:cSld>
+    <p:spTree>
+      <p:nvGrpSpPr>
+        <p:cNvPr id="1" name=""/>
+        <p:cNvGrpSpPr/>
+        <p:nvPr/>
+      </p:nvGrpSpPr>
+      <p:grpSpPr>
+        <a:xfrm>
+          <a:off x="0" y="0"/>
+          <a:ext cx="0" cy="0"/>
+          <a:chOff x="0" y="0"/>
+          <a:chExt cx="0" cy="0"/>
+        </a:xfrm>
+      </p:grpSpPr>
+      <p:sp>
+        <p:nvSpPr>
+          <p:cNvPr id="2" name="Title 1">
+            <a:extLst>
+              <a:ext uri="{FF2B5EF4-FFF2-40B4-BE49-F238E27FC236}">
+                <a16:creationId xmlns:a16="http://schemas.microsoft.com/office/drawing/2014/main" id="{5B2DEB1A-3910-CAEF-2C2C-671EA3E1C8C3}"/>
+              </a:ext>
+            </a:extLst>
+          </p:cNvPr>
+          <p:cNvSpPr>
+            <a:spLocks noGrp="1"/>
+          </p:cNvSpPr>
+          <p:nvPr>
+            <p:ph type="title"/>
+          </p:nvPr>
+        </p:nvSpPr>
+        <p:spPr/>
+        <p:txBody>
+          <a:bodyPr/>
+          <a:lstStyle/>
+          <a:p>
+            <a:r>
+              <a:rPr lang="en-US" dirty="0"/>
+              <a:t>Exponential Distribution</a:t>
+            </a:r>
+          </a:p>
+        </p:txBody>
+      </p:sp>
+      <p:sp>
+        <p:nvSpPr>
+          <p:cNvPr id="3" name="Content Placeholder 2">
+            <a:extLst>
+              <a:ext uri="{FF2B5EF4-FFF2-40B4-BE49-F238E27FC236}">
+                <a16:creationId xmlns:a16="http://schemas.microsoft.com/office/drawing/2014/main" id="{C1D0D8FF-D580-F956-C863-2FEF397410B6}"/>
+              </a:ext>
+            </a:extLst>
+          </p:cNvPr>
+          <p:cNvSpPr>
+            <a:spLocks noGrp="1"/>
+          </p:cNvSpPr>
+          <p:nvPr>
+            <p:ph idx="1"/>
+          </p:nvPr>
+        </p:nvSpPr>
+        <p:spPr>
+          <a:xfrm>
+            <a:off x="663677" y="2015732"/>
+            <a:ext cx="5514939" cy="3450613"/>
+          </a:xfrm>
+        </p:spPr>
+        <p:txBody>
+          <a:bodyPr/>
+          <a:lstStyle/>
+          <a:p>
+            <a:r>
+              <a:rPr lang="en-US" dirty="0"/>
+              <a:t>The plot of exponential growth (normally shown over time) looks like a hockey stick. </a:t>
+            </a:r>
+          </a:p>
+          <a:p>
+            <a:r>
+              <a:rPr lang="en-US" dirty="0"/>
+              <a:t>The histogram/</a:t>
+            </a:r>
+            <a:r>
+              <a:rPr lang="en-US" dirty="0" err="1"/>
+              <a:t>pmf</a:t>
+            </a:r>
+            <a:r>
+              <a:rPr lang="en-US" dirty="0"/>
+              <a:t>/pdf function is the “opposite”:</a:t>
+            </a:r>
+          </a:p>
+          <a:p>
+            <a:pPr lvl="1"/>
+            <a:r>
+              <a:rPr lang="en-US" dirty="0"/>
+              <a:t>Lots of small values. (The flat, early part). </a:t>
+            </a:r>
+          </a:p>
+          <a:p>
+            <a:pPr lvl="1"/>
+            <a:r>
+              <a:rPr lang="en-US" dirty="0"/>
+              <a:t>A few large values. (The “climbing” part). </a:t>
+            </a:r>
+          </a:p>
+        </p:txBody>
+      </p:sp>
+      <p:pic>
+        <p:nvPicPr>
+          <p:cNvPr id="1026" name="Picture 2" descr="plot of the probability density function of the exponential distribution">
+            <a:extLst>
+              <a:ext uri="{FF2B5EF4-FFF2-40B4-BE49-F238E27FC236}">
+                <a16:creationId xmlns:a16="http://schemas.microsoft.com/office/drawing/2014/main" id="{6C7D26DD-5554-9114-A879-460661FFB3A0}"/>
+              </a:ext>
+            </a:extLst>
+          </p:cNvPr>
+          <p:cNvPicPr>
+            <a:picLocks noChangeAspect="1" noChangeArrowheads="1"/>
+          </p:cNvPicPr>
+          <p:nvPr/>
+        </p:nvPicPr>
+        <p:blipFill rotWithShape="1">
+          <a:blip r:embed="rId2">
+            <a:extLst>
+              <a:ext uri="{28A0092B-C50C-407E-A947-70E740481C1C}">
+                <a14:useLocalDpi xmlns:a14="http://schemas.microsoft.com/office/drawing/2010/main" val="0"/>
+              </a:ext>
+            </a:extLst>
+          </a:blip>
+          <a:srcRect t="7447" r="5578" b="7185"/>
+          <a:stretch/>
+        </p:blipFill>
+        <p:spPr bwMode="auto">
+          <a:xfrm>
+            <a:off x="6178616" y="1853754"/>
+            <a:ext cx="6013384" cy="4349443"/>
+          </a:xfrm>
+          <a:prstGeom prst="rect">
+            <a:avLst/>
+          </a:prstGeom>
+          <a:noFill/>
+          <a:extLst>
+            <a:ext uri="{909E8E84-426E-40DD-AFC4-6F175D3DCCD1}">
+              <a14:hiddenFill xmlns:a14="http://schemas.microsoft.com/office/drawing/2010/main">
+                <a:solidFill>
+                  <a:srgbClr val="FFFFFF"/>
+                </a:solidFill>
+              </a14:hiddenFill>
+            </a:ext>
+          </a:extLst>
+        </p:spPr>
+      </p:pic>
+    </p:spTree>
+    <p:extLst>
+      <p:ext uri="{BB962C8B-B14F-4D97-AF65-F5344CB8AC3E}">
+        <p14:creationId xmlns:p14="http://schemas.microsoft.com/office/powerpoint/2010/main" val="3914195842"/>
       </p:ext>
     </p:extLst>
   </p:cSld>
@@ -5093,7 +4917,7 @@
           <p:cNvPr id="2" name="Title 1">
             <a:extLst>
               <a:ext uri="{FF2B5EF4-FFF2-40B4-BE49-F238E27FC236}">
-                <a16:creationId xmlns:a16="http://schemas.microsoft.com/office/drawing/2014/main" id="{BED200ED-3E70-4A5A-6FFB-0C96D6208774}"/>
+                <a16:creationId xmlns:a16="http://schemas.microsoft.com/office/drawing/2014/main" id="{3A8EF875-5449-C54D-8493-0CAA0A5AAB3B}"/>
               </a:ext>
             </a:extLst>
           </p:cNvPr>
@@ -5111,7 +4935,7 @@
           <a:p>
             <a:r>
               <a:rPr lang="en-US" dirty="0"/>
-              <a:t>Analytical Models and Inference</a:t>
+              <a:t>Other Distributions - Pareto</a:t>
             </a:r>
           </a:p>
         </p:txBody>
@@ -5121,7 +4945,7 @@
           <p:cNvPr id="3" name="Content Placeholder 2">
             <a:extLst>
               <a:ext uri="{FF2B5EF4-FFF2-40B4-BE49-F238E27FC236}">
-                <a16:creationId xmlns:a16="http://schemas.microsoft.com/office/drawing/2014/main" id="{7E9071FD-AD95-002C-A2CA-3772CAE52C8F}"/>
+                <a16:creationId xmlns:a16="http://schemas.microsoft.com/office/drawing/2014/main" id="{0175512E-326E-174D-8A9D-73A51CEB735B}"/>
               </a:ext>
             </a:extLst>
           </p:cNvPr>
@@ -5134,79 +4958,1006 @@
         </p:nvSpPr>
         <p:spPr>
           <a:xfrm>
-            <a:off x="1451579" y="1853754"/>
-            <a:ext cx="9603275" cy="4199727"/>
-          </a:xfrm>
-        </p:spPr>
-        <p:txBody>
-          <a:bodyPr/>
-          <a:lstStyle/>
-          <a:p>
-            <a:r>
-              <a:rPr lang="en-US" dirty="0"/>
-              <a:t>Analytical models are a key foundation of inferential statistics and machine learning. </a:t>
+            <a:off x="363255" y="2015732"/>
+            <a:ext cx="7852079" cy="4037749"/>
+          </a:xfrm>
+        </p:spPr>
+        <p:txBody>
+          <a:bodyPr>
+            <a:normAutofit/>
+          </a:bodyPr>
+          <a:lstStyle/>
+          <a:p>
+            <a:r>
+              <a:rPr lang="en-US" dirty="0"/>
+              <a:t>Pareto was an Italian economist from way back.</a:t>
+            </a:r>
+          </a:p>
+          <a:p>
+            <a:r>
+              <a:rPr lang="en-US" dirty="0"/>
+              <a:t>Created the 80/20 rule or Pareto Principle – 80% of the results come from 20% of the inputs. </a:t>
             </a:r>
           </a:p>
           <a:p>
             <a:pPr lvl="1"/>
             <a:r>
               <a:rPr lang="en-US" dirty="0"/>
-              <a:t>The model provides us with a set of expectations. </a:t>
+              <a:t>Original – 80% land belongs to 20% of people. </a:t>
             </a:r>
           </a:p>
           <a:p>
             <a:pPr lvl="1"/>
             <a:r>
               <a:rPr lang="en-US" dirty="0"/>
-              <a:t>The empirical data provides us with the parameters shaping those expectations. </a:t>
-            </a:r>
-          </a:p>
-          <a:p>
-            <a:r>
-              <a:rPr lang="en-US" dirty="0"/>
-              <a:t>Generalization in statistics also relies on analytical models. </a:t>
+              <a:t>Wealth – 80% of wealth belongs to 20% of people.</a:t>
             </a:r>
           </a:p>
           <a:p>
             <a:pPr lvl="1"/>
             <a:r>
               <a:rPr lang="en-US" dirty="0"/>
-              <a:t>The parameters come from a small subset, where ‘all’ is impractical. </a:t>
+              <a:t>Customers – 80% of revenue comes from 20% of customers.</a:t>
+            </a:r>
+          </a:p>
+          <a:p>
+            <a:r>
+              <a:rPr lang="en-US" dirty="0"/>
+              <a:t>The 80/20 split varies, but the idea applies in many situations:</a:t>
             </a:r>
           </a:p>
           <a:p>
             <a:pPr lvl="1"/>
             <a:r>
               <a:rPr lang="en-US" dirty="0"/>
-              <a:t>The model projects those expectations to an entire population. </a:t>
-            </a:r>
-          </a:p>
-          <a:p>
-            <a:r>
-              <a:rPr lang="en-US" dirty="0"/>
-              <a:t>We aren’t assured that an analytical distribution will fit our data, but they commonly do. </a:t>
+              <a:t>Microsoft – 80% errors from 20% bugs.</a:t>
             </a:r>
           </a:p>
           <a:p>
             <a:pPr lvl="1"/>
-            <a:r>
-              <a:rPr lang="en-US" dirty="0"/>
-              <a:t>ML allows us to be more flexible in making complex models for prediction. </a:t>
-            </a:r>
-          </a:p>
-          <a:p>
-            <a:pPr lvl="1"/>
-            <a:r>
-              <a:rPr lang="en-US" dirty="0"/>
-              <a:t>’Old school’ stats is limited to things we can eyeball/calculate by hand. </a:t>
-            </a:r>
-          </a:p>
-        </p:txBody>
-      </p:sp>
+            <a:endParaRPr lang="en-US" dirty="0"/>
+          </a:p>
+        </p:txBody>
+      </p:sp>
+      <p:pic>
+        <p:nvPicPr>
+          <p:cNvPr id="4" name="Picture 3">
+            <a:extLst>
+              <a:ext uri="{FF2B5EF4-FFF2-40B4-BE49-F238E27FC236}">
+                <a16:creationId xmlns:a16="http://schemas.microsoft.com/office/drawing/2014/main" id="{A27226E2-BD20-0449-9A0D-0637DD37B22F}"/>
+              </a:ext>
+            </a:extLst>
+          </p:cNvPr>
+          <p:cNvPicPr>
+            <a:picLocks noChangeAspect="1"/>
+          </p:cNvPicPr>
+          <p:nvPr/>
+        </p:nvPicPr>
+        <p:blipFill>
+          <a:blip r:embed="rId2"/>
+          <a:stretch>
+            <a:fillRect/>
+          </a:stretch>
+        </p:blipFill>
+        <p:spPr>
+          <a:xfrm>
+            <a:off x="8215334" y="419100"/>
+            <a:ext cx="3175000" cy="3009900"/>
+          </a:xfrm>
+          <a:prstGeom prst="rect">
+            <a:avLst/>
+          </a:prstGeom>
+        </p:spPr>
+      </p:pic>
+      <p:pic>
+        <p:nvPicPr>
+          <p:cNvPr id="6146" name="Picture 2" descr="Pareto Distribution - GeeksforGeeks">
+            <a:extLst>
+              <a:ext uri="{FF2B5EF4-FFF2-40B4-BE49-F238E27FC236}">
+                <a16:creationId xmlns:a16="http://schemas.microsoft.com/office/drawing/2014/main" id="{7C0C7318-1321-13EC-AADA-7C17EDAC145E}"/>
+              </a:ext>
+            </a:extLst>
+          </p:cNvPr>
+          <p:cNvPicPr>
+            <a:picLocks noChangeAspect="1" noChangeArrowheads="1"/>
+          </p:cNvPicPr>
+          <p:nvPr/>
+        </p:nvPicPr>
+        <p:blipFill>
+          <a:blip r:embed="rId3">
+            <a:extLst>
+              <a:ext uri="{28A0092B-C50C-407E-A947-70E740481C1C}">
+                <a14:useLocalDpi xmlns:a14="http://schemas.microsoft.com/office/drawing/2010/main" val="0"/>
+              </a:ext>
+            </a:extLst>
+          </a:blip>
+          <a:srcRect/>
+          <a:stretch>
+            <a:fillRect/>
+          </a:stretch>
+        </p:blipFill>
+        <p:spPr bwMode="auto">
+          <a:xfrm>
+            <a:off x="7073253" y="3429000"/>
+            <a:ext cx="5118747" cy="3009900"/>
+          </a:xfrm>
+          <a:prstGeom prst="rect">
+            <a:avLst/>
+          </a:prstGeom>
+          <a:noFill/>
+          <a:extLst>
+            <a:ext uri="{909E8E84-426E-40DD-AFC4-6F175D3DCCD1}">
+              <a14:hiddenFill xmlns:a14="http://schemas.microsoft.com/office/drawing/2010/main">
+                <a:solidFill>
+                  <a:srgbClr val="FFFFFF"/>
+                </a:solidFill>
+              </a14:hiddenFill>
+            </a:ext>
+          </a:extLst>
+        </p:spPr>
+      </p:pic>
     </p:spTree>
     <p:extLst>
       <p:ext uri="{BB962C8B-B14F-4D97-AF65-F5344CB8AC3E}">
-        <p14:creationId xmlns:p14="http://schemas.microsoft.com/office/powerpoint/2010/main" val="4165556546"/>
+        <p14:creationId xmlns:p14="http://schemas.microsoft.com/office/powerpoint/2010/main" val="4141681551"/>
+      </p:ext>
+    </p:extLst>
+  </p:cSld>
+  <p:clrMapOvr>
+    <a:masterClrMapping/>
+  </p:clrMapOvr>
+</p:sld>
+</file>
+
+<file path=ppt/slides/slide16.xml><?xml version="1.0" encoding="utf-8"?>
+<p:sld xmlns:a="http://schemas.openxmlformats.org/drawingml/2006/main" xmlns:r="http://schemas.openxmlformats.org/officeDocument/2006/relationships" xmlns:p="http://schemas.openxmlformats.org/presentationml/2006/main" show="0">
+  <p:cSld>
+    <p:bg>
+      <p:bgPr>
+        <a:gradFill rotWithShape="1">
+          <a:gsLst>
+            <a:gs pos="0">
+              <a:schemeClr val="bg2">
+                <a:tint val="94000"/>
+                <a:satMod val="80000"/>
+                <a:lumMod val="106000"/>
+              </a:schemeClr>
+            </a:gs>
+            <a:gs pos="100000">
+              <a:schemeClr val="bg2">
+                <a:shade val="80000"/>
+              </a:schemeClr>
+            </a:gs>
+          </a:gsLst>
+          <a:path path="circle">
+            <a:fillToRect l="43000" r="43000" b="100000"/>
+          </a:path>
+        </a:gradFill>
+        <a:effectLst/>
+      </p:bgPr>
+    </p:bg>
+    <p:spTree>
+      <p:nvGrpSpPr>
+        <p:cNvPr id="1" name=""/>
+        <p:cNvGrpSpPr/>
+        <p:nvPr/>
+      </p:nvGrpSpPr>
+      <p:grpSpPr>
+        <a:xfrm>
+          <a:off x="0" y="0"/>
+          <a:ext cx="0" cy="0"/>
+          <a:chOff x="0" y="0"/>
+          <a:chExt cx="0" cy="0"/>
+        </a:xfrm>
+      </p:grpSpPr>
+      <p:sp>
+        <p:nvSpPr>
+          <p:cNvPr id="71" name="Rectangle 70">
+            <a:extLst>
+              <a:ext uri="{FF2B5EF4-FFF2-40B4-BE49-F238E27FC236}">
+                <a16:creationId xmlns:a16="http://schemas.microsoft.com/office/drawing/2014/main" id="{CDDE5CDF-1512-4CDA-B956-23D223F8DE44}"/>
+              </a:ext>
+              <a:ext uri="{C183D7F6-B498-43B3-948B-1728B52AA6E4}">
+                <adec:decorative xmlns:adec="http://schemas.microsoft.com/office/drawing/2017/decorative" val="1"/>
+              </a:ext>
+            </a:extLst>
+          </p:cNvPr>
+          <p:cNvSpPr>
+            <a:spLocks noGrp="1" noRot="1" noChangeAspect="1" noMove="1" noResize="1" noEditPoints="1" noAdjustHandles="1" noChangeArrowheads="1" noChangeShapeType="1" noTextEdit="1"/>
+          </p:cNvSpPr>
+          <p:nvPr>
+            <p:extLst>
+              <p:ext uri="{386F3935-93C4-4BCD-93E2-E3B085C9AB24}">
+                <p16:designElem xmlns:p16="http://schemas.microsoft.com/office/powerpoint/2015/main" val="1"/>
+              </p:ext>
+            </p:extLst>
+          </p:nvPr>
+        </p:nvSpPr>
+        <p:spPr>
+          <a:xfrm>
+            <a:off x="0" y="2019476"/>
+            <a:ext cx="12192000" cy="4105941"/>
+          </a:xfrm>
+          <a:prstGeom prst="rect">
+            <a:avLst/>
+          </a:prstGeom>
+          <a:gradFill flip="none" rotWithShape="1">
+            <a:gsLst>
+              <a:gs pos="0">
+                <a:schemeClr val="bg2">
+                  <a:alpha val="0"/>
+                </a:schemeClr>
+              </a:gs>
+              <a:gs pos="100000">
+                <a:schemeClr val="bg2"/>
+              </a:gs>
+            </a:gsLst>
+            <a:lin ang="5400000" scaled="0"/>
+            <a:tileRect/>
+          </a:gradFill>
+          <a:ln>
+            <a:noFill/>
+          </a:ln>
+        </p:spPr>
+        <p:style>
+          <a:lnRef idx="2">
+            <a:schemeClr val="accent1">
+              <a:shade val="50000"/>
+            </a:schemeClr>
+          </a:lnRef>
+          <a:fillRef idx="1">
+            <a:schemeClr val="accent1"/>
+          </a:fillRef>
+          <a:effectRef idx="0">
+            <a:schemeClr val="accent1"/>
+          </a:effectRef>
+          <a:fontRef idx="minor">
+            <a:schemeClr val="lt1"/>
+          </a:fontRef>
+        </p:style>
+        <p:txBody>
+          <a:bodyPr/>
+          <a:lstStyle/>
+          <a:p>
+            <a:endParaRPr lang="en-US"/>
+          </a:p>
+        </p:txBody>
+      </p:sp>
+      <p:pic>
+        <p:nvPicPr>
+          <p:cNvPr id="73" name="Picture 72">
+            <a:extLst>
+              <a:ext uri="{FF2B5EF4-FFF2-40B4-BE49-F238E27FC236}">
+                <a16:creationId xmlns:a16="http://schemas.microsoft.com/office/drawing/2014/main" id="{B029D7D8-5A6B-4C76-94C8-15798C6C5ADB}"/>
+              </a:ext>
+              <a:ext uri="{C183D7F6-B498-43B3-948B-1728B52AA6E4}">
+                <adec:decorative xmlns:adec="http://schemas.microsoft.com/office/drawing/2017/decorative" val="1"/>
+              </a:ext>
+            </a:extLst>
+          </p:cNvPr>
+          <p:cNvPicPr>
+            <a:picLocks noGrp="1" noRot="1" noChangeAspect="1" noMove="1" noResize="1" noEditPoints="1" noAdjustHandles="1" noChangeArrowheads="1" noChangeShapeType="1" noCrop="1"/>
+          </p:cNvPicPr>
+          <p:nvPr>
+            <p:extLst>
+              <p:ext uri="{386F3935-93C4-4BCD-93E2-E3B085C9AB24}">
+                <p16:designElem xmlns:p16="http://schemas.microsoft.com/office/powerpoint/2015/main" val="1"/>
+              </p:ext>
+            </p:extLst>
+          </p:nvPr>
+        </p:nvPicPr>
+        <p:blipFill rotWithShape="1">
+          <a:blip r:embed="rId2">
+            <a:extLst>
+              <a:ext uri="{28A0092B-C50C-407E-A947-70E740481C1C}">
+                <a14:useLocalDpi xmlns:a14="http://schemas.microsoft.com/office/drawing/2010/main" val="0"/>
+              </a:ext>
+            </a:extLst>
+          </a:blip>
+          <a:srcRect t="1538" b="-1538"/>
+          <a:stretch/>
+        </p:blipFill>
+        <p:spPr bwMode="black">
+          <a:xfrm>
+            <a:off x="0" y="6126480"/>
+            <a:ext cx="12192000" cy="742950"/>
+          </a:xfrm>
+          <a:prstGeom prst="rect">
+            <a:avLst/>
+          </a:prstGeom>
+        </p:spPr>
+      </p:pic>
+      <p:cxnSp>
+        <p:nvCxnSpPr>
+          <p:cNvPr id="75" name="Straight Connector 74">
+            <a:extLst>
+              <a:ext uri="{FF2B5EF4-FFF2-40B4-BE49-F238E27FC236}">
+                <a16:creationId xmlns:a16="http://schemas.microsoft.com/office/drawing/2014/main" id="{A5C9319C-E20D-4884-952F-60B6A58C3E34}"/>
+              </a:ext>
+              <a:ext uri="{C183D7F6-B498-43B3-948B-1728B52AA6E4}">
+                <adec:decorative xmlns:adec="http://schemas.microsoft.com/office/drawing/2017/decorative" val="1"/>
+              </a:ext>
+            </a:extLst>
+          </p:cNvPr>
+          <p:cNvCxnSpPr>
+            <a:cxnSpLocks noGrp="1" noRot="1" noChangeAspect="1" noMove="1" noResize="1" noEditPoints="1" noAdjustHandles="1" noChangeArrowheads="1" noChangeShapeType="1"/>
+          </p:cNvCxnSpPr>
+          <p:nvPr>
+            <p:extLst>
+              <p:ext uri="{386F3935-93C4-4BCD-93E2-E3B085C9AB24}">
+                <p16:designElem xmlns:p16="http://schemas.microsoft.com/office/powerpoint/2015/main" val="1"/>
+              </p:ext>
+            </p:extLst>
+          </p:nvPr>
+        </p:nvCxnSpPr>
+        <p:spPr>
+          <a:xfrm>
+            <a:off x="0" y="6128413"/>
+            <a:ext cx="12192000" cy="0"/>
+          </a:xfrm>
+          <a:prstGeom prst="line">
+            <a:avLst/>
+          </a:prstGeom>
+          <a:ln w="12700">
+            <a:solidFill>
+              <a:srgbClr val="000001">
+                <a:alpha val="20000"/>
+              </a:srgbClr>
+            </a:solidFill>
+          </a:ln>
+        </p:spPr>
+        <p:style>
+          <a:lnRef idx="1">
+            <a:schemeClr val="accent1"/>
+          </a:lnRef>
+          <a:fillRef idx="0">
+            <a:schemeClr val="accent1"/>
+          </a:fillRef>
+          <a:effectRef idx="0">
+            <a:schemeClr val="accent1"/>
+          </a:effectRef>
+          <a:fontRef idx="minor">
+            <a:schemeClr val="tx1"/>
+          </a:fontRef>
+        </p:style>
+      </p:cxnSp>
+      <p:sp useBgFill="1">
+        <p:nvSpPr>
+          <p:cNvPr id="77" name="Rectangle 76">
+            <a:extLst>
+              <a:ext uri="{FF2B5EF4-FFF2-40B4-BE49-F238E27FC236}">
+                <a16:creationId xmlns:a16="http://schemas.microsoft.com/office/drawing/2014/main" id="{F1176DA6-4BBF-42A4-9C94-E6613CCD6B37}"/>
+              </a:ext>
+              <a:ext uri="{C183D7F6-B498-43B3-948B-1728B52AA6E4}">
+                <adec:decorative xmlns:adec="http://schemas.microsoft.com/office/drawing/2017/decorative" val="1"/>
+              </a:ext>
+            </a:extLst>
+          </p:cNvPr>
+          <p:cNvSpPr>
+            <a:spLocks noGrp="1" noRot="1" noChangeAspect="1" noMove="1" noResize="1" noEditPoints="1" noAdjustHandles="1" noChangeArrowheads="1" noChangeShapeType="1" noTextEdit="1"/>
+          </p:cNvSpPr>
+          <p:nvPr>
+            <p:extLst>
+              <p:ext uri="{386F3935-93C4-4BCD-93E2-E3B085C9AB24}">
+                <p16:designElem xmlns:p16="http://schemas.microsoft.com/office/powerpoint/2015/main" val="1"/>
+              </p:ext>
+            </p:extLst>
+          </p:nvPr>
+        </p:nvSpPr>
+        <p:spPr>
+          <a:xfrm>
+            <a:off x="0" y="0"/>
+            <a:ext cx="12192000" cy="6858000"/>
+          </a:xfrm>
+          <a:prstGeom prst="rect">
+            <a:avLst/>
+          </a:prstGeom>
+          <a:ln>
+            <a:noFill/>
+          </a:ln>
+        </p:spPr>
+        <p:style>
+          <a:lnRef idx="2">
+            <a:schemeClr val="accent1">
+              <a:shade val="50000"/>
+            </a:schemeClr>
+          </a:lnRef>
+          <a:fillRef idx="1">
+            <a:schemeClr val="accent1"/>
+          </a:fillRef>
+          <a:effectRef idx="0">
+            <a:schemeClr val="accent1"/>
+          </a:effectRef>
+          <a:fontRef idx="minor">
+            <a:schemeClr val="lt1"/>
+          </a:fontRef>
+        </p:style>
+        <p:txBody>
+          <a:bodyPr rtlCol="0" anchor="ctr"/>
+          <a:lstStyle/>
+          <a:p>
+            <a:pPr algn="ctr"/>
+            <a:endParaRPr lang="en-US"/>
+          </a:p>
+        </p:txBody>
+      </p:sp>
+      <p:sp>
+        <p:nvSpPr>
+          <p:cNvPr id="79" name="Rectangle 78">
+            <a:extLst>
+              <a:ext uri="{FF2B5EF4-FFF2-40B4-BE49-F238E27FC236}">
+                <a16:creationId xmlns:a16="http://schemas.microsoft.com/office/drawing/2014/main" id="{99AAB0AE-172B-4FB4-80C2-86CD6B824220}"/>
+              </a:ext>
+              <a:ext uri="{C183D7F6-B498-43B3-948B-1728B52AA6E4}">
+                <adec:decorative xmlns:adec="http://schemas.microsoft.com/office/drawing/2017/decorative" val="1"/>
+              </a:ext>
+            </a:extLst>
+          </p:cNvPr>
+          <p:cNvSpPr>
+            <a:spLocks noGrp="1" noRot="1" noChangeAspect="1" noMove="1" noResize="1" noEditPoints="1" noAdjustHandles="1" noChangeArrowheads="1" noChangeShapeType="1" noTextEdit="1"/>
+          </p:cNvSpPr>
+          <p:nvPr>
+            <p:extLst>
+              <p:ext uri="{386F3935-93C4-4BCD-93E2-E3B085C9AB24}">
+                <p16:designElem xmlns:p16="http://schemas.microsoft.com/office/powerpoint/2015/main" val="1"/>
+              </p:ext>
+            </p:extLst>
+          </p:nvPr>
+        </p:nvSpPr>
+        <p:spPr>
+          <a:xfrm>
+            <a:off x="477012" y="480060"/>
+            <a:ext cx="11237976" cy="5897880"/>
+          </a:xfrm>
+          <a:prstGeom prst="rect">
+            <a:avLst/>
+          </a:prstGeom>
+          <a:solidFill>
+            <a:schemeClr val="bg1"/>
+          </a:solidFill>
+          <a:ln w="22225">
+            <a:solidFill>
+              <a:srgbClr val="A31149"/>
+            </a:solidFill>
+          </a:ln>
+        </p:spPr>
+        <p:style>
+          <a:lnRef idx="2">
+            <a:schemeClr val="accent1">
+              <a:shade val="50000"/>
+            </a:schemeClr>
+          </a:lnRef>
+          <a:fillRef idx="1">
+            <a:schemeClr val="accent1"/>
+          </a:fillRef>
+          <a:effectRef idx="0">
+            <a:schemeClr val="accent1"/>
+          </a:effectRef>
+          <a:fontRef idx="minor">
+            <a:schemeClr val="lt1"/>
+          </a:fontRef>
+        </p:style>
+        <p:txBody>
+          <a:bodyPr rtlCol="0" anchor="ctr"/>
+          <a:lstStyle/>
+          <a:p>
+            <a:pPr algn="ctr"/>
+            <a:endParaRPr lang="en-US"/>
+          </a:p>
+        </p:txBody>
+      </p:sp>
+      <p:pic>
+        <p:nvPicPr>
+          <p:cNvPr id="2050" name="Picture 2" descr="Price&amp;#39;s Law &amp;amp; Pareto Distribution Inequality – Success &amp;amp; Failure">
+            <a:extLst>
+              <a:ext uri="{FF2B5EF4-FFF2-40B4-BE49-F238E27FC236}">
+                <a16:creationId xmlns:a16="http://schemas.microsoft.com/office/drawing/2014/main" id="{C8B4DCC6-14D6-F544-B893-2B3775A2FFD7}"/>
+              </a:ext>
+            </a:extLst>
+          </p:cNvPr>
+          <p:cNvPicPr>
+            <a:picLocks noGrp="1" noChangeAspect="1" noChangeArrowheads="1"/>
+          </p:cNvPicPr>
+          <p:nvPr>
+            <p:ph idx="1"/>
+          </p:nvPr>
+        </p:nvPicPr>
+        <p:blipFill>
+          <a:blip r:embed="rId3">
+            <a:extLst>
+              <a:ext uri="{28A0092B-C50C-407E-A947-70E740481C1C}">
+                <a14:useLocalDpi xmlns:a14="http://schemas.microsoft.com/office/drawing/2010/main" val="0"/>
+              </a:ext>
+            </a:extLst>
+          </a:blip>
+          <a:stretch>
+            <a:fillRect/>
+          </a:stretch>
+        </p:blipFill>
+        <p:spPr bwMode="auto">
+          <a:xfrm>
+            <a:off x="2073570" y="643467"/>
+            <a:ext cx="8044860" cy="5571066"/>
+          </a:xfrm>
+          <a:prstGeom prst="rect">
+            <a:avLst/>
+          </a:prstGeom>
+          <a:noFill/>
+          <a:extLst>
+            <a:ext uri="{909E8E84-426E-40DD-AFC4-6F175D3DCCD1}">
+              <a14:hiddenFill xmlns:a14="http://schemas.microsoft.com/office/drawing/2010/main">
+                <a:solidFill>
+                  <a:srgbClr val="FFFFFF"/>
+                </a:solidFill>
+              </a14:hiddenFill>
+            </a:ext>
+          </a:extLst>
+        </p:spPr>
+      </p:pic>
+    </p:spTree>
+    <p:extLst>
+      <p:ext uri="{BB962C8B-B14F-4D97-AF65-F5344CB8AC3E}">
+        <p14:creationId xmlns:p14="http://schemas.microsoft.com/office/powerpoint/2010/main" val="905032534"/>
+      </p:ext>
+    </p:extLst>
+  </p:cSld>
+  <p:clrMapOvr>
+    <a:masterClrMapping/>
+  </p:clrMapOvr>
+</p:sld>
+</file>
+
+<file path=ppt/slides/slide17.xml><?xml version="1.0" encoding="utf-8"?>
+<p:sld xmlns:a="http://schemas.openxmlformats.org/drawingml/2006/main" xmlns:r="http://schemas.openxmlformats.org/officeDocument/2006/relationships" xmlns:p="http://schemas.openxmlformats.org/presentationml/2006/main">
+  <p:cSld>
+    <p:spTree>
+      <p:nvGrpSpPr>
+        <p:cNvPr id="1" name=""/>
+        <p:cNvGrpSpPr/>
+        <p:nvPr/>
+      </p:nvGrpSpPr>
+      <p:grpSpPr>
+        <a:xfrm>
+          <a:off x="0" y="0"/>
+          <a:ext cx="0" cy="0"/>
+          <a:chOff x="0" y="0"/>
+          <a:chExt cx="0" cy="0"/>
+        </a:xfrm>
+      </p:grpSpPr>
+      <p:sp>
+        <p:nvSpPr>
+          <p:cNvPr id="2" name="Title 1">
+            <a:extLst>
+              <a:ext uri="{FF2B5EF4-FFF2-40B4-BE49-F238E27FC236}">
+                <a16:creationId xmlns:a16="http://schemas.microsoft.com/office/drawing/2014/main" id="{740F3F7D-1356-9240-983E-59AEA90F23F0}"/>
+              </a:ext>
+            </a:extLst>
+          </p:cNvPr>
+          <p:cNvSpPr>
+            <a:spLocks noGrp="1"/>
+          </p:cNvSpPr>
+          <p:nvPr>
+            <p:ph type="title"/>
+          </p:nvPr>
+        </p:nvSpPr>
+        <p:spPr/>
+        <p:txBody>
+          <a:bodyPr/>
+          <a:lstStyle/>
+          <a:p>
+            <a:r>
+              <a:rPr lang="en-US" dirty="0"/>
+              <a:t>Why Bother?</a:t>
+            </a:r>
+          </a:p>
+        </p:txBody>
+      </p:sp>
+      <p:sp>
+        <p:nvSpPr>
+          <p:cNvPr id="3" name="Content Placeholder 2">
+            <a:extLst>
+              <a:ext uri="{FF2B5EF4-FFF2-40B4-BE49-F238E27FC236}">
+                <a16:creationId xmlns:a16="http://schemas.microsoft.com/office/drawing/2014/main" id="{12C01C2E-B5FE-E540-A8D7-832EB72B9D00}"/>
+              </a:ext>
+            </a:extLst>
+          </p:cNvPr>
+          <p:cNvSpPr>
+            <a:spLocks noGrp="1"/>
+          </p:cNvSpPr>
+          <p:nvPr>
+            <p:ph idx="1"/>
+          </p:nvPr>
+        </p:nvSpPr>
+        <p:spPr>
+          <a:xfrm>
+            <a:off x="1" y="1853755"/>
+            <a:ext cx="5412658" cy="4199726"/>
+          </a:xfrm>
+        </p:spPr>
+        <p:txBody>
+          <a:bodyPr>
+            <a:normAutofit/>
+          </a:bodyPr>
+          <a:lstStyle/>
+          <a:p>
+            <a:r>
+              <a:rPr lang="en-US" dirty="0"/>
+              <a:t>All models are wrong, some are useful.</a:t>
+            </a:r>
+          </a:p>
+          <a:p>
+            <a:r>
+              <a:rPr lang="en-US" dirty="0"/>
+              <a:t>Models give a simplified picture of complex and noisy real-world scenarios. </a:t>
+            </a:r>
+          </a:p>
+          <a:p>
+            <a:r>
+              <a:rPr lang="en-US" dirty="0"/>
+              <a:t>Model assumptions fill gaps in knowledge. </a:t>
+            </a:r>
+          </a:p>
+          <a:p>
+            <a:r>
+              <a:rPr lang="en-US" dirty="0"/>
+              <a:t>If a model fits something, we can use it to do calculations and draw </a:t>
+            </a:r>
+            <a:r>
+              <a:rPr lang="en-US" b="1" dirty="0"/>
+              <a:t>inference</a:t>
+            </a:r>
+            <a:r>
+              <a:rPr lang="en-US" dirty="0"/>
+              <a:t>.</a:t>
+            </a:r>
+          </a:p>
+          <a:p>
+            <a:r>
+              <a:rPr lang="en-US" dirty="0"/>
+              <a:t>Ex. We can try to “fit” a model to explain the spread of COVID. </a:t>
+            </a:r>
+          </a:p>
+        </p:txBody>
+      </p:sp>
+      <p:pic>
+        <p:nvPicPr>
+          <p:cNvPr id="2050" name="Picture 2" descr="All Models Are Wrong, Some Are Very Wrong!">
+            <a:extLst>
+              <a:ext uri="{FF2B5EF4-FFF2-40B4-BE49-F238E27FC236}">
+                <a16:creationId xmlns:a16="http://schemas.microsoft.com/office/drawing/2014/main" id="{BEA6BC59-B82B-79D1-F97C-62B1C7C775C4}"/>
+              </a:ext>
+            </a:extLst>
+          </p:cNvPr>
+          <p:cNvPicPr>
+            <a:picLocks noChangeAspect="1" noChangeArrowheads="1"/>
+          </p:cNvPicPr>
+          <p:nvPr/>
+        </p:nvPicPr>
+        <p:blipFill rotWithShape="1">
+          <a:blip r:embed="rId2">
+            <a:extLst>
+              <a:ext uri="{28A0092B-C50C-407E-A947-70E740481C1C}">
+                <a14:useLocalDpi xmlns:a14="http://schemas.microsoft.com/office/drawing/2010/main" val="0"/>
+              </a:ext>
+            </a:extLst>
+          </a:blip>
+          <a:srcRect b="12694"/>
+          <a:stretch/>
+        </p:blipFill>
+        <p:spPr bwMode="auto">
+          <a:xfrm>
+            <a:off x="5293390" y="2408962"/>
+            <a:ext cx="6723957" cy="3156155"/>
+          </a:xfrm>
+          <a:prstGeom prst="rect">
+            <a:avLst/>
+          </a:prstGeom>
+          <a:noFill/>
+          <a:extLst>
+            <a:ext uri="{909E8E84-426E-40DD-AFC4-6F175D3DCCD1}">
+              <a14:hiddenFill xmlns:a14="http://schemas.microsoft.com/office/drawing/2010/main">
+                <a:solidFill>
+                  <a:srgbClr val="FFFFFF"/>
+                </a:solidFill>
+              </a14:hiddenFill>
+            </a:ext>
+          </a:extLst>
+        </p:spPr>
+      </p:pic>
+    </p:spTree>
+    <p:extLst>
+      <p:ext uri="{BB962C8B-B14F-4D97-AF65-F5344CB8AC3E}">
+        <p14:creationId xmlns:p14="http://schemas.microsoft.com/office/powerpoint/2010/main" val="2094213371"/>
+      </p:ext>
+    </p:extLst>
+  </p:cSld>
+  <p:clrMapOvr>
+    <a:masterClrMapping/>
+  </p:clrMapOvr>
+</p:sld>
+</file>
+
+<file path=ppt/slides/slide18.xml><?xml version="1.0" encoding="utf-8"?>
+<p:sld xmlns:a="http://schemas.openxmlformats.org/drawingml/2006/main" xmlns:r="http://schemas.openxmlformats.org/officeDocument/2006/relationships" xmlns:p="http://schemas.openxmlformats.org/presentationml/2006/main">
+  <p:cSld>
+    <p:spTree>
+      <p:nvGrpSpPr>
+        <p:cNvPr id="1" name=""/>
+        <p:cNvGrpSpPr/>
+        <p:nvPr/>
+      </p:nvGrpSpPr>
+      <p:grpSpPr>
+        <a:xfrm>
+          <a:off x="0" y="0"/>
+          <a:ext cx="0" cy="0"/>
+          <a:chOff x="0" y="0"/>
+          <a:chExt cx="0" cy="0"/>
+        </a:xfrm>
+      </p:grpSpPr>
+      <p:sp>
+        <p:nvSpPr>
+          <p:cNvPr id="2" name="Title 1">
+            <a:extLst>
+              <a:ext uri="{FF2B5EF4-FFF2-40B4-BE49-F238E27FC236}">
+                <a16:creationId xmlns:a16="http://schemas.microsoft.com/office/drawing/2014/main" id="{9AEE30D9-9B91-600F-7A29-314758A00E00}"/>
+              </a:ext>
+            </a:extLst>
+          </p:cNvPr>
+          <p:cNvSpPr>
+            <a:spLocks noGrp="1"/>
+          </p:cNvSpPr>
+          <p:nvPr>
+            <p:ph type="title"/>
+          </p:nvPr>
+        </p:nvSpPr>
+        <p:spPr/>
+        <p:txBody>
+          <a:bodyPr/>
+          <a:lstStyle/>
+          <a:p>
+            <a:r>
+              <a:rPr lang="en-US" dirty="0"/>
+              <a:t>Testing Distributions</a:t>
+            </a:r>
+          </a:p>
+        </p:txBody>
+      </p:sp>
+      <p:sp>
+        <p:nvSpPr>
+          <p:cNvPr id="3" name="Content Placeholder 2">
+            <a:extLst>
+              <a:ext uri="{FF2B5EF4-FFF2-40B4-BE49-F238E27FC236}">
+                <a16:creationId xmlns:a16="http://schemas.microsoft.com/office/drawing/2014/main" id="{2094C91B-3315-CB30-C8EE-4135AB024291}"/>
+              </a:ext>
+            </a:extLst>
+          </p:cNvPr>
+          <p:cNvSpPr>
+            <a:spLocks noGrp="1"/>
+          </p:cNvSpPr>
+          <p:nvPr>
+            <p:ph idx="1"/>
+          </p:nvPr>
+        </p:nvSpPr>
+        <p:spPr>
+          <a:xfrm>
+            <a:off x="1451579" y="2015732"/>
+            <a:ext cx="9603275" cy="4037749"/>
+          </a:xfrm>
+        </p:spPr>
+        <p:txBody>
+          <a:bodyPr/>
+          <a:lstStyle/>
+          <a:p>
+            <a:r>
+              <a:rPr lang="en-US" dirty="0"/>
+              <a:t>The main way that we identify distributions is by sight. </a:t>
+            </a:r>
+          </a:p>
+          <a:p>
+            <a:r>
+              <a:rPr lang="en-US" dirty="0"/>
+              <a:t>We can also use some statistical tests to measure it. </a:t>
+            </a:r>
+          </a:p>
+          <a:p>
+            <a:pPr lvl="1"/>
+            <a:r>
+              <a:rPr lang="en-US" dirty="0"/>
+              <a:t>Details are irrelevant, basically ”how far are real values from perfect distribution”. </a:t>
+            </a:r>
+          </a:p>
+          <a:p>
+            <a:r>
+              <a:rPr lang="en-US" dirty="0"/>
+              <a:t>There’s a normality test in </a:t>
+            </a:r>
+            <a:r>
+              <a:rPr lang="en-US" dirty="0" err="1"/>
+              <a:t>scipy</a:t>
+            </a:r>
+            <a:r>
+              <a:rPr lang="en-US" dirty="0"/>
+              <a:t>. </a:t>
+            </a:r>
+          </a:p>
+          <a:p>
+            <a:pPr lvl="1"/>
+            <a:r>
+              <a:rPr lang="en-US" dirty="0"/>
+              <a:t>It is a hypothesis test – how likely is it that we can reject the null hypothesis of “the data is normal”. </a:t>
+            </a:r>
+          </a:p>
+          <a:p>
+            <a:r>
+              <a:rPr lang="en-US" dirty="0"/>
+              <a:t>There’s also a normality plot, where we can check visually. </a:t>
+            </a:r>
+          </a:p>
+          <a:p>
+            <a:r>
+              <a:rPr lang="en-US" dirty="0"/>
+              <a:t>This is ultimately always a judgement call, there’s no yes/no metric. </a:t>
+            </a:r>
+          </a:p>
+        </p:txBody>
+      </p:sp>
+    </p:spTree>
+    <p:extLst>
+      <p:ext uri="{BB962C8B-B14F-4D97-AF65-F5344CB8AC3E}">
+        <p14:creationId xmlns:p14="http://schemas.microsoft.com/office/powerpoint/2010/main" val="2233825033"/>
+      </p:ext>
+    </p:extLst>
+  </p:cSld>
+  <p:clrMapOvr>
+    <a:masterClrMapping/>
+  </p:clrMapOvr>
+</p:sld>
+</file>
+
+<file path=ppt/slides/slide19.xml><?xml version="1.0" encoding="utf-8"?>
+<p:sld xmlns:a="http://schemas.openxmlformats.org/drawingml/2006/main" xmlns:r="http://schemas.openxmlformats.org/officeDocument/2006/relationships" xmlns:p="http://schemas.openxmlformats.org/presentationml/2006/main">
+  <p:cSld>
+    <p:spTree>
+      <p:nvGrpSpPr>
+        <p:cNvPr id="1" name=""/>
+        <p:cNvGrpSpPr/>
+        <p:nvPr/>
+      </p:nvGrpSpPr>
+      <p:grpSpPr>
+        <a:xfrm>
+          <a:off x="0" y="0"/>
+          <a:ext cx="0" cy="0"/>
+          <a:chOff x="0" y="0"/>
+          <a:chExt cx="0" cy="0"/>
+        </a:xfrm>
+      </p:grpSpPr>
+      <p:sp>
+        <p:nvSpPr>
+          <p:cNvPr id="2" name="Title 1">
+            <a:extLst>
+              <a:ext uri="{FF2B5EF4-FFF2-40B4-BE49-F238E27FC236}">
+                <a16:creationId xmlns:a16="http://schemas.microsoft.com/office/drawing/2014/main" id="{87E2094F-5EE2-3F68-AC7A-A688DF045AB8}"/>
+              </a:ext>
+            </a:extLst>
+          </p:cNvPr>
+          <p:cNvSpPr>
+            <a:spLocks noGrp="1"/>
+          </p:cNvSpPr>
+          <p:nvPr>
+            <p:ph type="title"/>
+          </p:nvPr>
+        </p:nvSpPr>
+        <p:spPr/>
+        <p:txBody>
+          <a:bodyPr/>
+          <a:lstStyle/>
+          <a:p>
+            <a:r>
+              <a:rPr lang="en-US" dirty="0"/>
+              <a:t>Normality Plot</a:t>
+            </a:r>
+          </a:p>
+        </p:txBody>
+      </p:sp>
+      <p:sp>
+        <p:nvSpPr>
+          <p:cNvPr id="3" name="Content Placeholder 2">
+            <a:extLst>
+              <a:ext uri="{FF2B5EF4-FFF2-40B4-BE49-F238E27FC236}">
+                <a16:creationId xmlns:a16="http://schemas.microsoft.com/office/drawing/2014/main" id="{BF261465-838D-37D6-BCAC-2DC22EA99BF5}"/>
+              </a:ext>
+            </a:extLst>
+          </p:cNvPr>
+          <p:cNvSpPr>
+            <a:spLocks noGrp="1"/>
+          </p:cNvSpPr>
+          <p:nvPr>
+            <p:ph idx="1"/>
+          </p:nvPr>
+        </p:nvSpPr>
+        <p:spPr>
+          <a:xfrm>
+            <a:off x="6468058" y="2015732"/>
+            <a:ext cx="5481772" cy="4037749"/>
+          </a:xfrm>
+        </p:spPr>
+        <p:txBody>
+          <a:bodyPr>
+            <a:normAutofit/>
+          </a:bodyPr>
+          <a:lstStyle/>
+          <a:p>
+            <a:r>
+              <a:rPr lang="en-US" dirty="0" err="1"/>
+              <a:t>Thinkstats</a:t>
+            </a:r>
+            <a:r>
+              <a:rPr lang="en-US" dirty="0"/>
+              <a:t> has a normal probability plot that we can use. </a:t>
+            </a:r>
+          </a:p>
+          <a:p>
+            <a:r>
+              <a:rPr lang="en-US" dirty="0"/>
+              <a:t>It plots:</a:t>
+            </a:r>
+          </a:p>
+          <a:p>
+            <a:pPr lvl="1"/>
+            <a:r>
+              <a:rPr lang="en-US" dirty="0"/>
+              <a:t>X: a theoretical normal distribution. </a:t>
+            </a:r>
+          </a:p>
+          <a:p>
+            <a:pPr lvl="1"/>
+            <a:r>
+              <a:rPr lang="en-US" dirty="0"/>
+              <a:t>Y: the empirical data. (Blue)</a:t>
+            </a:r>
+          </a:p>
+          <a:p>
+            <a:r>
+              <a:rPr lang="en-US" dirty="0"/>
+              <a:t>We can check that the two lines are close. </a:t>
+            </a:r>
+          </a:p>
+        </p:txBody>
+      </p:sp>
+      <p:pic>
+        <p:nvPicPr>
+          <p:cNvPr id="4" name="Picture 3">
+            <a:extLst>
+              <a:ext uri="{FF2B5EF4-FFF2-40B4-BE49-F238E27FC236}">
+                <a16:creationId xmlns:a16="http://schemas.microsoft.com/office/drawing/2014/main" id="{8D685DB9-4A3C-3EBC-AE1C-7CD44A6E878D}"/>
+              </a:ext>
+            </a:extLst>
+          </p:cNvPr>
+          <p:cNvPicPr>
+            <a:picLocks noChangeAspect="1"/>
+          </p:cNvPicPr>
+          <p:nvPr/>
+        </p:nvPicPr>
+        <p:blipFill>
+          <a:blip r:embed="rId2"/>
+          <a:stretch>
+            <a:fillRect/>
+          </a:stretch>
+        </p:blipFill>
+        <p:spPr>
+          <a:xfrm>
+            <a:off x="0" y="2184428"/>
+            <a:ext cx="6468058" cy="3281917"/>
+          </a:xfrm>
+          <a:prstGeom prst="rect">
+            <a:avLst/>
+          </a:prstGeom>
+        </p:spPr>
+      </p:pic>
+    </p:spTree>
+    <p:extLst>
+      <p:ext uri="{BB962C8B-B14F-4D97-AF65-F5344CB8AC3E}">
+        <p14:creationId xmlns:p14="http://schemas.microsoft.com/office/powerpoint/2010/main" val="1990313646"/>
       </p:ext>
     </p:extLst>
   </p:cSld>
@@ -5238,7 +5989,7 @@
           <p:cNvPr id="2" name="Title 1">
             <a:extLst>
               <a:ext uri="{FF2B5EF4-FFF2-40B4-BE49-F238E27FC236}">
-                <a16:creationId xmlns:a16="http://schemas.microsoft.com/office/drawing/2014/main" id="{A4E03FB6-089C-B04E-A2CC-240181A8F936}"/>
+                <a16:creationId xmlns:a16="http://schemas.microsoft.com/office/drawing/2014/main" id="{4C107512-2BCC-4A45-979A-9837B31FD052}"/>
               </a:ext>
             </a:extLst>
           </p:cNvPr>
@@ -5246,7 +5997,7 @@
             <a:spLocks noGrp="1"/>
           </p:cNvSpPr>
           <p:nvPr>
-            <p:ph type="title"/>
+            <p:ph type="ctrTitle"/>
           </p:nvPr>
         </p:nvSpPr>
         <p:spPr/>
@@ -5256,17 +6007,17 @@
           <a:p>
             <a:r>
               <a:rPr lang="en-US" dirty="0"/>
-              <a:t>Empirical Distributions</a:t>
-            </a:r>
-          </a:p>
-        </p:txBody>
-      </p:sp>
-      <p:sp>
-        <p:nvSpPr>
-          <p:cNvPr id="3" name="Content Placeholder 2">
+              <a:t>Analytical Distribution</a:t>
+            </a:r>
+          </a:p>
+        </p:txBody>
+      </p:sp>
+      <p:sp>
+        <p:nvSpPr>
+          <p:cNvPr id="3" name="Subtitle 2">
             <a:extLst>
               <a:ext uri="{FF2B5EF4-FFF2-40B4-BE49-F238E27FC236}">
-                <a16:creationId xmlns:a16="http://schemas.microsoft.com/office/drawing/2014/main" id="{F4FA6265-EED6-CA43-AC23-B403FD7455B0}"/>
+                <a16:creationId xmlns:a16="http://schemas.microsoft.com/office/drawing/2014/main" id="{11F4DEA8-2576-554D-81C2-F7BC2D8B643E}"/>
               </a:ext>
             </a:extLst>
           </p:cNvPr>
@@ -5274,7 +6025,7 @@
             <a:spLocks noGrp="1"/>
           </p:cNvSpPr>
           <p:nvPr>
-            <p:ph idx="1"/>
+            <p:ph type="subTitle" idx="1"/>
           </p:nvPr>
         </p:nvSpPr>
         <p:spPr/>
@@ -5282,49 +6033,14 @@
           <a:bodyPr/>
           <a:lstStyle/>
           <a:p>
-            <a:r>
-              <a:rPr lang="en-US" dirty="0"/>
-              <a:t>We’ve used empirical distributions, or distributions we observe from collecting and analyzing data, up until now. </a:t>
-            </a:r>
-          </a:p>
-          <a:p>
-            <a:r>
-              <a:rPr lang="en-US" dirty="0"/>
-              <a:t>Empirical distributions are the distributions of our actual data sample. </a:t>
-            </a:r>
-          </a:p>
-          <a:p>
-            <a:r>
-              <a:rPr lang="en-US" dirty="0"/>
-              <a:t>Empirical:</a:t>
-            </a:r>
-          </a:p>
-          <a:p>
-            <a:pPr lvl="1"/>
-            <a:r>
-              <a:rPr lang="en-US" dirty="0"/>
-              <a:t>Collect data.</a:t>
-            </a:r>
-          </a:p>
-          <a:p>
-            <a:pPr lvl="1"/>
-            <a:r>
-              <a:rPr lang="en-US" dirty="0"/>
-              <a:t>Look at it to see what the distribution is. </a:t>
-            </a:r>
-          </a:p>
-          <a:p>
-            <a:r>
-              <a:rPr lang="en-US" dirty="0"/>
-              <a:t>Problem - you need to collect data first. </a:t>
-            </a:r>
+            <a:endParaRPr lang="en-US"/>
           </a:p>
         </p:txBody>
       </p:sp>
     </p:spTree>
     <p:extLst>
       <p:ext uri="{BB962C8B-B14F-4D97-AF65-F5344CB8AC3E}">
-        <p14:creationId xmlns:p14="http://schemas.microsoft.com/office/powerpoint/2010/main" val="4177664318"/>
+        <p14:creationId xmlns:p14="http://schemas.microsoft.com/office/powerpoint/2010/main" val="250159308"/>
       </p:ext>
     </p:extLst>
   </p:cSld>
@@ -5334,300 +6050,7 @@
 </p:sld>
 </file>
 
-<file path=ppt/slides/slide3.xml><?xml version="1.0" encoding="utf-8"?>
-<p:sld xmlns:a="http://schemas.openxmlformats.org/drawingml/2006/main" xmlns:r="http://schemas.openxmlformats.org/officeDocument/2006/relationships" xmlns:p="http://schemas.openxmlformats.org/presentationml/2006/main">
-  <p:cSld>
-    <p:spTree>
-      <p:nvGrpSpPr>
-        <p:cNvPr id="1" name=""/>
-        <p:cNvGrpSpPr/>
-        <p:nvPr/>
-      </p:nvGrpSpPr>
-      <p:grpSpPr>
-        <a:xfrm>
-          <a:off x="0" y="0"/>
-          <a:ext cx="0" cy="0"/>
-          <a:chOff x="0" y="0"/>
-          <a:chExt cx="0" cy="0"/>
-        </a:xfrm>
-      </p:grpSpPr>
-      <p:sp>
-        <p:nvSpPr>
-          <p:cNvPr id="2" name="Title 1">
-            <a:extLst>
-              <a:ext uri="{FF2B5EF4-FFF2-40B4-BE49-F238E27FC236}">
-                <a16:creationId xmlns:a16="http://schemas.microsoft.com/office/drawing/2014/main" id="{F8F22478-756E-F646-8532-981CC3C8F014}"/>
-              </a:ext>
-            </a:extLst>
-          </p:cNvPr>
-          <p:cNvSpPr>
-            <a:spLocks noGrp="1"/>
-          </p:cNvSpPr>
-          <p:nvPr>
-            <p:ph type="title"/>
-          </p:nvPr>
-        </p:nvSpPr>
-        <p:spPr/>
-        <p:txBody>
-          <a:bodyPr/>
-          <a:lstStyle/>
-          <a:p>
-            <a:r>
-              <a:rPr lang="en-US" dirty="0"/>
-              <a:t>Analytical Distributions</a:t>
-            </a:r>
-          </a:p>
-        </p:txBody>
-      </p:sp>
-      <p:sp>
-        <p:nvSpPr>
-          <p:cNvPr id="3" name="Content Placeholder 2">
-            <a:extLst>
-              <a:ext uri="{FF2B5EF4-FFF2-40B4-BE49-F238E27FC236}">
-                <a16:creationId xmlns:a16="http://schemas.microsoft.com/office/drawing/2014/main" id="{23DF9708-AE41-6647-B3E6-2BF4B9D9D722}"/>
-              </a:ext>
-            </a:extLst>
-          </p:cNvPr>
-          <p:cNvSpPr>
-            <a:spLocks noGrp="1"/>
-          </p:cNvSpPr>
-          <p:nvPr>
-            <p:ph idx="1"/>
-          </p:nvPr>
-        </p:nvSpPr>
-        <p:spPr/>
-        <p:txBody>
-          <a:bodyPr/>
-          <a:lstStyle/>
-          <a:p>
-            <a:r>
-              <a:rPr lang="en-US" dirty="0"/>
-              <a:t>Analytical distributions are mathematical formulas, or models, that describe a distribution with an equation. </a:t>
-            </a:r>
-          </a:p>
-          <a:p>
-            <a:r>
-              <a:rPr lang="en-US" dirty="0"/>
-              <a:t>Allow for analysis and inference without collecting all that data*.</a:t>
-            </a:r>
-          </a:p>
-          <a:p>
-            <a:pPr lvl="1"/>
-            <a:r>
-              <a:rPr lang="en-US" dirty="0"/>
-              <a:t>* More on this later. </a:t>
-            </a:r>
-          </a:p>
-          <a:p>
-            <a:r>
-              <a:rPr lang="en-US" dirty="0"/>
-              <a:t>The models of analytical distributions are simplifications of the distributions we can observe in data.  </a:t>
-            </a:r>
-          </a:p>
-          <a:p>
-            <a:r>
-              <a:rPr lang="en-US" dirty="0"/>
-              <a:t>E.g. a normal distribution is: </a:t>
-            </a:r>
-          </a:p>
-        </p:txBody>
-      </p:sp>
-      <p:pic>
-        <p:nvPicPr>
-          <p:cNvPr id="3076" name="Picture 4" descr="What Is a Normal Distribution?">
-            <a:extLst>
-              <a:ext uri="{FF2B5EF4-FFF2-40B4-BE49-F238E27FC236}">
-                <a16:creationId xmlns:a16="http://schemas.microsoft.com/office/drawing/2014/main" id="{D0AB4B37-BD5D-30CB-0645-2B4D5ABDC8B3}"/>
-              </a:ext>
-            </a:extLst>
-          </p:cNvPr>
-          <p:cNvPicPr>
-            <a:picLocks noChangeAspect="1" noChangeArrowheads="1"/>
-          </p:cNvPicPr>
-          <p:nvPr/>
-        </p:nvPicPr>
-        <p:blipFill>
-          <a:blip r:embed="rId2">
-            <a:extLst>
-              <a:ext uri="{28A0092B-C50C-407E-A947-70E740481C1C}">
-                <a14:useLocalDpi xmlns:a14="http://schemas.microsoft.com/office/drawing/2010/main" val="0"/>
-              </a:ext>
-            </a:extLst>
-          </a:blip>
-          <a:srcRect/>
-          <a:stretch>
-            <a:fillRect/>
-          </a:stretch>
-        </p:blipFill>
-        <p:spPr bwMode="auto">
-          <a:xfrm>
-            <a:off x="5855302" y="4793226"/>
-            <a:ext cx="6093349" cy="1824038"/>
-          </a:xfrm>
-          <a:prstGeom prst="rect">
-            <a:avLst/>
-          </a:prstGeom>
-          <a:noFill/>
-          <a:extLst>
-            <a:ext uri="{909E8E84-426E-40DD-AFC4-6F175D3DCCD1}">
-              <a14:hiddenFill xmlns:a14="http://schemas.microsoft.com/office/drawing/2010/main">
-                <a:solidFill>
-                  <a:srgbClr val="FFFFFF"/>
-                </a:solidFill>
-              </a14:hiddenFill>
-            </a:ext>
-          </a:extLst>
-        </p:spPr>
-      </p:pic>
-    </p:spTree>
-    <p:extLst>
-      <p:ext uri="{BB962C8B-B14F-4D97-AF65-F5344CB8AC3E}">
-        <p14:creationId xmlns:p14="http://schemas.microsoft.com/office/powerpoint/2010/main" val="3623650812"/>
-      </p:ext>
-    </p:extLst>
-  </p:cSld>
-  <p:clrMapOvr>
-    <a:masterClrMapping/>
-  </p:clrMapOvr>
-</p:sld>
-</file>
-
-<file path=ppt/slides/slide4.xml><?xml version="1.0" encoding="utf-8"?>
-<p:sld xmlns:a="http://schemas.openxmlformats.org/drawingml/2006/main" xmlns:r="http://schemas.openxmlformats.org/officeDocument/2006/relationships" xmlns:p="http://schemas.openxmlformats.org/presentationml/2006/main">
-  <p:cSld>
-    <p:spTree>
-      <p:nvGrpSpPr>
-        <p:cNvPr id="1" name=""/>
-        <p:cNvGrpSpPr/>
-        <p:nvPr/>
-      </p:nvGrpSpPr>
-      <p:grpSpPr>
-        <a:xfrm>
-          <a:off x="0" y="0"/>
-          <a:ext cx="0" cy="0"/>
-          <a:chOff x="0" y="0"/>
-          <a:chExt cx="0" cy="0"/>
-        </a:xfrm>
-      </p:grpSpPr>
-      <p:sp>
-        <p:nvSpPr>
-          <p:cNvPr id="2" name="Title 1">
-            <a:extLst>
-              <a:ext uri="{FF2B5EF4-FFF2-40B4-BE49-F238E27FC236}">
-                <a16:creationId xmlns:a16="http://schemas.microsoft.com/office/drawing/2014/main" id="{4B12A7BD-C7C9-E940-AA85-456CDD3A7035}"/>
-              </a:ext>
-            </a:extLst>
-          </p:cNvPr>
-          <p:cNvSpPr>
-            <a:spLocks noGrp="1"/>
-          </p:cNvSpPr>
-          <p:nvPr>
-            <p:ph type="title"/>
-          </p:nvPr>
-        </p:nvSpPr>
-        <p:spPr/>
-        <p:txBody>
-          <a:bodyPr/>
-          <a:lstStyle/>
-          <a:p>
-            <a:r>
-              <a:rPr lang="en-US" dirty="0"/>
-              <a:t>Approximation</a:t>
-            </a:r>
-          </a:p>
-        </p:txBody>
-      </p:sp>
-      <p:sp>
-        <p:nvSpPr>
-          <p:cNvPr id="3" name="Content Placeholder 2">
-            <a:extLst>
-              <a:ext uri="{FF2B5EF4-FFF2-40B4-BE49-F238E27FC236}">
-                <a16:creationId xmlns:a16="http://schemas.microsoft.com/office/drawing/2014/main" id="{110177A7-98AA-5C4C-855D-D22EA4C8FDA2}"/>
-              </a:ext>
-            </a:extLst>
-          </p:cNvPr>
-          <p:cNvSpPr>
-            <a:spLocks noGrp="1"/>
-          </p:cNvSpPr>
-          <p:nvPr>
-            <p:ph idx="1"/>
-          </p:nvPr>
-        </p:nvSpPr>
-        <p:spPr>
-          <a:xfrm>
-            <a:off x="1451579" y="2015732"/>
-            <a:ext cx="9603275" cy="4037749"/>
-          </a:xfrm>
-        </p:spPr>
-        <p:txBody>
-          <a:bodyPr/>
-          <a:lstStyle/>
-          <a:p>
-            <a:r>
-              <a:rPr lang="en-US" dirty="0"/>
-              <a:t>Using a simplified model instead of real raw data requires that the model closely fits, or can be made to closely fit the distribution of the real-world data. </a:t>
-            </a:r>
-          </a:p>
-          <a:p>
-            <a:r>
-              <a:rPr lang="en-US" dirty="0"/>
-              <a:t>The closer an analytical distribution is in shape to the empirical data, the more accurate and better that analytical distribution will be. </a:t>
-            </a:r>
-          </a:p>
-          <a:p>
-            <a:pPr lvl="1"/>
-            <a:r>
-              <a:rPr lang="en-US" dirty="0"/>
-              <a:t>The normal distribution on the previous slide is defined by mean and standard dev. </a:t>
-            </a:r>
-          </a:p>
-          <a:p>
-            <a:pPr lvl="1"/>
-            <a:r>
-              <a:rPr lang="en-US" dirty="0"/>
-              <a:t>If our empirical distribution is normal, we can make a “matching” one from the mean and std.</a:t>
-            </a:r>
-          </a:p>
-          <a:p>
-            <a:pPr lvl="1"/>
-            <a:r>
-              <a:rPr lang="en-US" dirty="0"/>
-              <a:t>Generalizing from our sample to a broad definition of the distribution. </a:t>
-            </a:r>
-          </a:p>
-          <a:p>
-            <a:r>
-              <a:rPr lang="en-US" dirty="0"/>
-              <a:t>Note: The book looks mainly at CDFs. I think it is a little easier/more intuitive to look at the the histogram/</a:t>
-            </a:r>
-            <a:r>
-              <a:rPr lang="en-US" dirty="0" err="1"/>
-              <a:t>pmf</a:t>
-            </a:r>
-            <a:r>
-              <a:rPr lang="en-US" dirty="0"/>
-              <a:t> perspective at first. </a:t>
-            </a:r>
-          </a:p>
-          <a:p>
-            <a:endParaRPr lang="en-US" dirty="0"/>
-          </a:p>
-        </p:txBody>
-      </p:sp>
-    </p:spTree>
-    <p:extLst>
-      <p:ext uri="{BB962C8B-B14F-4D97-AF65-F5344CB8AC3E}">
-        <p14:creationId xmlns:p14="http://schemas.microsoft.com/office/powerpoint/2010/main" val="1650296403"/>
-      </p:ext>
-    </p:extLst>
-  </p:cSld>
-  <p:clrMapOvr>
-    <a:masterClrMapping/>
-  </p:clrMapOvr>
-</p:sld>
-</file>
-
-<file path=ppt/slides/slide5.xml><?xml version="1.0" encoding="utf-8"?>
+<file path=ppt/slides/slide20.xml><?xml version="1.0" encoding="utf-8"?>
 <p:sld xmlns:a="http://schemas.openxmlformats.org/drawingml/2006/main" xmlns:r="http://schemas.openxmlformats.org/officeDocument/2006/relationships" xmlns:p="http://schemas.openxmlformats.org/presentationml/2006/main">
   <p:cSld>
     <p:bg>
@@ -5670,7 +6093,7 @@
       </p:grpSpPr>
       <p:sp useBgFill="1">
         <p:nvSpPr>
-          <p:cNvPr id="76" name="Rectangle 75">
+          <p:cNvPr id="71" name="Rectangle 70">
             <a:extLst>
               <a:ext uri="{FF2B5EF4-FFF2-40B4-BE49-F238E27FC236}">
                 <a16:creationId xmlns:a16="http://schemas.microsoft.com/office/drawing/2014/main" id="{35C3D674-3D59-4E93-80CA-0C0A9095E816}"/>
@@ -5730,7 +6153,7 @@
       </p:sp>
       <p:cxnSp>
         <p:nvCxnSpPr>
-          <p:cNvPr id="78" name="Straight Connector 77">
+          <p:cNvPr id="73" name="Straight Connector 72">
             <a:extLst>
               <a:ext uri="{FF2B5EF4-FFF2-40B4-BE49-F238E27FC236}">
                 <a16:creationId xmlns:a16="http://schemas.microsoft.com/office/drawing/2014/main" id="{C884B8F8-FDC9-498B-9960-5D7260AFCB03}"/>
@@ -5781,7 +6204,7 @@
           <p:cNvPr id="2" name="Title 1">
             <a:extLst>
               <a:ext uri="{FF2B5EF4-FFF2-40B4-BE49-F238E27FC236}">
-                <a16:creationId xmlns:a16="http://schemas.microsoft.com/office/drawing/2014/main" id="{300CCE53-313F-0D4B-B555-1B8EAE5F2CF9}"/>
+                <a16:creationId xmlns:a16="http://schemas.microsoft.com/office/drawing/2014/main" id="{AA67E9BD-6BDA-9E4B-BC24-A43D924084AD}"/>
               </a:ext>
             </a:extLst>
           </p:cNvPr>
@@ -5794,8 +6217,8 @@
         </p:nvSpPr>
         <p:spPr>
           <a:xfrm>
-            <a:off x="1451580" y="804520"/>
-            <a:ext cx="4176511" cy="1049235"/>
+            <a:off x="596348" y="804520"/>
+            <a:ext cx="5031743" cy="1049235"/>
           </a:xfrm>
         </p:spPr>
         <p:txBody>
@@ -5806,14 +6229,14 @@
           <a:p>
             <a:r>
               <a:rPr lang="en-US" dirty="0"/>
-              <a:t>Are you Normal?</a:t>
-            </a:r>
-          </a:p>
-        </p:txBody>
-      </p:sp>
-      <p:sp>
-        <p:nvSpPr>
-          <p:cNvPr id="80" name="Rectangle 79">
+              <a:t>Simple Example – Use model to Predict</a:t>
+            </a:r>
+          </a:p>
+        </p:txBody>
+      </p:sp>
+      <p:sp>
+        <p:nvSpPr>
+          <p:cNvPr id="75" name="Rectangle 74">
             <a:extLst>
               <a:ext uri="{FF2B5EF4-FFF2-40B4-BE49-F238E27FC236}">
                 <a16:creationId xmlns:a16="http://schemas.microsoft.com/office/drawing/2014/main" id="{EF2A81E1-BCBE-426B-8C09-33274E69409D}"/>
@@ -5890,7 +6313,7 @@
           <p:cNvPr id="3" name="Content Placeholder 2">
             <a:extLst>
               <a:ext uri="{FF2B5EF4-FFF2-40B4-BE49-F238E27FC236}">
-                <a16:creationId xmlns:a16="http://schemas.microsoft.com/office/drawing/2014/main" id="{E7ECBA31-AD61-7C42-820E-5E8F9CC2A7CB}"/>
+                <a16:creationId xmlns:a16="http://schemas.microsoft.com/office/drawing/2014/main" id="{B41D4AE7-D507-0242-9DBD-C4089277944D}"/>
               </a:ext>
             </a:extLst>
           </p:cNvPr>
@@ -5903,8 +6326,8 @@
         </p:nvSpPr>
         <p:spPr>
           <a:xfrm>
-            <a:off x="239843" y="2015732"/>
-            <a:ext cx="4691921" cy="3450613"/>
+            <a:off x="200416" y="1853755"/>
+            <a:ext cx="5893691" cy="4199719"/>
           </a:xfrm>
         </p:spPr>
         <p:txBody>
@@ -5913,46 +6336,49 @@
           </a:bodyPr>
           <a:lstStyle/>
           <a:p>
-            <a:pPr>
-              <a:lnSpc>
-                <a:spcPct val="110000"/>
-              </a:lnSpc>
-            </a:pPr>
-            <a:r>
-              <a:rPr lang="en-US" sz="1700" dirty="0"/>
-              <a:t>The normal distribution is used to model many real-world distributions. </a:t>
-            </a:r>
-          </a:p>
-          <a:p>
-            <a:pPr>
-              <a:lnSpc>
-                <a:spcPct val="110000"/>
-              </a:lnSpc>
-            </a:pPr>
-            <a:r>
-              <a:rPr lang="en-US" sz="1700" dirty="0"/>
-              <a:t>E.g. shoe size - most people are close to the mean size, as you get bigger and smaller, there’s fewer people there.</a:t>
-            </a:r>
-          </a:p>
-          <a:p>
-            <a:pPr>
-              <a:lnSpc>
-                <a:spcPct val="110000"/>
-              </a:lnSpc>
-            </a:pPr>
-            <a:r>
-              <a:rPr lang="en-US" sz="1700" dirty="0"/>
-              <a:t>A normal dist. “fits” the shape of the dist. so we can analyze that mathematical curve and infer that real data will follow that pattern. </a:t>
+            <a:r>
+              <a:rPr lang="en-US" dirty="0"/>
+              <a:t>If someone is 67 inches tall, how much do they weigh? </a:t>
+            </a:r>
+          </a:p>
+          <a:p>
+            <a:r>
+              <a:rPr lang="en-US" dirty="0"/>
+              <a:t>Blue dots are the empirical data. </a:t>
+            </a:r>
+          </a:p>
+          <a:p>
+            <a:r>
+              <a:rPr lang="en-US" dirty="0"/>
+              <a:t>Red line is model (best fit). </a:t>
+            </a:r>
+          </a:p>
+          <a:p>
+            <a:r>
+              <a:rPr lang="en-US" dirty="0"/>
+              <a:t>We don’t have empirical data on the weight of a 67 inch person. </a:t>
+            </a:r>
+          </a:p>
+          <a:p>
+            <a:r>
+              <a:rPr lang="en-US" dirty="0"/>
+              <a:t>We do have a model that gives us an estimate, based on the empirical data. </a:t>
+            </a:r>
+          </a:p>
+          <a:p>
+            <a:r>
+              <a:rPr lang="en-US" dirty="0"/>
+              <a:t>We introduce uncertainty here. </a:t>
             </a:r>
           </a:p>
         </p:txBody>
       </p:sp>
       <p:pic>
         <p:nvPicPr>
-          <p:cNvPr id="4098" name="Picture 2" descr="What is the distribution of men&amp;#39;s shoe sizes? - Quora">
+          <p:cNvPr id="5122" name="Picture 2" descr="Lesson 9: Linear Regression Foundations">
             <a:extLst>
               <a:ext uri="{FF2B5EF4-FFF2-40B4-BE49-F238E27FC236}">
-                <a16:creationId xmlns:a16="http://schemas.microsoft.com/office/drawing/2014/main" id="{E8111D54-AF9E-2A4A-994C-D6163E3BF8DF}"/>
+                <a16:creationId xmlns:a16="http://schemas.microsoft.com/office/drawing/2014/main" id="{C734B908-9DD0-384D-830B-40455249C85C}"/>
               </a:ext>
             </a:extLst>
           </p:cNvPr>
@@ -5975,8 +6401,8 @@
         </p:blipFill>
         <p:spPr bwMode="auto">
           <a:xfrm>
-            <a:off x="5171606" y="1360389"/>
-            <a:ext cx="6974470" cy="4550841"/>
+            <a:off x="6094410" y="697859"/>
+            <a:ext cx="6097589" cy="4109774"/>
           </a:xfrm>
           <a:prstGeom prst="rect">
             <a:avLst/>
@@ -5995,7 +6421,7 @@
       </p:pic>
       <p:pic>
         <p:nvPicPr>
-          <p:cNvPr id="82" name="Picture 81">
+          <p:cNvPr id="77" name="Picture 76">
             <a:extLst>
               <a:ext uri="{FF2B5EF4-FFF2-40B4-BE49-F238E27FC236}">
                 <a16:creationId xmlns:a16="http://schemas.microsoft.com/office/drawing/2014/main" id="{39D1DDD4-5BB3-45BA-B9B3-06B62299AD79}"/>
@@ -6039,7 +6465,7 @@
       </p:pic>
       <p:cxnSp>
         <p:nvCxnSpPr>
-          <p:cNvPr id="84" name="Straight Connector 83">
+          <p:cNvPr id="79" name="Straight Connector 78">
             <a:extLst>
               <a:ext uri="{FF2B5EF4-FFF2-40B4-BE49-F238E27FC236}">
                 <a16:creationId xmlns:a16="http://schemas.microsoft.com/office/drawing/2014/main" id="{A24DAE64-2302-42EA-8239-F2F0775CA5AD}"/>
@@ -6094,7 +6520,1624 @@
     </p:spTree>
     <p:extLst>
       <p:ext uri="{BB962C8B-B14F-4D97-AF65-F5344CB8AC3E}">
-        <p14:creationId xmlns:p14="http://schemas.microsoft.com/office/powerpoint/2010/main" val="662392256"/>
+        <p14:creationId xmlns:p14="http://schemas.microsoft.com/office/powerpoint/2010/main" val="1365649302"/>
+      </p:ext>
+    </p:extLst>
+  </p:cSld>
+  <p:clrMapOvr>
+    <a:masterClrMapping/>
+  </p:clrMapOvr>
+</p:sld>
+</file>
+
+<file path=ppt/slides/slide21.xml><?xml version="1.0" encoding="utf-8"?>
+<p:sld xmlns:a="http://schemas.openxmlformats.org/drawingml/2006/main" xmlns:r="http://schemas.openxmlformats.org/officeDocument/2006/relationships" xmlns:p="http://schemas.openxmlformats.org/presentationml/2006/main">
+  <p:cSld>
+    <p:spTree>
+      <p:nvGrpSpPr>
+        <p:cNvPr id="1" name=""/>
+        <p:cNvGrpSpPr/>
+        <p:nvPr/>
+      </p:nvGrpSpPr>
+      <p:grpSpPr>
+        <a:xfrm>
+          <a:off x="0" y="0"/>
+          <a:ext cx="0" cy="0"/>
+          <a:chOff x="0" y="0"/>
+          <a:chExt cx="0" cy="0"/>
+        </a:xfrm>
+      </p:grpSpPr>
+      <p:sp>
+        <p:nvSpPr>
+          <p:cNvPr id="2" name="Title 1">
+            <a:extLst>
+              <a:ext uri="{FF2B5EF4-FFF2-40B4-BE49-F238E27FC236}">
+                <a16:creationId xmlns:a16="http://schemas.microsoft.com/office/drawing/2014/main" id="{F8180C76-0923-AD6D-EF3A-945E1B5C27F7}"/>
+              </a:ext>
+            </a:extLst>
+          </p:cNvPr>
+          <p:cNvSpPr>
+            <a:spLocks noGrp="1"/>
+          </p:cNvSpPr>
+          <p:nvPr>
+            <p:ph type="title"/>
+          </p:nvPr>
+        </p:nvSpPr>
+        <p:spPr/>
+        <p:txBody>
+          <a:bodyPr/>
+          <a:lstStyle/>
+          <a:p>
+            <a:r>
+              <a:rPr lang="en-US" dirty="0"/>
+              <a:t>Sampling and Representation</a:t>
+            </a:r>
+          </a:p>
+        </p:txBody>
+      </p:sp>
+      <p:sp>
+        <p:nvSpPr>
+          <p:cNvPr id="3" name="Content Placeholder 2">
+            <a:extLst>
+              <a:ext uri="{FF2B5EF4-FFF2-40B4-BE49-F238E27FC236}">
+                <a16:creationId xmlns:a16="http://schemas.microsoft.com/office/drawing/2014/main" id="{AD61AE18-2EF5-D973-BA97-BB3035BD89F6}"/>
+              </a:ext>
+            </a:extLst>
+          </p:cNvPr>
+          <p:cNvSpPr>
+            <a:spLocks noGrp="1"/>
+          </p:cNvSpPr>
+          <p:nvPr>
+            <p:ph idx="1"/>
+          </p:nvPr>
+        </p:nvSpPr>
+        <p:spPr>
+          <a:xfrm>
+            <a:off x="6901226" y="1853754"/>
+            <a:ext cx="5173864" cy="4199727"/>
+          </a:xfrm>
+        </p:spPr>
+        <p:txBody>
+          <a:bodyPr/>
+          <a:lstStyle/>
+          <a:p>
+            <a:r>
+              <a:rPr lang="en-US" dirty="0"/>
+              <a:t>Our data, and its stats, comes from a sample. </a:t>
+            </a:r>
+          </a:p>
+          <a:p>
+            <a:r>
+              <a:rPr lang="en-US" dirty="0"/>
+              <a:t>The population has lots of data. </a:t>
+            </a:r>
+          </a:p>
+          <a:p>
+            <a:r>
+              <a:rPr lang="en-US" dirty="0"/>
+              <a:t>Our sample is a small subset. </a:t>
+            </a:r>
+          </a:p>
+          <a:p>
+            <a:r>
+              <a:rPr lang="en-US" dirty="0"/>
+              <a:t>Our sample is representative if the distribution of the sample matches the distribution of the population. </a:t>
+            </a:r>
+          </a:p>
+          <a:p>
+            <a:r>
+              <a:rPr lang="en-US" dirty="0"/>
+              <a:t>We ‘generate’ an analytical distribution based on the sample’s characteristics. </a:t>
+            </a:r>
+          </a:p>
+          <a:p>
+            <a:pPr lvl="1"/>
+            <a:r>
+              <a:rPr lang="en-US" dirty="0"/>
+              <a:t>This inserts uncertainty. </a:t>
+            </a:r>
+          </a:p>
+        </p:txBody>
+      </p:sp>
+      <p:pic>
+        <p:nvPicPr>
+          <p:cNvPr id="7170" name="Picture 2" descr="Sampling Distribution - GeeksforGeeks">
+            <a:extLst>
+              <a:ext uri="{FF2B5EF4-FFF2-40B4-BE49-F238E27FC236}">
+                <a16:creationId xmlns:a16="http://schemas.microsoft.com/office/drawing/2014/main" id="{BB96D3DA-5082-AD32-AFD4-3FFA44E9E6EA}"/>
+              </a:ext>
+            </a:extLst>
+          </p:cNvPr>
+          <p:cNvPicPr>
+            <a:picLocks noChangeAspect="1" noChangeArrowheads="1"/>
+          </p:cNvPicPr>
+          <p:nvPr/>
+        </p:nvPicPr>
+        <p:blipFill>
+          <a:blip r:embed="rId2">
+            <a:extLst>
+              <a:ext uri="{28A0092B-C50C-407E-A947-70E740481C1C}">
+                <a14:useLocalDpi xmlns:a14="http://schemas.microsoft.com/office/drawing/2010/main" val="0"/>
+              </a:ext>
+            </a:extLst>
+          </a:blip>
+          <a:srcRect/>
+          <a:stretch>
+            <a:fillRect/>
+          </a:stretch>
+        </p:blipFill>
+        <p:spPr bwMode="auto">
+          <a:xfrm>
+            <a:off x="0" y="2015732"/>
+            <a:ext cx="6901226" cy="3450613"/>
+          </a:xfrm>
+          <a:prstGeom prst="rect">
+            <a:avLst/>
+          </a:prstGeom>
+          <a:noFill/>
+          <a:extLst>
+            <a:ext uri="{909E8E84-426E-40DD-AFC4-6F175D3DCCD1}">
+              <a14:hiddenFill xmlns:a14="http://schemas.microsoft.com/office/drawing/2010/main">
+                <a:solidFill>
+                  <a:srgbClr val="FFFFFF"/>
+                </a:solidFill>
+              </a14:hiddenFill>
+            </a:ext>
+          </a:extLst>
+        </p:spPr>
+      </p:pic>
+    </p:spTree>
+    <p:extLst>
+      <p:ext uri="{BB962C8B-B14F-4D97-AF65-F5344CB8AC3E}">
+        <p14:creationId xmlns:p14="http://schemas.microsoft.com/office/powerpoint/2010/main" val="4283207580"/>
+      </p:ext>
+    </p:extLst>
+  </p:cSld>
+  <p:clrMapOvr>
+    <a:masterClrMapping/>
+  </p:clrMapOvr>
+</p:sld>
+</file>
+
+<file path=ppt/slides/slide22.xml><?xml version="1.0" encoding="utf-8"?>
+<p:sld xmlns:a="http://schemas.openxmlformats.org/drawingml/2006/main" xmlns:r="http://schemas.openxmlformats.org/officeDocument/2006/relationships" xmlns:p="http://schemas.openxmlformats.org/presentationml/2006/main">
+  <p:cSld>
+    <p:spTree>
+      <p:nvGrpSpPr>
+        <p:cNvPr id="1" name=""/>
+        <p:cNvGrpSpPr/>
+        <p:nvPr/>
+      </p:nvGrpSpPr>
+      <p:grpSpPr>
+        <a:xfrm>
+          <a:off x="0" y="0"/>
+          <a:ext cx="0" cy="0"/>
+          <a:chOff x="0" y="0"/>
+          <a:chExt cx="0" cy="0"/>
+        </a:xfrm>
+      </p:grpSpPr>
+      <p:sp>
+        <p:nvSpPr>
+          <p:cNvPr id="2" name="Title 1">
+            <a:extLst>
+              <a:ext uri="{FF2B5EF4-FFF2-40B4-BE49-F238E27FC236}">
+                <a16:creationId xmlns:a16="http://schemas.microsoft.com/office/drawing/2014/main" id="{8A86EDE7-0E08-6DD1-2231-5F128000DF0E}"/>
+              </a:ext>
+            </a:extLst>
+          </p:cNvPr>
+          <p:cNvSpPr>
+            <a:spLocks noGrp="1"/>
+          </p:cNvSpPr>
+          <p:nvPr>
+            <p:ph type="title"/>
+          </p:nvPr>
+        </p:nvSpPr>
+        <p:spPr/>
+        <p:txBody>
+          <a:bodyPr/>
+          <a:lstStyle/>
+          <a:p>
+            <a:r>
+              <a:rPr lang="en-US" dirty="0"/>
+              <a:t>Estimation - Sampling and Randomness</a:t>
+            </a:r>
+          </a:p>
+        </p:txBody>
+      </p:sp>
+      <p:sp>
+        <p:nvSpPr>
+          <p:cNvPr id="3" name="Content Placeholder 2">
+            <a:extLst>
+              <a:ext uri="{FF2B5EF4-FFF2-40B4-BE49-F238E27FC236}">
+                <a16:creationId xmlns:a16="http://schemas.microsoft.com/office/drawing/2014/main" id="{63F70852-A2E2-6EA6-C1D4-E1A2B0BC97E1}"/>
+              </a:ext>
+            </a:extLst>
+          </p:cNvPr>
+          <p:cNvSpPr>
+            <a:spLocks noGrp="1"/>
+          </p:cNvSpPr>
+          <p:nvPr>
+            <p:ph idx="1"/>
+          </p:nvPr>
+        </p:nvSpPr>
+        <p:spPr>
+          <a:xfrm>
+            <a:off x="1" y="1954060"/>
+            <a:ext cx="6354599" cy="4099421"/>
+          </a:xfrm>
+        </p:spPr>
+        <p:txBody>
+          <a:bodyPr>
+            <a:normAutofit/>
+          </a:bodyPr>
+          <a:lstStyle/>
+          <a:p>
+            <a:r>
+              <a:rPr lang="en-US" dirty="0"/>
+              <a:t>Once we ‘establish’ a distribution, we can sample from it. </a:t>
+            </a:r>
+          </a:p>
+          <a:p>
+            <a:r>
+              <a:rPr lang="en-US" dirty="0"/>
+              <a:t>Sample is N random values, following that distribution. </a:t>
+            </a:r>
+          </a:p>
+          <a:p>
+            <a:pPr lvl="1"/>
+            <a:r>
+              <a:rPr lang="en-US" dirty="0"/>
+              <a:t>Density is the probability of an item of that value. </a:t>
+            </a:r>
+          </a:p>
+          <a:p>
+            <a:r>
+              <a:rPr lang="en-US" dirty="0"/>
+              <a:t>Simple example – Nike making shoes of different sizes:</a:t>
+            </a:r>
+          </a:p>
+          <a:p>
+            <a:pPr lvl="1"/>
+            <a:r>
+              <a:rPr lang="en-US" dirty="0"/>
+              <a:t>Capture an empirical sample of shoe sizes. </a:t>
+            </a:r>
+          </a:p>
+          <a:p>
+            <a:pPr lvl="1"/>
+            <a:r>
+              <a:rPr lang="en-US" dirty="0"/>
+              <a:t>Observe that empirical distribution is normal-</a:t>
+            </a:r>
+            <a:r>
+              <a:rPr lang="en-US" dirty="0" err="1"/>
+              <a:t>ish</a:t>
+            </a:r>
+            <a:r>
+              <a:rPr lang="en-US" dirty="0"/>
+              <a:t>, calculate mean and standard deviation. </a:t>
+            </a:r>
+          </a:p>
+          <a:p>
+            <a:pPr lvl="1"/>
+            <a:r>
+              <a:rPr lang="en-US" dirty="0"/>
+              <a:t>Create an analytical distribution with those params. </a:t>
+            </a:r>
+          </a:p>
+          <a:p>
+            <a:pPr lvl="1"/>
+            <a:r>
+              <a:rPr lang="en-US" dirty="0"/>
+              <a:t>Generate [expected sales] random variables, count number in each size, profit. </a:t>
+            </a:r>
+          </a:p>
+        </p:txBody>
+      </p:sp>
+      <p:pic>
+        <p:nvPicPr>
+          <p:cNvPr id="2050" name="Picture 2" descr="Research on the Characteristic and Gender Differences in Adult Foot Shape  in China | SpringerLink">
+            <a:extLst>
+              <a:ext uri="{FF2B5EF4-FFF2-40B4-BE49-F238E27FC236}">
+                <a16:creationId xmlns:a16="http://schemas.microsoft.com/office/drawing/2014/main" id="{CCD70528-15FA-38D3-913C-30EACC3DEC7A}"/>
+              </a:ext>
+            </a:extLst>
+          </p:cNvPr>
+          <p:cNvPicPr>
+            <a:picLocks noChangeAspect="1" noChangeArrowheads="1"/>
+          </p:cNvPicPr>
+          <p:nvPr/>
+        </p:nvPicPr>
+        <p:blipFill>
+          <a:blip r:embed="rId2">
+            <a:extLst>
+              <a:ext uri="{28A0092B-C50C-407E-A947-70E740481C1C}">
+                <a14:useLocalDpi xmlns:a14="http://schemas.microsoft.com/office/drawing/2010/main" val="0"/>
+              </a:ext>
+            </a:extLst>
+          </a:blip>
+          <a:srcRect/>
+          <a:stretch>
+            <a:fillRect/>
+          </a:stretch>
+        </p:blipFill>
+        <p:spPr bwMode="auto">
+          <a:xfrm>
+            <a:off x="6354600" y="1853754"/>
+            <a:ext cx="5837400" cy="3877397"/>
+          </a:xfrm>
+          <a:prstGeom prst="rect">
+            <a:avLst/>
+          </a:prstGeom>
+          <a:noFill/>
+          <a:extLst>
+            <a:ext uri="{909E8E84-426E-40DD-AFC4-6F175D3DCCD1}">
+              <a14:hiddenFill xmlns:a14="http://schemas.microsoft.com/office/drawing/2010/main">
+                <a:solidFill>
+                  <a:srgbClr val="FFFFFF"/>
+                </a:solidFill>
+              </a14:hiddenFill>
+            </a:ext>
+          </a:extLst>
+        </p:spPr>
+      </p:pic>
+    </p:spTree>
+    <p:extLst>
+      <p:ext uri="{BB962C8B-B14F-4D97-AF65-F5344CB8AC3E}">
+        <p14:creationId xmlns:p14="http://schemas.microsoft.com/office/powerpoint/2010/main" val="2070045205"/>
+      </p:ext>
+    </p:extLst>
+  </p:cSld>
+  <p:clrMapOvr>
+    <a:masterClrMapping/>
+  </p:clrMapOvr>
+</p:sld>
+</file>
+
+<file path=ppt/slides/slide23.xml><?xml version="1.0" encoding="utf-8"?>
+<p:sld xmlns:a="http://schemas.openxmlformats.org/drawingml/2006/main" xmlns:r="http://schemas.openxmlformats.org/officeDocument/2006/relationships" xmlns:p="http://schemas.openxmlformats.org/presentationml/2006/main">
+  <p:cSld>
+    <p:spTree>
+      <p:nvGrpSpPr>
+        <p:cNvPr id="1" name=""/>
+        <p:cNvGrpSpPr/>
+        <p:nvPr/>
+      </p:nvGrpSpPr>
+      <p:grpSpPr>
+        <a:xfrm>
+          <a:off x="0" y="0"/>
+          <a:ext cx="0" cy="0"/>
+          <a:chOff x="0" y="0"/>
+          <a:chExt cx="0" cy="0"/>
+        </a:xfrm>
+      </p:grpSpPr>
+      <p:sp>
+        <p:nvSpPr>
+          <p:cNvPr id="2" name="Title 1">
+            <a:extLst>
+              <a:ext uri="{FF2B5EF4-FFF2-40B4-BE49-F238E27FC236}">
+                <a16:creationId xmlns:a16="http://schemas.microsoft.com/office/drawing/2014/main" id="{FC188B36-F6B0-A25B-53D3-974CE15E2B83}"/>
+              </a:ext>
+            </a:extLst>
+          </p:cNvPr>
+          <p:cNvSpPr>
+            <a:spLocks noGrp="1"/>
+          </p:cNvSpPr>
+          <p:nvPr>
+            <p:ph type="title"/>
+          </p:nvPr>
+        </p:nvSpPr>
+        <p:spPr/>
+        <p:txBody>
+          <a:bodyPr/>
+          <a:lstStyle/>
+          <a:p>
+            <a:endParaRPr lang="en-US"/>
+          </a:p>
+        </p:txBody>
+      </p:sp>
+      <p:sp>
+        <p:nvSpPr>
+          <p:cNvPr id="3" name="Content Placeholder 2">
+            <a:extLst>
+              <a:ext uri="{FF2B5EF4-FFF2-40B4-BE49-F238E27FC236}">
+                <a16:creationId xmlns:a16="http://schemas.microsoft.com/office/drawing/2014/main" id="{F6198063-C774-7CD8-36BA-FC77C4852B08}"/>
+              </a:ext>
+            </a:extLst>
+          </p:cNvPr>
+          <p:cNvSpPr>
+            <a:spLocks noGrp="1"/>
+          </p:cNvSpPr>
+          <p:nvPr>
+            <p:ph idx="1"/>
+          </p:nvPr>
+        </p:nvSpPr>
+        <p:spPr/>
+        <p:txBody>
+          <a:bodyPr/>
+          <a:lstStyle/>
+          <a:p>
+            <a:endParaRPr lang="en-US"/>
+          </a:p>
+        </p:txBody>
+      </p:sp>
+      <p:pic>
+        <p:nvPicPr>
+          <p:cNvPr id="8194" name="Picture 2" descr="Understanding Random Variables and Probability Distributions | Towards Data  Science">
+            <a:extLst>
+              <a:ext uri="{FF2B5EF4-FFF2-40B4-BE49-F238E27FC236}">
+                <a16:creationId xmlns:a16="http://schemas.microsoft.com/office/drawing/2014/main" id="{D5BE6BC9-ED5F-5A97-E2DE-09C3F63F7FD1}"/>
+              </a:ext>
+            </a:extLst>
+          </p:cNvPr>
+          <p:cNvPicPr>
+            <a:picLocks noChangeAspect="1" noChangeArrowheads="1"/>
+          </p:cNvPicPr>
+          <p:nvPr/>
+        </p:nvPicPr>
+        <p:blipFill>
+          <a:blip r:embed="rId2">
+            <a:extLst>
+              <a:ext uri="{28A0092B-C50C-407E-A947-70E740481C1C}">
+                <a14:useLocalDpi xmlns:a14="http://schemas.microsoft.com/office/drawing/2010/main" val="0"/>
+              </a:ext>
+            </a:extLst>
+          </a:blip>
+          <a:srcRect/>
+          <a:stretch>
+            <a:fillRect/>
+          </a:stretch>
+        </p:blipFill>
+        <p:spPr bwMode="auto">
+          <a:xfrm>
+            <a:off x="314325" y="0"/>
+            <a:ext cx="11561763" cy="6858000"/>
+          </a:xfrm>
+          <a:prstGeom prst="rect">
+            <a:avLst/>
+          </a:prstGeom>
+          <a:noFill/>
+          <a:extLst>
+            <a:ext uri="{909E8E84-426E-40DD-AFC4-6F175D3DCCD1}">
+              <a14:hiddenFill xmlns:a14="http://schemas.microsoft.com/office/drawing/2010/main">
+                <a:solidFill>
+                  <a:srgbClr val="FFFFFF"/>
+                </a:solidFill>
+              </a14:hiddenFill>
+            </a:ext>
+          </a:extLst>
+        </p:spPr>
+      </p:pic>
+    </p:spTree>
+    <p:extLst>
+      <p:ext uri="{BB962C8B-B14F-4D97-AF65-F5344CB8AC3E}">
+        <p14:creationId xmlns:p14="http://schemas.microsoft.com/office/powerpoint/2010/main" val="2709519592"/>
+      </p:ext>
+    </p:extLst>
+  </p:cSld>
+  <p:clrMapOvr>
+    <a:masterClrMapping/>
+  </p:clrMapOvr>
+</p:sld>
+</file>
+
+<file path=ppt/slides/slide24.xml><?xml version="1.0" encoding="utf-8"?>
+<p:sld xmlns:a="http://schemas.openxmlformats.org/drawingml/2006/main" xmlns:r="http://schemas.openxmlformats.org/officeDocument/2006/relationships" xmlns:p="http://schemas.openxmlformats.org/presentationml/2006/main">
+  <p:cSld>
+    <p:spTree>
+      <p:nvGrpSpPr>
+        <p:cNvPr id="1" name=""/>
+        <p:cNvGrpSpPr/>
+        <p:nvPr/>
+      </p:nvGrpSpPr>
+      <p:grpSpPr>
+        <a:xfrm>
+          <a:off x="0" y="0"/>
+          <a:ext cx="0" cy="0"/>
+          <a:chOff x="0" y="0"/>
+          <a:chExt cx="0" cy="0"/>
+        </a:xfrm>
+      </p:grpSpPr>
+      <p:sp>
+        <p:nvSpPr>
+          <p:cNvPr id="2" name="Title 1">
+            <a:extLst>
+              <a:ext uri="{FF2B5EF4-FFF2-40B4-BE49-F238E27FC236}">
+                <a16:creationId xmlns:a16="http://schemas.microsoft.com/office/drawing/2014/main" id="{14ECFB3D-C35B-B136-BBB4-278A248AD04B}"/>
+              </a:ext>
+            </a:extLst>
+          </p:cNvPr>
+          <p:cNvSpPr>
+            <a:spLocks noGrp="1"/>
+          </p:cNvSpPr>
+          <p:nvPr>
+            <p:ph type="title"/>
+          </p:nvPr>
+        </p:nvSpPr>
+        <p:spPr/>
+        <p:txBody>
+          <a:bodyPr/>
+          <a:lstStyle/>
+          <a:p>
+            <a:r>
+              <a:rPr lang="en-US" dirty="0"/>
+              <a:t>Transformations</a:t>
+            </a:r>
+          </a:p>
+        </p:txBody>
+      </p:sp>
+      <p:sp>
+        <p:nvSpPr>
+          <p:cNvPr id="3" name="Content Placeholder 2">
+            <a:extLst>
+              <a:ext uri="{FF2B5EF4-FFF2-40B4-BE49-F238E27FC236}">
+                <a16:creationId xmlns:a16="http://schemas.microsoft.com/office/drawing/2014/main" id="{942DF8CC-D188-5EF9-97E4-97C2ACA70729}"/>
+              </a:ext>
+            </a:extLst>
+          </p:cNvPr>
+          <p:cNvSpPr>
+            <a:spLocks noGrp="1"/>
+          </p:cNvSpPr>
+          <p:nvPr>
+            <p:ph idx="1"/>
+          </p:nvPr>
+        </p:nvSpPr>
+        <p:spPr>
+          <a:xfrm>
+            <a:off x="1451579" y="1977887"/>
+            <a:ext cx="9603275" cy="4075593"/>
+          </a:xfrm>
+        </p:spPr>
+        <p:txBody>
+          <a:bodyPr/>
+          <a:lstStyle/>
+          <a:p>
+            <a:r>
+              <a:rPr lang="en-US" dirty="0"/>
+              <a:t>While data often matches common distributions, sometimes it doesn’t. </a:t>
+            </a:r>
+          </a:p>
+          <a:p>
+            <a:r>
+              <a:rPr lang="en-US" dirty="0"/>
+              <a:t>We can help make analysis easier by transforming the data, so it fits better. </a:t>
+            </a:r>
+          </a:p>
+          <a:p>
+            <a:pPr lvl="1"/>
+            <a:r>
+              <a:rPr lang="en-US" dirty="0"/>
+              <a:t>I.e. do some mathematical operation on the dataset. </a:t>
+            </a:r>
+          </a:p>
+          <a:p>
+            <a:pPr lvl="1"/>
+            <a:r>
+              <a:rPr lang="en-US" dirty="0"/>
+              <a:t>Do the stats stuff with the transformed dataset. </a:t>
+            </a:r>
+          </a:p>
+          <a:p>
+            <a:pPr lvl="1"/>
+            <a:r>
+              <a:rPr lang="en-US" dirty="0"/>
+              <a:t>Convert between model and reality with that transformation. </a:t>
+            </a:r>
+          </a:p>
+          <a:p>
+            <a:r>
+              <a:rPr lang="en-US" dirty="0"/>
+              <a:t>Stupidly simple example – we are analyzing temperatures and we can’t use negatives. </a:t>
+            </a:r>
+          </a:p>
+          <a:p>
+            <a:pPr lvl="1"/>
+            <a:r>
+              <a:rPr lang="en-US" dirty="0"/>
+              <a:t>Do a transformation – add 100 to every temperature value. </a:t>
+            </a:r>
+          </a:p>
+          <a:p>
+            <a:pPr lvl="1"/>
+            <a:r>
+              <a:rPr lang="en-US" dirty="0"/>
+              <a:t>Do whatever analysis with the +100 data. </a:t>
+            </a:r>
+          </a:p>
+          <a:p>
+            <a:pPr lvl="1"/>
+            <a:r>
+              <a:rPr lang="en-US" dirty="0"/>
+              <a:t>To translate to real temperatures, -100. </a:t>
+            </a:r>
+          </a:p>
+        </p:txBody>
+      </p:sp>
+    </p:spTree>
+    <p:extLst>
+      <p:ext uri="{BB962C8B-B14F-4D97-AF65-F5344CB8AC3E}">
+        <p14:creationId xmlns:p14="http://schemas.microsoft.com/office/powerpoint/2010/main" val="771886243"/>
+      </p:ext>
+    </p:extLst>
+  </p:cSld>
+  <p:clrMapOvr>
+    <a:masterClrMapping/>
+  </p:clrMapOvr>
+</p:sld>
+</file>
+
+<file path=ppt/slides/slide25.xml><?xml version="1.0" encoding="utf-8"?>
+<p:sld xmlns:a="http://schemas.openxmlformats.org/drawingml/2006/main" xmlns:r="http://schemas.openxmlformats.org/officeDocument/2006/relationships" xmlns:p="http://schemas.openxmlformats.org/presentationml/2006/main">
+  <p:cSld>
+    <p:spTree>
+      <p:nvGrpSpPr>
+        <p:cNvPr id="1" name=""/>
+        <p:cNvGrpSpPr/>
+        <p:nvPr/>
+      </p:nvGrpSpPr>
+      <p:grpSpPr>
+        <a:xfrm>
+          <a:off x="0" y="0"/>
+          <a:ext cx="0" cy="0"/>
+          <a:chOff x="0" y="0"/>
+          <a:chExt cx="0" cy="0"/>
+        </a:xfrm>
+      </p:grpSpPr>
+      <p:sp>
+        <p:nvSpPr>
+          <p:cNvPr id="2" name="Title 1">
+            <a:extLst>
+              <a:ext uri="{FF2B5EF4-FFF2-40B4-BE49-F238E27FC236}">
+                <a16:creationId xmlns:a16="http://schemas.microsoft.com/office/drawing/2014/main" id="{AA431334-D9BC-B8A7-2543-C0E807596D39}"/>
+              </a:ext>
+            </a:extLst>
+          </p:cNvPr>
+          <p:cNvSpPr>
+            <a:spLocks noGrp="1"/>
+          </p:cNvSpPr>
+          <p:nvPr>
+            <p:ph type="title"/>
+          </p:nvPr>
+        </p:nvSpPr>
+        <p:spPr/>
+        <p:txBody>
+          <a:bodyPr/>
+          <a:lstStyle/>
+          <a:p>
+            <a:r>
+              <a:rPr lang="en-US" dirty="0"/>
+              <a:t>Stats Transformations</a:t>
+            </a:r>
+          </a:p>
+        </p:txBody>
+      </p:sp>
+      <p:sp>
+        <p:nvSpPr>
+          <p:cNvPr id="3" name="Content Placeholder 2">
+            <a:extLst>
+              <a:ext uri="{FF2B5EF4-FFF2-40B4-BE49-F238E27FC236}">
+                <a16:creationId xmlns:a16="http://schemas.microsoft.com/office/drawing/2014/main" id="{6CB06556-8A7C-2BFD-2400-62AE9F059B5D}"/>
+              </a:ext>
+            </a:extLst>
+          </p:cNvPr>
+          <p:cNvSpPr>
+            <a:spLocks noGrp="1"/>
+          </p:cNvSpPr>
+          <p:nvPr>
+            <p:ph idx="1"/>
+          </p:nvPr>
+        </p:nvSpPr>
+        <p:spPr>
+          <a:xfrm>
+            <a:off x="7102258" y="1853754"/>
+            <a:ext cx="4938646" cy="4199727"/>
+          </a:xfrm>
+        </p:spPr>
+        <p:txBody>
+          <a:bodyPr/>
+          <a:lstStyle/>
+          <a:p>
+            <a:r>
+              <a:rPr lang="en-US" dirty="0"/>
+              <a:t>In stats, there are a few common transformations. </a:t>
+            </a:r>
+          </a:p>
+          <a:p>
+            <a:pPr lvl="1"/>
+            <a:r>
+              <a:rPr lang="en-US" dirty="0"/>
+              <a:t>Often to make data normal. </a:t>
+            </a:r>
+          </a:p>
+          <a:p>
+            <a:r>
+              <a:rPr lang="en-US" dirty="0"/>
+              <a:t>Skewed data is often transformed with log/exponent. </a:t>
+            </a:r>
+          </a:p>
+          <a:p>
+            <a:r>
+              <a:rPr lang="en-US" dirty="0"/>
+              <a:t>Exponential data can be made linear with logarithms. </a:t>
+            </a:r>
+          </a:p>
+          <a:p>
+            <a:r>
+              <a:rPr lang="en-US" dirty="0"/>
+              <a:t>There are a few others, but it could be anything. </a:t>
+            </a:r>
+          </a:p>
+          <a:p>
+            <a:pPr lvl="1"/>
+            <a:r>
+              <a:rPr lang="en-US" dirty="0"/>
+              <a:t>As long as the operation is undoable. </a:t>
+            </a:r>
+          </a:p>
+          <a:p>
+            <a:endParaRPr lang="en-US" dirty="0"/>
+          </a:p>
+        </p:txBody>
+      </p:sp>
+      <p:pic>
+        <p:nvPicPr>
+          <p:cNvPr id="1026" name="Picture 2" descr="How to transform the data to make normally distributed? - Data Science, AI  and ML - Discussion Forum | Board Infinity">
+            <a:extLst>
+              <a:ext uri="{FF2B5EF4-FFF2-40B4-BE49-F238E27FC236}">
+                <a16:creationId xmlns:a16="http://schemas.microsoft.com/office/drawing/2014/main" id="{ACD4CAB2-858D-36E4-B119-3835F043EBC1}"/>
+              </a:ext>
+            </a:extLst>
+          </p:cNvPr>
+          <p:cNvPicPr>
+            <a:picLocks noChangeAspect="1" noChangeArrowheads="1"/>
+          </p:cNvPicPr>
+          <p:nvPr/>
+        </p:nvPicPr>
+        <p:blipFill rotWithShape="1">
+          <a:blip r:embed="rId2">
+            <a:extLst>
+              <a:ext uri="{28A0092B-C50C-407E-A947-70E740481C1C}">
+                <a14:useLocalDpi xmlns:a14="http://schemas.microsoft.com/office/drawing/2010/main" val="0"/>
+              </a:ext>
+            </a:extLst>
+          </a:blip>
+          <a:srcRect r="7389" b="8204"/>
+          <a:stretch>
+            <a:fillRect/>
+          </a:stretch>
+        </p:blipFill>
+        <p:spPr bwMode="auto">
+          <a:xfrm>
+            <a:off x="151096" y="1853754"/>
+            <a:ext cx="6951162" cy="4243540"/>
+          </a:xfrm>
+          <a:prstGeom prst="rect">
+            <a:avLst/>
+          </a:prstGeom>
+          <a:noFill/>
+          <a:extLst>
+            <a:ext uri="{909E8E84-426E-40DD-AFC4-6F175D3DCCD1}">
+              <a14:hiddenFill xmlns:a14="http://schemas.microsoft.com/office/drawing/2010/main">
+                <a:solidFill>
+                  <a:srgbClr val="FFFFFF"/>
+                </a:solidFill>
+              </a14:hiddenFill>
+            </a:ext>
+          </a:extLst>
+        </p:spPr>
+      </p:pic>
+    </p:spTree>
+    <p:extLst>
+      <p:ext uri="{BB962C8B-B14F-4D97-AF65-F5344CB8AC3E}">
+        <p14:creationId xmlns:p14="http://schemas.microsoft.com/office/powerpoint/2010/main" val="2119074509"/>
+      </p:ext>
+    </p:extLst>
+  </p:cSld>
+  <p:clrMapOvr>
+    <a:masterClrMapping/>
+  </p:clrMapOvr>
+</p:sld>
+</file>
+
+<file path=ppt/slides/slide26.xml><?xml version="1.0" encoding="utf-8"?>
+<p:sld xmlns:a="http://schemas.openxmlformats.org/drawingml/2006/main" xmlns:r="http://schemas.openxmlformats.org/officeDocument/2006/relationships" xmlns:p="http://schemas.openxmlformats.org/presentationml/2006/main">
+  <p:cSld>
+    <p:spTree>
+      <p:nvGrpSpPr>
+        <p:cNvPr id="1" name=""/>
+        <p:cNvGrpSpPr/>
+        <p:nvPr/>
+      </p:nvGrpSpPr>
+      <p:grpSpPr>
+        <a:xfrm>
+          <a:off x="0" y="0"/>
+          <a:ext cx="0" cy="0"/>
+          <a:chOff x="0" y="0"/>
+          <a:chExt cx="0" cy="0"/>
+        </a:xfrm>
+      </p:grpSpPr>
+      <p:sp>
+        <p:nvSpPr>
+          <p:cNvPr id="2" name="Title 1">
+            <a:extLst>
+              <a:ext uri="{FF2B5EF4-FFF2-40B4-BE49-F238E27FC236}">
+                <a16:creationId xmlns:a16="http://schemas.microsoft.com/office/drawing/2014/main" id="{01BEB1BE-1A22-564C-A6CC-B36E55209FC8}"/>
+              </a:ext>
+            </a:extLst>
+          </p:cNvPr>
+          <p:cNvSpPr>
+            <a:spLocks noGrp="1"/>
+          </p:cNvSpPr>
+          <p:nvPr>
+            <p:ph type="title"/>
+          </p:nvPr>
+        </p:nvSpPr>
+        <p:spPr/>
+        <p:txBody>
+          <a:bodyPr/>
+          <a:lstStyle/>
+          <a:p>
+            <a:r>
+              <a:rPr lang="en-US" dirty="0"/>
+              <a:t>SciPy</a:t>
+            </a:r>
+          </a:p>
+        </p:txBody>
+      </p:sp>
+      <p:sp>
+        <p:nvSpPr>
+          <p:cNvPr id="3" name="Content Placeholder 2">
+            <a:extLst>
+              <a:ext uri="{FF2B5EF4-FFF2-40B4-BE49-F238E27FC236}">
+                <a16:creationId xmlns:a16="http://schemas.microsoft.com/office/drawing/2014/main" id="{974DD71C-1595-5E78-DC84-E6F7C2CFDAF7}"/>
+              </a:ext>
+            </a:extLst>
+          </p:cNvPr>
+          <p:cNvSpPr>
+            <a:spLocks noGrp="1"/>
+          </p:cNvSpPr>
+          <p:nvPr>
+            <p:ph idx="1"/>
+          </p:nvPr>
+        </p:nvSpPr>
+        <p:spPr>
+          <a:xfrm>
+            <a:off x="1451579" y="2015733"/>
+            <a:ext cx="9603275" cy="2824188"/>
+          </a:xfrm>
+        </p:spPr>
+        <p:txBody>
+          <a:bodyPr/>
+          <a:lstStyle/>
+          <a:p>
+            <a:r>
+              <a:rPr lang="en-US" dirty="0"/>
+              <a:t>SciPy is a library that we use for </a:t>
+            </a:r>
+            <a:r>
+              <a:rPr lang="en-US" dirty="0" err="1"/>
+              <a:t>mathy</a:t>
+            </a:r>
+            <a:r>
+              <a:rPr lang="en-US" dirty="0"/>
+              <a:t> stuff. </a:t>
+            </a:r>
+          </a:p>
+          <a:p>
+            <a:r>
+              <a:rPr lang="en-US" dirty="0"/>
+              <a:t>Here, we’ll use analytical distributions from </a:t>
+            </a:r>
+            <a:r>
+              <a:rPr lang="en-US" dirty="0" err="1"/>
+              <a:t>scipy</a:t>
+            </a:r>
+            <a:r>
+              <a:rPr lang="en-US" dirty="0"/>
+              <a:t>. </a:t>
+            </a:r>
+          </a:p>
+          <a:p>
+            <a:r>
+              <a:rPr lang="en-US" dirty="0"/>
+              <a:t>The documentation kind of sucks, but our needs are limited. </a:t>
+            </a:r>
+          </a:p>
+          <a:p>
+            <a:r>
+              <a:rPr lang="en-US" dirty="0"/>
+              <a:t>Most common usage:</a:t>
+            </a:r>
+          </a:p>
+          <a:p>
+            <a:pPr lvl="1"/>
+            <a:r>
+              <a:rPr lang="en-US" dirty="0"/>
+              <a:t>Generate statistics from empirical data. </a:t>
+            </a:r>
+          </a:p>
+          <a:p>
+            <a:pPr lvl="1"/>
+            <a:r>
+              <a:rPr lang="en-US" dirty="0"/>
+              <a:t>Use those stats to create analytical distribution and create random data from it. </a:t>
+            </a:r>
+          </a:p>
+          <a:p>
+            <a:endParaRPr lang="en-US" dirty="0"/>
+          </a:p>
+        </p:txBody>
+      </p:sp>
+      <p:pic>
+        <p:nvPicPr>
+          <p:cNvPr id="4" name="Picture 3">
+            <a:extLst>
+              <a:ext uri="{FF2B5EF4-FFF2-40B4-BE49-F238E27FC236}">
+                <a16:creationId xmlns:a16="http://schemas.microsoft.com/office/drawing/2014/main" id="{92B72682-8D8C-274F-847F-4F939148495E}"/>
+              </a:ext>
+            </a:extLst>
+          </p:cNvPr>
+          <p:cNvPicPr>
+            <a:picLocks noChangeAspect="1"/>
+          </p:cNvPicPr>
+          <p:nvPr/>
+        </p:nvPicPr>
+        <p:blipFill>
+          <a:blip r:embed="rId2"/>
+          <a:stretch>
+            <a:fillRect/>
+          </a:stretch>
+        </p:blipFill>
+        <p:spPr>
+          <a:xfrm>
+            <a:off x="337567" y="4839920"/>
+            <a:ext cx="11516866" cy="788403"/>
+          </a:xfrm>
+          <a:prstGeom prst="rect">
+            <a:avLst/>
+          </a:prstGeom>
+        </p:spPr>
+      </p:pic>
+    </p:spTree>
+    <p:extLst>
+      <p:ext uri="{BB962C8B-B14F-4D97-AF65-F5344CB8AC3E}">
+        <p14:creationId xmlns:p14="http://schemas.microsoft.com/office/powerpoint/2010/main" val="1209924658"/>
+      </p:ext>
+    </p:extLst>
+  </p:cSld>
+  <p:clrMapOvr>
+    <a:masterClrMapping/>
+  </p:clrMapOvr>
+</p:sld>
+</file>
+
+<file path=ppt/slides/slide27.xml><?xml version="1.0" encoding="utf-8"?>
+<p:sld xmlns:a="http://schemas.openxmlformats.org/drawingml/2006/main" xmlns:r="http://schemas.openxmlformats.org/officeDocument/2006/relationships" xmlns:p="http://schemas.openxmlformats.org/presentationml/2006/main">
+  <p:cSld>
+    <p:spTree>
+      <p:nvGrpSpPr>
+        <p:cNvPr id="1" name=""/>
+        <p:cNvGrpSpPr/>
+        <p:nvPr/>
+      </p:nvGrpSpPr>
+      <p:grpSpPr>
+        <a:xfrm>
+          <a:off x="0" y="0"/>
+          <a:ext cx="0" cy="0"/>
+          <a:chOff x="0" y="0"/>
+          <a:chExt cx="0" cy="0"/>
+        </a:xfrm>
+      </p:grpSpPr>
+      <p:sp>
+        <p:nvSpPr>
+          <p:cNvPr id="2" name="Title 1">
+            <a:extLst>
+              <a:ext uri="{FF2B5EF4-FFF2-40B4-BE49-F238E27FC236}">
+                <a16:creationId xmlns:a16="http://schemas.microsoft.com/office/drawing/2014/main" id="{BED200ED-3E70-4A5A-6FFB-0C96D6208774}"/>
+              </a:ext>
+            </a:extLst>
+          </p:cNvPr>
+          <p:cNvSpPr>
+            <a:spLocks noGrp="1"/>
+          </p:cNvSpPr>
+          <p:nvPr>
+            <p:ph type="title"/>
+          </p:nvPr>
+        </p:nvSpPr>
+        <p:spPr/>
+        <p:txBody>
+          <a:bodyPr/>
+          <a:lstStyle/>
+          <a:p>
+            <a:r>
+              <a:rPr lang="en-US" dirty="0"/>
+              <a:t>Analytical Models and Inference</a:t>
+            </a:r>
+          </a:p>
+        </p:txBody>
+      </p:sp>
+      <p:sp>
+        <p:nvSpPr>
+          <p:cNvPr id="3" name="Content Placeholder 2">
+            <a:extLst>
+              <a:ext uri="{FF2B5EF4-FFF2-40B4-BE49-F238E27FC236}">
+                <a16:creationId xmlns:a16="http://schemas.microsoft.com/office/drawing/2014/main" id="{7E9071FD-AD95-002C-A2CA-3772CAE52C8F}"/>
+              </a:ext>
+            </a:extLst>
+          </p:cNvPr>
+          <p:cNvSpPr>
+            <a:spLocks noGrp="1"/>
+          </p:cNvSpPr>
+          <p:nvPr>
+            <p:ph idx="1"/>
+          </p:nvPr>
+        </p:nvSpPr>
+        <p:spPr>
+          <a:xfrm>
+            <a:off x="1451579" y="1853754"/>
+            <a:ext cx="9603275" cy="4199727"/>
+          </a:xfrm>
+        </p:spPr>
+        <p:txBody>
+          <a:bodyPr/>
+          <a:lstStyle/>
+          <a:p>
+            <a:r>
+              <a:rPr lang="en-US" dirty="0"/>
+              <a:t>Analytical models are a key foundation of inferential statistics and machine learning. </a:t>
+            </a:r>
+          </a:p>
+          <a:p>
+            <a:pPr lvl="1"/>
+            <a:r>
+              <a:rPr lang="en-US" dirty="0"/>
+              <a:t>The model provides us with a set of expectations. </a:t>
+            </a:r>
+          </a:p>
+          <a:p>
+            <a:pPr lvl="1"/>
+            <a:r>
+              <a:rPr lang="en-US" dirty="0"/>
+              <a:t>The empirical data provides us with the parameters shaping those expectations. </a:t>
+            </a:r>
+          </a:p>
+          <a:p>
+            <a:r>
+              <a:rPr lang="en-US" dirty="0"/>
+              <a:t>Generalization in statistics also relies on analytical models. </a:t>
+            </a:r>
+          </a:p>
+          <a:p>
+            <a:pPr lvl="1"/>
+            <a:r>
+              <a:rPr lang="en-US" dirty="0"/>
+              <a:t>The parameters come from a small subset, where ‘all’ is impractical. </a:t>
+            </a:r>
+          </a:p>
+          <a:p>
+            <a:pPr lvl="1"/>
+            <a:r>
+              <a:rPr lang="en-US" dirty="0"/>
+              <a:t>The model projects those expectations to an entire population. </a:t>
+            </a:r>
+          </a:p>
+          <a:p>
+            <a:r>
+              <a:rPr lang="en-US" dirty="0"/>
+              <a:t>We aren’t assured that an analytical distribution will fit our data, but they commonly do. </a:t>
+            </a:r>
+          </a:p>
+          <a:p>
+            <a:pPr lvl="1"/>
+            <a:r>
+              <a:rPr lang="en-US" dirty="0"/>
+              <a:t>ML allows us to be more flexible in making complex models for prediction. </a:t>
+            </a:r>
+          </a:p>
+          <a:p>
+            <a:pPr lvl="1"/>
+            <a:r>
+              <a:rPr lang="en-US" dirty="0"/>
+              <a:t>’Old school’ stats is limited to things we can eyeball/calculate by hand. </a:t>
+            </a:r>
+          </a:p>
+        </p:txBody>
+      </p:sp>
+    </p:spTree>
+    <p:extLst>
+      <p:ext uri="{BB962C8B-B14F-4D97-AF65-F5344CB8AC3E}">
+        <p14:creationId xmlns:p14="http://schemas.microsoft.com/office/powerpoint/2010/main" val="4165556546"/>
+      </p:ext>
+    </p:extLst>
+  </p:cSld>
+  <p:clrMapOvr>
+    <a:masterClrMapping/>
+  </p:clrMapOvr>
+</p:sld>
+</file>
+
+<file path=ppt/slides/slide28.xml><?xml version="1.0" encoding="utf-8"?>
+<p:sld xmlns:a="http://schemas.openxmlformats.org/drawingml/2006/main" xmlns:r="http://schemas.openxmlformats.org/officeDocument/2006/relationships" xmlns:p="http://schemas.openxmlformats.org/presentationml/2006/main" show="0">
+  <p:cSld>
+    <p:spTree>
+      <p:nvGrpSpPr>
+        <p:cNvPr id="1" name=""/>
+        <p:cNvGrpSpPr/>
+        <p:nvPr/>
+      </p:nvGrpSpPr>
+      <p:grpSpPr>
+        <a:xfrm>
+          <a:off x="0" y="0"/>
+          <a:ext cx="0" cy="0"/>
+          <a:chOff x="0" y="0"/>
+          <a:chExt cx="0" cy="0"/>
+        </a:xfrm>
+      </p:grpSpPr>
+      <p:sp>
+        <p:nvSpPr>
+          <p:cNvPr id="2" name="Title 1">
+            <a:extLst>
+              <a:ext uri="{FF2B5EF4-FFF2-40B4-BE49-F238E27FC236}">
+                <a16:creationId xmlns:a16="http://schemas.microsoft.com/office/drawing/2014/main" id="{3F3559AB-7E97-02D7-5111-6F8C47EA8063}"/>
+              </a:ext>
+            </a:extLst>
+          </p:cNvPr>
+          <p:cNvSpPr>
+            <a:spLocks noGrp="1"/>
+          </p:cNvSpPr>
+          <p:nvPr>
+            <p:ph type="title"/>
+          </p:nvPr>
+        </p:nvSpPr>
+        <p:spPr/>
+        <p:txBody>
+          <a:bodyPr/>
+          <a:lstStyle/>
+          <a:p>
+            <a:endParaRPr lang="en-US"/>
+          </a:p>
+        </p:txBody>
+      </p:sp>
+      <p:sp>
+        <p:nvSpPr>
+          <p:cNvPr id="3" name="Content Placeholder 2">
+            <a:extLst>
+              <a:ext uri="{FF2B5EF4-FFF2-40B4-BE49-F238E27FC236}">
+                <a16:creationId xmlns:a16="http://schemas.microsoft.com/office/drawing/2014/main" id="{B7D96F18-42E0-3C18-61B1-9FE131EC1478}"/>
+              </a:ext>
+            </a:extLst>
+          </p:cNvPr>
+          <p:cNvSpPr>
+            <a:spLocks noGrp="1"/>
+          </p:cNvSpPr>
+          <p:nvPr>
+            <p:ph idx="1"/>
+          </p:nvPr>
+        </p:nvSpPr>
+        <p:spPr/>
+        <p:txBody>
+          <a:bodyPr/>
+          <a:lstStyle/>
+          <a:p>
+            <a:endParaRPr lang="en-US"/>
+          </a:p>
+        </p:txBody>
+      </p:sp>
+    </p:spTree>
+    <p:extLst>
+      <p:ext uri="{BB962C8B-B14F-4D97-AF65-F5344CB8AC3E}">
+        <p14:creationId xmlns:p14="http://schemas.microsoft.com/office/powerpoint/2010/main" val="1253970685"/>
+      </p:ext>
+    </p:extLst>
+  </p:cSld>
+  <p:clrMapOvr>
+    <a:masterClrMapping/>
+  </p:clrMapOvr>
+</p:sld>
+</file>
+
+<file path=ppt/slides/slide3.xml><?xml version="1.0" encoding="utf-8"?>
+<p:sld xmlns:a="http://schemas.openxmlformats.org/drawingml/2006/main" xmlns:r="http://schemas.openxmlformats.org/officeDocument/2006/relationships" xmlns:p="http://schemas.openxmlformats.org/presentationml/2006/main">
+  <p:cSld>
+    <p:spTree>
+      <p:nvGrpSpPr>
+        <p:cNvPr id="1" name=""/>
+        <p:cNvGrpSpPr/>
+        <p:nvPr/>
+      </p:nvGrpSpPr>
+      <p:grpSpPr>
+        <a:xfrm>
+          <a:off x="0" y="0"/>
+          <a:ext cx="0" cy="0"/>
+          <a:chOff x="0" y="0"/>
+          <a:chExt cx="0" cy="0"/>
+        </a:xfrm>
+      </p:grpSpPr>
+      <p:sp>
+        <p:nvSpPr>
+          <p:cNvPr id="2" name="Title 1">
+            <a:extLst>
+              <a:ext uri="{FF2B5EF4-FFF2-40B4-BE49-F238E27FC236}">
+                <a16:creationId xmlns:a16="http://schemas.microsoft.com/office/drawing/2014/main" id="{A4E03FB6-089C-B04E-A2CC-240181A8F936}"/>
+              </a:ext>
+            </a:extLst>
+          </p:cNvPr>
+          <p:cNvSpPr>
+            <a:spLocks noGrp="1"/>
+          </p:cNvSpPr>
+          <p:nvPr>
+            <p:ph type="title"/>
+          </p:nvPr>
+        </p:nvSpPr>
+        <p:spPr/>
+        <p:txBody>
+          <a:bodyPr/>
+          <a:lstStyle/>
+          <a:p>
+            <a:r>
+              <a:rPr lang="en-US" dirty="0"/>
+              <a:t>Empirical Distributions</a:t>
+            </a:r>
+          </a:p>
+        </p:txBody>
+      </p:sp>
+      <p:sp>
+        <p:nvSpPr>
+          <p:cNvPr id="3" name="Content Placeholder 2">
+            <a:extLst>
+              <a:ext uri="{FF2B5EF4-FFF2-40B4-BE49-F238E27FC236}">
+                <a16:creationId xmlns:a16="http://schemas.microsoft.com/office/drawing/2014/main" id="{F4FA6265-EED6-CA43-AC23-B403FD7455B0}"/>
+              </a:ext>
+            </a:extLst>
+          </p:cNvPr>
+          <p:cNvSpPr>
+            <a:spLocks noGrp="1"/>
+          </p:cNvSpPr>
+          <p:nvPr>
+            <p:ph idx="1"/>
+          </p:nvPr>
+        </p:nvSpPr>
+        <p:spPr/>
+        <p:txBody>
+          <a:bodyPr/>
+          <a:lstStyle/>
+          <a:p>
+            <a:r>
+              <a:rPr lang="en-US" dirty="0"/>
+              <a:t>We’ve used empirical distributions, or distributions we observe from collecting and analyzing data, up until now. </a:t>
+            </a:r>
+          </a:p>
+          <a:p>
+            <a:r>
+              <a:rPr lang="en-US" dirty="0"/>
+              <a:t>Empirical distributions are the distributions of our actual data sample. </a:t>
+            </a:r>
+          </a:p>
+          <a:p>
+            <a:r>
+              <a:rPr lang="en-US" dirty="0"/>
+              <a:t>Empirical:</a:t>
+            </a:r>
+          </a:p>
+          <a:p>
+            <a:pPr lvl="1"/>
+            <a:r>
+              <a:rPr lang="en-US" dirty="0"/>
+              <a:t>Collect data.</a:t>
+            </a:r>
+          </a:p>
+          <a:p>
+            <a:pPr lvl="1"/>
+            <a:r>
+              <a:rPr lang="en-US" dirty="0"/>
+              <a:t>Look at it to see what the distribution is. </a:t>
+            </a:r>
+          </a:p>
+          <a:p>
+            <a:r>
+              <a:rPr lang="en-US" dirty="0"/>
+              <a:t>Problem - you need to collect data first. </a:t>
+            </a:r>
+          </a:p>
+        </p:txBody>
+      </p:sp>
+    </p:spTree>
+    <p:extLst>
+      <p:ext uri="{BB962C8B-B14F-4D97-AF65-F5344CB8AC3E}">
+        <p14:creationId xmlns:p14="http://schemas.microsoft.com/office/powerpoint/2010/main" val="4177664318"/>
+      </p:ext>
+    </p:extLst>
+  </p:cSld>
+  <p:clrMapOvr>
+    <a:masterClrMapping/>
+  </p:clrMapOvr>
+</p:sld>
+</file>
+
+<file path=ppt/slides/slide4.xml><?xml version="1.0" encoding="utf-8"?>
+<p:sld xmlns:a="http://schemas.openxmlformats.org/drawingml/2006/main" xmlns:r="http://schemas.openxmlformats.org/officeDocument/2006/relationships" xmlns:p="http://schemas.openxmlformats.org/presentationml/2006/main">
+  <p:cSld>
+    <p:spTree>
+      <p:nvGrpSpPr>
+        <p:cNvPr id="1" name=""/>
+        <p:cNvGrpSpPr/>
+        <p:nvPr/>
+      </p:nvGrpSpPr>
+      <p:grpSpPr>
+        <a:xfrm>
+          <a:off x="0" y="0"/>
+          <a:ext cx="0" cy="0"/>
+          <a:chOff x="0" y="0"/>
+          <a:chExt cx="0" cy="0"/>
+        </a:xfrm>
+      </p:grpSpPr>
+      <p:sp>
+        <p:nvSpPr>
+          <p:cNvPr id="2" name="Title 1">
+            <a:extLst>
+              <a:ext uri="{FF2B5EF4-FFF2-40B4-BE49-F238E27FC236}">
+                <a16:creationId xmlns:a16="http://schemas.microsoft.com/office/drawing/2014/main" id="{2A1E24D2-AAF8-FDBE-8A9D-3DD9D82837D0}"/>
+              </a:ext>
+            </a:extLst>
+          </p:cNvPr>
+          <p:cNvSpPr>
+            <a:spLocks noGrp="1"/>
+          </p:cNvSpPr>
+          <p:nvPr>
+            <p:ph type="title"/>
+          </p:nvPr>
+        </p:nvSpPr>
+        <p:spPr/>
+        <p:txBody>
+          <a:bodyPr/>
+          <a:lstStyle/>
+          <a:p>
+            <a:r>
+              <a:rPr lang="en-US" dirty="0"/>
+              <a:t>Empirical Distribution Data</a:t>
+            </a:r>
+          </a:p>
+        </p:txBody>
+      </p:sp>
+      <p:sp>
+        <p:nvSpPr>
+          <p:cNvPr id="3" name="Content Placeholder 2">
+            <a:extLst>
+              <a:ext uri="{FF2B5EF4-FFF2-40B4-BE49-F238E27FC236}">
+                <a16:creationId xmlns:a16="http://schemas.microsoft.com/office/drawing/2014/main" id="{9121BF7C-A19B-A4CD-26EA-472EF26B4C1B}"/>
+              </a:ext>
+            </a:extLst>
+          </p:cNvPr>
+          <p:cNvSpPr>
+            <a:spLocks noGrp="1"/>
+          </p:cNvSpPr>
+          <p:nvPr>
+            <p:ph idx="1"/>
+          </p:nvPr>
+        </p:nvSpPr>
+        <p:spPr/>
+        <p:txBody>
+          <a:bodyPr/>
+          <a:lstStyle/>
+          <a:p>
+            <a:endParaRPr lang="en-US"/>
+          </a:p>
+        </p:txBody>
+      </p:sp>
+      <p:pic>
+        <p:nvPicPr>
+          <p:cNvPr id="3074" name="Picture 2" descr="The Empirical Distribution Function | Bounded Rationality">
+            <a:extLst>
+              <a:ext uri="{FF2B5EF4-FFF2-40B4-BE49-F238E27FC236}">
+                <a16:creationId xmlns:a16="http://schemas.microsoft.com/office/drawing/2014/main" id="{A36BADAE-6B90-8483-AA0B-8DE321F235A8}"/>
+              </a:ext>
+            </a:extLst>
+          </p:cNvPr>
+          <p:cNvPicPr>
+            <a:picLocks noChangeAspect="1" noChangeArrowheads="1"/>
+          </p:cNvPicPr>
+          <p:nvPr/>
+        </p:nvPicPr>
+        <p:blipFill>
+          <a:blip r:embed="rId2">
+            <a:extLst>
+              <a:ext uri="{28A0092B-C50C-407E-A947-70E740481C1C}">
+                <a14:useLocalDpi xmlns:a14="http://schemas.microsoft.com/office/drawing/2010/main" val="0"/>
+              </a:ext>
+            </a:extLst>
+          </a:blip>
+          <a:srcRect/>
+          <a:stretch>
+            <a:fillRect/>
+          </a:stretch>
+        </p:blipFill>
+        <p:spPr bwMode="auto">
+          <a:xfrm>
+            <a:off x="1651000" y="2015732"/>
+            <a:ext cx="8890000" cy="4445000"/>
+          </a:xfrm>
+          <a:prstGeom prst="rect">
+            <a:avLst/>
+          </a:prstGeom>
+          <a:noFill/>
+          <a:extLst>
+            <a:ext uri="{909E8E84-426E-40DD-AFC4-6F175D3DCCD1}">
+              <a14:hiddenFill xmlns:a14="http://schemas.microsoft.com/office/drawing/2010/main">
+                <a:solidFill>
+                  <a:srgbClr val="FFFFFF"/>
+                </a:solidFill>
+              </a14:hiddenFill>
+            </a:ext>
+          </a:extLst>
+        </p:spPr>
+      </p:pic>
+    </p:spTree>
+    <p:extLst>
+      <p:ext uri="{BB962C8B-B14F-4D97-AF65-F5344CB8AC3E}">
+        <p14:creationId xmlns:p14="http://schemas.microsoft.com/office/powerpoint/2010/main" val="1897196061"/>
+      </p:ext>
+    </p:extLst>
+  </p:cSld>
+  <p:clrMapOvr>
+    <a:masterClrMapping/>
+  </p:clrMapOvr>
+</p:sld>
+</file>
+
+<file path=ppt/slides/slide5.xml><?xml version="1.0" encoding="utf-8"?>
+<p:sld xmlns:a="http://schemas.openxmlformats.org/drawingml/2006/main" xmlns:r="http://schemas.openxmlformats.org/officeDocument/2006/relationships" xmlns:p="http://schemas.openxmlformats.org/presentationml/2006/main">
+  <p:cSld>
+    <p:spTree>
+      <p:nvGrpSpPr>
+        <p:cNvPr id="1" name=""/>
+        <p:cNvGrpSpPr/>
+        <p:nvPr/>
+      </p:nvGrpSpPr>
+      <p:grpSpPr>
+        <a:xfrm>
+          <a:off x="0" y="0"/>
+          <a:ext cx="0" cy="0"/>
+          <a:chOff x="0" y="0"/>
+          <a:chExt cx="0" cy="0"/>
+        </a:xfrm>
+      </p:grpSpPr>
+      <p:sp>
+        <p:nvSpPr>
+          <p:cNvPr id="2" name="Title 1">
+            <a:extLst>
+              <a:ext uri="{FF2B5EF4-FFF2-40B4-BE49-F238E27FC236}">
+                <a16:creationId xmlns:a16="http://schemas.microsoft.com/office/drawing/2014/main" id="{F8F22478-756E-F646-8532-981CC3C8F014}"/>
+              </a:ext>
+            </a:extLst>
+          </p:cNvPr>
+          <p:cNvSpPr>
+            <a:spLocks noGrp="1"/>
+          </p:cNvSpPr>
+          <p:nvPr>
+            <p:ph type="title"/>
+          </p:nvPr>
+        </p:nvSpPr>
+        <p:spPr/>
+        <p:txBody>
+          <a:bodyPr/>
+          <a:lstStyle/>
+          <a:p>
+            <a:r>
+              <a:rPr lang="en-US" dirty="0"/>
+              <a:t>Analytical Distributions</a:t>
+            </a:r>
+          </a:p>
+        </p:txBody>
+      </p:sp>
+      <p:sp>
+        <p:nvSpPr>
+          <p:cNvPr id="3" name="Content Placeholder 2">
+            <a:extLst>
+              <a:ext uri="{FF2B5EF4-FFF2-40B4-BE49-F238E27FC236}">
+                <a16:creationId xmlns:a16="http://schemas.microsoft.com/office/drawing/2014/main" id="{23DF9708-AE41-6647-B3E6-2BF4B9D9D722}"/>
+              </a:ext>
+            </a:extLst>
+          </p:cNvPr>
+          <p:cNvSpPr>
+            <a:spLocks noGrp="1"/>
+          </p:cNvSpPr>
+          <p:nvPr>
+            <p:ph idx="1"/>
+          </p:nvPr>
+        </p:nvSpPr>
+        <p:spPr>
+          <a:xfrm>
+            <a:off x="1451579" y="1853754"/>
+            <a:ext cx="9603275" cy="4199727"/>
+          </a:xfrm>
+        </p:spPr>
+        <p:txBody>
+          <a:bodyPr/>
+          <a:lstStyle/>
+          <a:p>
+            <a:r>
+              <a:rPr lang="en-US" dirty="0"/>
+              <a:t>Analytical distributions are mathematical formulas, or models, that describe a distribution with an equation. </a:t>
+            </a:r>
+          </a:p>
+          <a:p>
+            <a:r>
+              <a:rPr lang="en-US" dirty="0"/>
+              <a:t>Allow for analysis and inference without collecting all that data*.</a:t>
+            </a:r>
+          </a:p>
+          <a:p>
+            <a:pPr lvl="1"/>
+            <a:r>
+              <a:rPr lang="en-US" dirty="0"/>
+              <a:t>* More on this later. </a:t>
+            </a:r>
+          </a:p>
+          <a:p>
+            <a:r>
+              <a:rPr lang="en-US" dirty="0"/>
+              <a:t>The models of analytical distributions are simplifications of the distributions we can observe in data.  </a:t>
+            </a:r>
+          </a:p>
+          <a:p>
+            <a:r>
+              <a:rPr lang="en-US" dirty="0"/>
+              <a:t>E.g. a normal distribution is: </a:t>
+            </a:r>
+          </a:p>
+        </p:txBody>
+      </p:sp>
+      <p:pic>
+        <p:nvPicPr>
+          <p:cNvPr id="3076" name="Picture 4" descr="What Is a Normal Distribution?">
+            <a:extLst>
+              <a:ext uri="{FF2B5EF4-FFF2-40B4-BE49-F238E27FC236}">
+                <a16:creationId xmlns:a16="http://schemas.microsoft.com/office/drawing/2014/main" id="{D0AB4B37-BD5D-30CB-0645-2B4D5ABDC8B3}"/>
+              </a:ext>
+            </a:extLst>
+          </p:cNvPr>
+          <p:cNvPicPr>
+            <a:picLocks noChangeAspect="1" noChangeArrowheads="1"/>
+          </p:cNvPicPr>
+          <p:nvPr/>
+        </p:nvPicPr>
+        <p:blipFill>
+          <a:blip r:embed="rId2">
+            <a:extLst>
+              <a:ext uri="{28A0092B-C50C-407E-A947-70E740481C1C}">
+                <a14:useLocalDpi xmlns:a14="http://schemas.microsoft.com/office/drawing/2010/main" val="0"/>
+              </a:ext>
+            </a:extLst>
+          </a:blip>
+          <a:srcRect/>
+          <a:stretch>
+            <a:fillRect/>
+          </a:stretch>
+        </p:blipFill>
+        <p:spPr bwMode="auto">
+          <a:xfrm>
+            <a:off x="5855302" y="4793226"/>
+            <a:ext cx="6093349" cy="1824038"/>
+          </a:xfrm>
+          <a:prstGeom prst="rect">
+            <a:avLst/>
+          </a:prstGeom>
+          <a:noFill/>
+          <a:extLst>
+            <a:ext uri="{909E8E84-426E-40DD-AFC4-6F175D3DCCD1}">
+              <a14:hiddenFill xmlns:a14="http://schemas.microsoft.com/office/drawing/2010/main">
+                <a:solidFill>
+                  <a:srgbClr val="FFFFFF"/>
+                </a:solidFill>
+              </a14:hiddenFill>
+            </a:ext>
+          </a:extLst>
+        </p:spPr>
+      </p:pic>
+    </p:spTree>
+    <p:extLst>
+      <p:ext uri="{BB962C8B-B14F-4D97-AF65-F5344CB8AC3E}">
+        <p14:creationId xmlns:p14="http://schemas.microsoft.com/office/powerpoint/2010/main" val="3623650812"/>
       </p:ext>
     </p:extLst>
   </p:cSld>
@@ -6126,7 +8169,7 @@
           <p:cNvPr id="2" name="Title 1">
             <a:extLst>
               <a:ext uri="{FF2B5EF4-FFF2-40B4-BE49-F238E27FC236}">
-                <a16:creationId xmlns:a16="http://schemas.microsoft.com/office/drawing/2014/main" id="{97293264-DDAC-7F43-8B49-4EB3383B980F}"/>
+                <a16:creationId xmlns:a16="http://schemas.microsoft.com/office/drawing/2014/main" id="{8CCB3D6A-4247-95DD-4E73-0BB2B5F46454}"/>
               </a:ext>
             </a:extLst>
           </p:cNvPr>
@@ -6142,10 +8185,7 @@
           <a:bodyPr/>
           <a:lstStyle/>
           <a:p>
-            <a:r>
-              <a:rPr lang="en-US" dirty="0"/>
-              <a:t>Normal Distribution</a:t>
-            </a:r>
+            <a:endParaRPr lang="en-US"/>
           </a:p>
         </p:txBody>
       </p:sp>
@@ -6154,7 +8194,7 @@
           <p:cNvPr id="3" name="Content Placeholder 2">
             <a:extLst>
               <a:ext uri="{FF2B5EF4-FFF2-40B4-BE49-F238E27FC236}">
-                <a16:creationId xmlns:a16="http://schemas.microsoft.com/office/drawing/2014/main" id="{1990F544-9E76-5944-B5AE-85A44EE599C1}"/>
+                <a16:creationId xmlns:a16="http://schemas.microsoft.com/office/drawing/2014/main" id="{308A3006-37A9-41E0-0797-A16DC51AB62B}"/>
               </a:ext>
             </a:extLst>
           </p:cNvPr>
@@ -6165,93 +8205,66 @@
             <p:ph idx="1"/>
           </p:nvPr>
         </p:nvSpPr>
-        <p:spPr>
-          <a:xfrm>
-            <a:off x="1451579" y="2015732"/>
-            <a:ext cx="9603275" cy="4037749"/>
-          </a:xfrm>
-        </p:spPr>
+        <p:spPr/>
         <p:txBody>
           <a:bodyPr/>
           <a:lstStyle/>
           <a:p>
-            <a:r>
-              <a:rPr lang="en-US" dirty="0"/>
-              <a:t>Many phenomena can be modeled with a normal distribution. </a:t>
-            </a:r>
-          </a:p>
-          <a:p>
-            <a:pPr lvl="1"/>
-            <a:r>
-              <a:rPr lang="en-US" dirty="0"/>
-              <a:t>Shoe size, weight, grades in school…</a:t>
-            </a:r>
-          </a:p>
-          <a:p>
-            <a:pPr lvl="1"/>
-            <a:r>
-              <a:rPr lang="en-US" dirty="0"/>
-              <a:t>Most things where people tend to be close to average, and values farther away are more rare, are often normal (or close).</a:t>
-            </a:r>
-          </a:p>
-          <a:p>
-            <a:r>
-              <a:rPr lang="en-US" dirty="0"/>
-              <a:t>Key normal distribution facts:</a:t>
-            </a:r>
-          </a:p>
-          <a:p>
-            <a:pPr lvl="1"/>
-            <a:r>
-              <a:rPr lang="en-US" dirty="0"/>
-              <a:t>Symmetrical on either side of the mean.</a:t>
-            </a:r>
-          </a:p>
-          <a:p>
-            <a:pPr lvl="1"/>
-            <a:r>
-              <a:rPr lang="en-US" dirty="0"/>
-              <a:t>Median and mean are equal. </a:t>
-            </a:r>
-          </a:p>
-          <a:p>
-            <a:pPr lvl="1"/>
-            <a:r>
-              <a:rPr lang="en-US" dirty="0"/>
-              <a:t>Defined by standard deviation and mean. </a:t>
-            </a:r>
-          </a:p>
-          <a:p>
-            <a:pPr lvl="1"/>
-            <a:r>
-              <a:rPr lang="en-US" dirty="0"/>
-              <a:t>Known amounts fall within X standard deviations (~68%, 97%, 99%, </a:t>
-            </a:r>
-            <a:r>
-              <a:rPr lang="en-US" dirty="0" err="1"/>
-              <a:t>etc</a:t>
-            </a:r>
-            <a:r>
-              <a:rPr lang="en-US" dirty="0"/>
-              <a:t>…)</a:t>
-            </a:r>
-          </a:p>
-          <a:p>
-            <a:pPr lvl="2"/>
-            <a:r>
-              <a:rPr lang="en-US" dirty="0"/>
-              <a:t>We can use this to estimate how many records we can expect to fall in a range. </a:t>
-            </a:r>
-          </a:p>
-          <a:p>
-            <a:endParaRPr lang="en-US" dirty="0"/>
-          </a:p>
-        </p:txBody>
-      </p:sp>
+            <a:endParaRPr lang="en-US"/>
+          </a:p>
+        </p:txBody>
+      </p:sp>
+      <p:pic>
+        <p:nvPicPr>
+          <p:cNvPr id="4101" name="Picture 5" descr="Diferentes tipos de distribuciones y visualizaciones con ejemplos de la  vida real😍 | Kaggle">
+            <a:extLst>
+              <a:ext uri="{FF2B5EF4-FFF2-40B4-BE49-F238E27FC236}">
+                <a16:creationId xmlns:a16="http://schemas.microsoft.com/office/drawing/2014/main" id="{C751FC9A-52D0-4C5E-C5DF-696893A87815}"/>
+              </a:ext>
+            </a:extLst>
+          </p:cNvPr>
+          <p:cNvPicPr>
+            <a:picLocks noChangeAspect="1" noChangeArrowheads="1"/>
+          </p:cNvPicPr>
+          <p:nvPr/>
+        </p:nvPicPr>
+        <p:blipFill>
+          <a:blip r:embed="rId2">
+            <a:extLst>
+              <a:ext uri="{28A0092B-C50C-407E-A947-70E740481C1C}">
+                <a14:useLocalDpi xmlns:a14="http://schemas.microsoft.com/office/drawing/2010/main" val="0"/>
+              </a:ext>
+            </a:extLst>
+          </a:blip>
+          <a:srcRect/>
+          <a:stretch>
+            <a:fillRect/>
+          </a:stretch>
+        </p:blipFill>
+        <p:spPr bwMode="auto">
+          <a:xfrm>
+            <a:off x="1398588" y="0"/>
+            <a:ext cx="9394825" cy="6858000"/>
+          </a:xfrm>
+          <a:prstGeom prst="rect">
+            <a:avLst/>
+          </a:prstGeom>
+          <a:noFill/>
+          <a:extLst>
+            <a:ext uri="{909E8E84-426E-40DD-AFC4-6F175D3DCCD1}">
+              <a14:hiddenFill xmlns:a14="http://schemas.microsoft.com/office/drawing/2010/main">
+                <a:solidFill>
+                  <a:srgbClr val="FFFFFF"/>
+                </a:solidFill>
+              </a14:hiddenFill>
+            </a:ext>
+          </a:extLst>
+        </p:spPr>
+      </p:pic>
     </p:spTree>
     <p:extLst>
       <p:ext uri="{BB962C8B-B14F-4D97-AF65-F5344CB8AC3E}">
-        <p14:creationId xmlns:p14="http://schemas.microsoft.com/office/powerpoint/2010/main" val="1296268881"/>
+        <p14:creationId xmlns:p14="http://schemas.microsoft.com/office/powerpoint/2010/main" val="2106544179"/>
       </p:ext>
     </p:extLst>
   </p:cSld>
@@ -6262,6 +8275,141 @@
 </file>
 
 <file path=ppt/slides/slide7.xml><?xml version="1.0" encoding="utf-8"?>
+<p:sld xmlns:a="http://schemas.openxmlformats.org/drawingml/2006/main" xmlns:r="http://schemas.openxmlformats.org/officeDocument/2006/relationships" xmlns:p="http://schemas.openxmlformats.org/presentationml/2006/main">
+  <p:cSld>
+    <p:spTree>
+      <p:nvGrpSpPr>
+        <p:cNvPr id="1" name=""/>
+        <p:cNvGrpSpPr/>
+        <p:nvPr/>
+      </p:nvGrpSpPr>
+      <p:grpSpPr>
+        <a:xfrm>
+          <a:off x="0" y="0"/>
+          <a:ext cx="0" cy="0"/>
+          <a:chOff x="0" y="0"/>
+          <a:chExt cx="0" cy="0"/>
+        </a:xfrm>
+      </p:grpSpPr>
+      <p:sp>
+        <p:nvSpPr>
+          <p:cNvPr id="2" name="Title 1">
+            <a:extLst>
+              <a:ext uri="{FF2B5EF4-FFF2-40B4-BE49-F238E27FC236}">
+                <a16:creationId xmlns:a16="http://schemas.microsoft.com/office/drawing/2014/main" id="{4B12A7BD-C7C9-E940-AA85-456CDD3A7035}"/>
+              </a:ext>
+            </a:extLst>
+          </p:cNvPr>
+          <p:cNvSpPr>
+            <a:spLocks noGrp="1"/>
+          </p:cNvSpPr>
+          <p:nvPr>
+            <p:ph type="title"/>
+          </p:nvPr>
+        </p:nvSpPr>
+        <p:spPr/>
+        <p:txBody>
+          <a:bodyPr/>
+          <a:lstStyle/>
+          <a:p>
+            <a:r>
+              <a:rPr lang="en-US" dirty="0"/>
+              <a:t>Approximation</a:t>
+            </a:r>
+          </a:p>
+        </p:txBody>
+      </p:sp>
+      <p:sp>
+        <p:nvSpPr>
+          <p:cNvPr id="3" name="Content Placeholder 2">
+            <a:extLst>
+              <a:ext uri="{FF2B5EF4-FFF2-40B4-BE49-F238E27FC236}">
+                <a16:creationId xmlns:a16="http://schemas.microsoft.com/office/drawing/2014/main" id="{110177A7-98AA-5C4C-855D-D22EA4C8FDA2}"/>
+              </a:ext>
+            </a:extLst>
+          </p:cNvPr>
+          <p:cNvSpPr>
+            <a:spLocks noGrp="1"/>
+          </p:cNvSpPr>
+          <p:nvPr>
+            <p:ph idx="1"/>
+          </p:nvPr>
+        </p:nvSpPr>
+        <p:spPr>
+          <a:xfrm>
+            <a:off x="1451579" y="2015732"/>
+            <a:ext cx="9603275" cy="4037749"/>
+          </a:xfrm>
+        </p:spPr>
+        <p:txBody>
+          <a:bodyPr/>
+          <a:lstStyle/>
+          <a:p>
+            <a:r>
+              <a:rPr lang="en-US" dirty="0"/>
+              <a:t>Using a simplified model instead of real raw data requires that the model closely fits, or can be made to closely fit the distribution of the real-world data. </a:t>
+            </a:r>
+          </a:p>
+          <a:p>
+            <a:r>
+              <a:rPr lang="en-US" dirty="0"/>
+              <a:t>The closer an analytical distribution is in shape to the empirical data, the more accurate and better that analytical distribution will be. </a:t>
+            </a:r>
+          </a:p>
+          <a:p>
+            <a:pPr lvl="1"/>
+            <a:r>
+              <a:rPr lang="en-US" dirty="0"/>
+              <a:t>The normal distribution on the previous slide is defined by mean and standard dev. </a:t>
+            </a:r>
+          </a:p>
+          <a:p>
+            <a:pPr lvl="1"/>
+            <a:r>
+              <a:rPr lang="en-US" dirty="0"/>
+              <a:t>If our empirical distribution is normal, we can make a “matching” one from the mean and std.</a:t>
+            </a:r>
+          </a:p>
+          <a:p>
+            <a:pPr lvl="1"/>
+            <a:r>
+              <a:rPr lang="en-US" dirty="0"/>
+              <a:t>Generalizing from our sample to a broad definition of the distribution. </a:t>
+            </a:r>
+          </a:p>
+          <a:p>
+            <a:r>
+              <a:rPr lang="en-US" dirty="0"/>
+              <a:t>Note: The book looks mainly at CDFs. I think it is a little easier/more intuitive to look at the the histogram/</a:t>
+            </a:r>
+            <a:r>
+              <a:rPr lang="en-US" dirty="0" err="1"/>
+              <a:t>pmf</a:t>
+            </a:r>
+            <a:r>
+              <a:rPr lang="en-US" dirty="0"/>
+              <a:t> perspective at first. </a:t>
+            </a:r>
+          </a:p>
+          <a:p>
+            <a:endParaRPr lang="en-US" dirty="0"/>
+          </a:p>
+        </p:txBody>
+      </p:sp>
+    </p:spTree>
+    <p:extLst>
+      <p:ext uri="{BB962C8B-B14F-4D97-AF65-F5344CB8AC3E}">
+        <p14:creationId xmlns:p14="http://schemas.microsoft.com/office/powerpoint/2010/main" val="1650296403"/>
+      </p:ext>
+    </p:extLst>
+  </p:cSld>
+  <p:clrMapOvr>
+    <a:masterClrMapping/>
+  </p:clrMapOvr>
+</p:sld>
+</file>
+
+<file path=ppt/slides/slide8.xml><?xml version="1.0" encoding="utf-8"?>
 <p:sld xmlns:a="http://schemas.openxmlformats.org/drawingml/2006/main" xmlns:r="http://schemas.openxmlformats.org/officeDocument/2006/relationships" xmlns:p="http://schemas.openxmlformats.org/presentationml/2006/main">
   <p:cSld>
     <p:bg>
@@ -6304,7 +8452,7 @@
       </p:grpSpPr>
       <p:sp useBgFill="1">
         <p:nvSpPr>
-          <p:cNvPr id="71" name="Rectangle 70">
+          <p:cNvPr id="76" name="Rectangle 75">
             <a:extLst>
               <a:ext uri="{FF2B5EF4-FFF2-40B4-BE49-F238E27FC236}">
                 <a16:creationId xmlns:a16="http://schemas.microsoft.com/office/drawing/2014/main" id="{35C3D674-3D59-4E93-80CA-0C0A9095E816}"/>
@@ -6364,7 +8512,7 @@
       </p:sp>
       <p:cxnSp>
         <p:nvCxnSpPr>
-          <p:cNvPr id="73" name="Straight Connector 72">
+          <p:cNvPr id="78" name="Straight Connector 77">
             <a:extLst>
               <a:ext uri="{FF2B5EF4-FFF2-40B4-BE49-F238E27FC236}">
                 <a16:creationId xmlns:a16="http://schemas.microsoft.com/office/drawing/2014/main" id="{C884B8F8-FDC9-498B-9960-5D7260AFCB03}"/>
@@ -6415,7 +8563,7 @@
           <p:cNvPr id="2" name="Title 1">
             <a:extLst>
               <a:ext uri="{FF2B5EF4-FFF2-40B4-BE49-F238E27FC236}">
-                <a16:creationId xmlns:a16="http://schemas.microsoft.com/office/drawing/2014/main" id="{34FE0BDA-819A-E44A-B59C-1A2CE55D6B82}"/>
+                <a16:creationId xmlns:a16="http://schemas.microsoft.com/office/drawing/2014/main" id="{300CCE53-313F-0D4B-B555-1B8EAE5F2CF9}"/>
               </a:ext>
             </a:extLst>
           </p:cNvPr>
@@ -6439,20 +8587,15 @@
           <a:lstStyle/>
           <a:p>
             <a:r>
-              <a:rPr lang="en-US" sz="2700"/>
-              <a:t>Other Distributions - </a:t>
-            </a:r>
-            <a:r>
-              <a:rPr lang="en-US" sz="2700" err="1"/>
-              <a:t>LogNormal</a:t>
-            </a:r>
-            <a:endParaRPr lang="en-US" sz="2700"/>
-          </a:p>
-        </p:txBody>
-      </p:sp>
-      <p:sp>
-        <p:nvSpPr>
-          <p:cNvPr id="75" name="Rectangle 74">
+              <a:rPr lang="en-US" dirty="0"/>
+              <a:t>Are you Normal?</a:t>
+            </a:r>
+          </a:p>
+        </p:txBody>
+      </p:sp>
+      <p:sp>
+        <p:nvSpPr>
+          <p:cNvPr id="80" name="Rectangle 79">
             <a:extLst>
               <a:ext uri="{FF2B5EF4-FFF2-40B4-BE49-F238E27FC236}">
                 <a16:creationId xmlns:a16="http://schemas.microsoft.com/office/drawing/2014/main" id="{EF2A81E1-BCBE-426B-8C09-33274E69409D}"/>
@@ -6529,7 +8672,7 @@
           <p:cNvPr id="3" name="Content Placeholder 2">
             <a:extLst>
               <a:ext uri="{FF2B5EF4-FFF2-40B4-BE49-F238E27FC236}">
-                <a16:creationId xmlns:a16="http://schemas.microsoft.com/office/drawing/2014/main" id="{2D15F7E9-E3A8-E149-9A35-8BFA15336AFA}"/>
+                <a16:creationId xmlns:a16="http://schemas.microsoft.com/office/drawing/2014/main" id="{E7ECBA31-AD61-7C42-820E-5E8F9CC2A7CB}"/>
               </a:ext>
             </a:extLst>
           </p:cNvPr>
@@ -6542,59 +8685,56 @@
         </p:nvSpPr>
         <p:spPr>
           <a:xfrm>
-            <a:off x="589935" y="2015732"/>
-            <a:ext cx="5033858" cy="3450613"/>
+            <a:off x="239843" y="2015732"/>
+            <a:ext cx="4886142" cy="4037747"/>
           </a:xfrm>
         </p:spPr>
         <p:txBody>
           <a:bodyPr>
-            <a:normAutofit/>
+            <a:normAutofit fontScale="92500"/>
           </a:bodyPr>
           <a:lstStyle/>
           <a:p>
-            <a:r>
-              <a:rPr lang="en-US" dirty="0"/>
-              <a:t>Lognormal distributions are similar to normal, but slightly ‘tweaked’. </a:t>
-            </a:r>
-          </a:p>
-          <a:p>
-            <a:r>
-              <a:rPr lang="en-US" dirty="0"/>
-              <a:t>They have a longer right side tail. </a:t>
-            </a:r>
-          </a:p>
-          <a:p>
-            <a:pPr lvl="1"/>
-            <a:r>
-              <a:rPr lang="en-US" dirty="0"/>
-              <a:t>It is </a:t>
-            </a:r>
-            <a:r>
-              <a:rPr lang="en-US"/>
-              <a:t>“skewed”. </a:t>
-            </a:r>
-            <a:endParaRPr lang="en-US" dirty="0"/>
-          </a:p>
-          <a:p>
-            <a:r>
-              <a:rPr lang="en-US" dirty="0"/>
-              <a:t>E.g. Wave heights – there are a few that are really large. </a:t>
-            </a:r>
-          </a:p>
-          <a:p>
-            <a:r>
-              <a:rPr lang="en-US" dirty="0"/>
-              <a:t>People’s heights are slightly more lognormal than normal. </a:t>
+            <a:pPr>
+              <a:lnSpc>
+                <a:spcPct val="110000"/>
+              </a:lnSpc>
+            </a:pPr>
+            <a:r>
+              <a:rPr lang="en-US" sz="2400" dirty="0"/>
+              <a:t>The normal distribution is used to model many real-world distributions. </a:t>
+            </a:r>
+          </a:p>
+          <a:p>
+            <a:pPr>
+              <a:lnSpc>
+                <a:spcPct val="110000"/>
+              </a:lnSpc>
+            </a:pPr>
+            <a:r>
+              <a:rPr lang="en-US" sz="2400" dirty="0"/>
+              <a:t>E.g. shoe size - most people are close to the mean size, as you get bigger and smaller, there’s fewer people there.</a:t>
+            </a:r>
+          </a:p>
+          <a:p>
+            <a:pPr>
+              <a:lnSpc>
+                <a:spcPct val="110000"/>
+              </a:lnSpc>
+            </a:pPr>
+            <a:r>
+              <a:rPr lang="en-US" sz="2400" dirty="0"/>
+              <a:t>A normal dist. “fits” the shape of the dist. so we can analyze that mathematical curve and infer that real data will follow that pattern. </a:t>
             </a:r>
           </a:p>
         </p:txBody>
       </p:sp>
       <p:pic>
         <p:nvPicPr>
-          <p:cNvPr id="3074" name="Picture 2" descr="17: Conditional wave height for various wind speed fitted to Log-normal...  | Download Scientific Diagram">
+          <p:cNvPr id="4098" name="Picture 2" descr="What is the distribution of men&amp;#39;s shoe sizes? - Quora">
             <a:extLst>
               <a:ext uri="{FF2B5EF4-FFF2-40B4-BE49-F238E27FC236}">
-                <a16:creationId xmlns:a16="http://schemas.microsoft.com/office/drawing/2014/main" id="{F1D9FEDD-36D6-E64B-9E61-A385BC1DE018}"/>
+                <a16:creationId xmlns:a16="http://schemas.microsoft.com/office/drawing/2014/main" id="{E8111D54-AF9E-2A4A-994C-D6163E3BF8DF}"/>
               </a:ext>
             </a:extLst>
           </p:cNvPr>
@@ -6617,8 +8757,8 @@
         </p:blipFill>
         <p:spPr bwMode="auto">
           <a:xfrm>
-            <a:off x="6094411" y="423166"/>
-            <a:ext cx="6097286" cy="4572964"/>
+            <a:off x="5171606" y="1360389"/>
+            <a:ext cx="6974470" cy="4550841"/>
           </a:xfrm>
           <a:prstGeom prst="rect">
             <a:avLst/>
@@ -6637,7 +8777,7 @@
       </p:pic>
       <p:pic>
         <p:nvPicPr>
-          <p:cNvPr id="77" name="Picture 76">
+          <p:cNvPr id="82" name="Picture 81">
             <a:extLst>
               <a:ext uri="{FF2B5EF4-FFF2-40B4-BE49-F238E27FC236}">
                 <a16:creationId xmlns:a16="http://schemas.microsoft.com/office/drawing/2014/main" id="{39D1DDD4-5BB3-45BA-B9B3-06B62299AD79}"/>
@@ -6681,7 +8821,7 @@
       </p:pic>
       <p:cxnSp>
         <p:nvCxnSpPr>
-          <p:cNvPr id="79" name="Straight Connector 78">
+          <p:cNvPr id="84" name="Straight Connector 83">
             <a:extLst>
               <a:ext uri="{FF2B5EF4-FFF2-40B4-BE49-F238E27FC236}">
                 <a16:creationId xmlns:a16="http://schemas.microsoft.com/office/drawing/2014/main" id="{A24DAE64-2302-42EA-8239-F2F0775CA5AD}"/>
@@ -6736,138 +8876,7 @@
     </p:spTree>
     <p:extLst>
       <p:ext uri="{BB962C8B-B14F-4D97-AF65-F5344CB8AC3E}">
-        <p14:creationId xmlns:p14="http://schemas.microsoft.com/office/powerpoint/2010/main" val="2559469915"/>
-      </p:ext>
-    </p:extLst>
-  </p:cSld>
-  <p:clrMapOvr>
-    <a:masterClrMapping/>
-  </p:clrMapOvr>
-</p:sld>
-</file>
-
-<file path=ppt/slides/slide8.xml><?xml version="1.0" encoding="utf-8"?>
-<p:sld xmlns:a="http://schemas.openxmlformats.org/drawingml/2006/main" xmlns:r="http://schemas.openxmlformats.org/officeDocument/2006/relationships" xmlns:p="http://schemas.openxmlformats.org/presentationml/2006/main">
-  <p:cSld>
-    <p:spTree>
-      <p:nvGrpSpPr>
-        <p:cNvPr id="1" name=""/>
-        <p:cNvGrpSpPr/>
-        <p:nvPr/>
-      </p:nvGrpSpPr>
-      <p:grpSpPr>
-        <a:xfrm>
-          <a:off x="0" y="0"/>
-          <a:ext cx="0" cy="0"/>
-          <a:chOff x="0" y="0"/>
-          <a:chExt cx="0" cy="0"/>
-        </a:xfrm>
-      </p:grpSpPr>
-      <p:sp>
-        <p:nvSpPr>
-          <p:cNvPr id="2" name="Title 1">
-            <a:extLst>
-              <a:ext uri="{FF2B5EF4-FFF2-40B4-BE49-F238E27FC236}">
-                <a16:creationId xmlns:a16="http://schemas.microsoft.com/office/drawing/2014/main" id="{5D990652-6841-F04E-B871-279EB8717CE7}"/>
-              </a:ext>
-            </a:extLst>
-          </p:cNvPr>
-          <p:cNvSpPr>
-            <a:spLocks noGrp="1"/>
-          </p:cNvSpPr>
-          <p:nvPr>
-            <p:ph type="title"/>
-          </p:nvPr>
-        </p:nvSpPr>
-        <p:spPr/>
-        <p:txBody>
-          <a:bodyPr/>
-          <a:lstStyle/>
-          <a:p>
-            <a:r>
-              <a:rPr lang="en-US" dirty="0"/>
-              <a:t>Other Distributions - Exponential</a:t>
-            </a:r>
-          </a:p>
-        </p:txBody>
-      </p:sp>
-      <p:sp>
-        <p:nvSpPr>
-          <p:cNvPr id="3" name="Content Placeholder 2">
-            <a:extLst>
-              <a:ext uri="{FF2B5EF4-FFF2-40B4-BE49-F238E27FC236}">
-                <a16:creationId xmlns:a16="http://schemas.microsoft.com/office/drawing/2014/main" id="{94074069-1BD7-8246-BF19-8D162C6DDBCE}"/>
-              </a:ext>
-            </a:extLst>
-          </p:cNvPr>
-          <p:cNvSpPr>
-            <a:spLocks noGrp="1"/>
-          </p:cNvSpPr>
-          <p:nvPr>
-            <p:ph idx="1"/>
-          </p:nvPr>
-        </p:nvSpPr>
-        <p:spPr>
-          <a:xfrm>
-            <a:off x="1451579" y="2015732"/>
-            <a:ext cx="9603275" cy="4037749"/>
-          </a:xfrm>
-        </p:spPr>
-        <p:txBody>
-          <a:bodyPr/>
-          <a:lstStyle/>
-          <a:p>
-            <a:r>
-              <a:rPr lang="en-US" dirty="0"/>
-              <a:t>Topical – viral spread can be modeled exponentially.</a:t>
-            </a:r>
-          </a:p>
-          <a:p>
-            <a:r>
-              <a:rPr lang="en-US" dirty="0"/>
-              <a:t>The “R” value often quoted is a measure of how many people an average infected person will infect. If it is greater than one, the virus spreads; if lower, it eventually dies out.</a:t>
-            </a:r>
-          </a:p>
-          <a:p>
-            <a:r>
-              <a:rPr lang="en-US" dirty="0"/>
-              <a:t>E.g. an R value of 1.1 would mean that 100 infected people generate 110 infections, who in turn generate 121 infections, </a:t>
-            </a:r>
-            <a:r>
-              <a:rPr lang="en-US" dirty="0" err="1"/>
-              <a:t>etc</a:t>
-            </a:r>
-            <a:r>
-              <a:rPr lang="en-US" dirty="0"/>
-              <a:t>…</a:t>
-            </a:r>
-          </a:p>
-          <a:p>
-            <a:r>
-              <a:rPr lang="en-US" dirty="0"/>
-              <a:t>Real world models are more complex – vaccine penetration, population behavior, restrictions, </a:t>
-            </a:r>
-            <a:r>
-              <a:rPr lang="en-US" dirty="0" err="1"/>
-              <a:t>etc</a:t>
-            </a:r>
-            <a:r>
-              <a:rPr lang="en-US" dirty="0"/>
-              <a:t>… all complicate the math. </a:t>
-            </a:r>
-          </a:p>
-          <a:p>
-            <a:r>
-              <a:rPr lang="en-US" dirty="0"/>
-              <a:t>Note:  The book looks at a slightly different exponential distribution, more on that next time.</a:t>
-            </a:r>
-          </a:p>
-        </p:txBody>
-      </p:sp>
-    </p:spTree>
-    <p:extLst>
-      <p:ext uri="{BB962C8B-B14F-4D97-AF65-F5344CB8AC3E}">
-        <p14:creationId xmlns:p14="http://schemas.microsoft.com/office/powerpoint/2010/main" val="967434610"/>
+        <p14:creationId xmlns:p14="http://schemas.microsoft.com/office/powerpoint/2010/main" val="662392256"/>
       </p:ext>
     </p:extLst>
   </p:cSld>
@@ -6899,7 +8908,7 @@
           <p:cNvPr id="2" name="Title 1">
             <a:extLst>
               <a:ext uri="{FF2B5EF4-FFF2-40B4-BE49-F238E27FC236}">
-                <a16:creationId xmlns:a16="http://schemas.microsoft.com/office/drawing/2014/main" id="{B6B667CC-3132-AD46-A606-DE4585244F76}"/>
+                <a16:creationId xmlns:a16="http://schemas.microsoft.com/office/drawing/2014/main" id="{5E80ABBB-D42E-2553-2172-530536718ED7}"/>
               </a:ext>
             </a:extLst>
           </p:cNvPr>
@@ -6910,10 +8919,38 @@
             <p:ph type="title"/>
           </p:nvPr>
         </p:nvSpPr>
+        <p:spPr/>
+        <p:txBody>
+          <a:bodyPr/>
+          <a:lstStyle/>
+          <a:p>
+            <a:r>
+              <a:rPr lang="en-US" dirty="0"/>
+              <a:t>Meet your Match</a:t>
+            </a:r>
+          </a:p>
+        </p:txBody>
+      </p:sp>
+      <p:sp>
+        <p:nvSpPr>
+          <p:cNvPr id="3" name="Content Placeholder 2">
+            <a:extLst>
+              <a:ext uri="{FF2B5EF4-FFF2-40B4-BE49-F238E27FC236}">
+                <a16:creationId xmlns:a16="http://schemas.microsoft.com/office/drawing/2014/main" id="{2B57AD8E-FDA9-E192-031E-8C6AD078383B}"/>
+              </a:ext>
+            </a:extLst>
+          </p:cNvPr>
+          <p:cNvSpPr>
+            <a:spLocks noGrp="1"/>
+          </p:cNvSpPr>
+          <p:nvPr>
+            <p:ph idx="1"/>
+          </p:nvPr>
+        </p:nvSpPr>
         <p:spPr>
           <a:xfrm>
-            <a:off x="6299593" y="804519"/>
-            <a:ext cx="4755261" cy="1049235"/>
+            <a:off x="6974470" y="1966586"/>
+            <a:ext cx="5217531" cy="4086895"/>
           </a:xfrm>
         </p:spPr>
         <p:txBody>
@@ -6922,50 +8959,56 @@
           <a:p>
             <a:r>
               <a:rPr lang="en-US" dirty="0"/>
-              <a:t>Exponential</a:t>
-            </a:r>
-          </a:p>
-        </p:txBody>
-      </p:sp>
-      <p:sp>
-        <p:nvSpPr>
-          <p:cNvPr id="3" name="Content Placeholder 2">
-            <a:extLst>
-              <a:ext uri="{FF2B5EF4-FFF2-40B4-BE49-F238E27FC236}">
-                <a16:creationId xmlns:a16="http://schemas.microsoft.com/office/drawing/2014/main" id="{0401C41D-F379-724A-AD0C-09F8ACAE8FD8}"/>
-              </a:ext>
-            </a:extLst>
-          </p:cNvPr>
-          <p:cNvSpPr>
-            <a:spLocks noGrp="1"/>
-          </p:cNvSpPr>
-          <p:nvPr>
-            <p:ph idx="1"/>
-          </p:nvPr>
-        </p:nvSpPr>
-        <p:spPr>
-          <a:xfrm>
-            <a:off x="1" y="4910203"/>
-            <a:ext cx="6372522" cy="1143278"/>
-          </a:xfrm>
-        </p:spPr>
-        <p:txBody>
-          <a:bodyPr/>
-          <a:lstStyle/>
-          <a:p>
-            <a:r>
-              <a:rPr lang="en-US" dirty="0"/>
-              <a:t>Exponential are often seen in a time-series plot, as seen on the right. </a:t>
+              <a:t>When we say that the data “is normal” or matches a distribution, we are saying:</a:t>
+            </a:r>
+          </a:p>
+          <a:p>
+            <a:pPr lvl="1"/>
+            <a:r>
+              <a:rPr lang="en-US" dirty="0"/>
+              <a:t>We can approximate the distribution of the data with this function. </a:t>
+            </a:r>
+          </a:p>
+          <a:p>
+            <a:pPr lvl="1"/>
+            <a:r>
+              <a:rPr lang="en-US" dirty="0"/>
+              <a:t>We expect further data to follow this pattern. </a:t>
+            </a:r>
+          </a:p>
+          <a:p>
+            <a:pPr lvl="1"/>
+            <a:r>
+              <a:rPr lang="en-US" dirty="0"/>
+              <a:t>We can use the properties of this analytical distribution to draw inference about the population*.</a:t>
+            </a:r>
+          </a:p>
+          <a:p>
+            <a:pPr lvl="1"/>
+            <a:r>
+              <a:rPr lang="en-US" dirty="0"/>
+              <a:t>We can use properties, </a:t>
+            </a:r>
+            <a:r>
+              <a:rPr lang="en-US"/>
+              <a:t>like z-scores. </a:t>
+            </a:r>
+            <a:endParaRPr lang="en-US" dirty="0"/>
+          </a:p>
+          <a:p>
+            <a:r>
+              <a:rPr lang="en-US" dirty="0"/>
+              <a:t>* Not without error.  </a:t>
             </a:r>
           </a:p>
         </p:txBody>
       </p:sp>
       <p:pic>
         <p:nvPicPr>
-          <p:cNvPr id="1026" name="Picture 2" descr="Coronavirus is growing exponentially – here&amp;#39;s what that really means">
+          <p:cNvPr id="4" name="Picture 2" descr="What is the distribution of men&amp;#39;s shoe sizes? - Quora">
             <a:extLst>
               <a:ext uri="{FF2B5EF4-FFF2-40B4-BE49-F238E27FC236}">
-                <a16:creationId xmlns:a16="http://schemas.microsoft.com/office/drawing/2014/main" id="{F4BB64A2-1B33-A14B-9F31-EEAE9ACD8F32}"/>
+                <a16:creationId xmlns:a16="http://schemas.microsoft.com/office/drawing/2014/main" id="{10FA01D7-9B2B-66FC-6948-064B4E31678F}"/>
               </a:ext>
             </a:extLst>
           </p:cNvPr>
@@ -6982,15 +9025,14 @@
               </a:ext>
             </a:extLst>
           </a:blip>
-          <a:srcRect/>
           <a:stretch>
             <a:fillRect/>
           </a:stretch>
         </p:blipFill>
         <p:spPr bwMode="auto">
           <a:xfrm>
-            <a:off x="6372523" y="2749463"/>
-            <a:ext cx="5819477" cy="4108537"/>
+            <a:off x="0" y="1853754"/>
+            <a:ext cx="6974470" cy="4550841"/>
           </a:xfrm>
           <a:prstGeom prst="rect">
             <a:avLst/>
@@ -7007,57 +9049,10 @@
           </a:extLst>
         </p:spPr>
       </p:pic>
-      <p:pic>
-        <p:nvPicPr>
-          <p:cNvPr id="4" name="Picture 2" descr="Exponential Distribution: Uses, Parameters &amp; Examples - Statistics By Jim">
-            <a:extLst>
-              <a:ext uri="{FF2B5EF4-FFF2-40B4-BE49-F238E27FC236}">
-                <a16:creationId xmlns:a16="http://schemas.microsoft.com/office/drawing/2014/main" id="{EC7E29DC-A042-6DDB-C0E3-509124548314}"/>
-              </a:ext>
-            </a:extLst>
-          </p:cNvPr>
-          <p:cNvPicPr>
-            <a:picLocks noChangeAspect="1" noChangeArrowheads="1"/>
-          </p:cNvPicPr>
-          <p:nvPr/>
-        </p:nvPicPr>
-        <p:blipFill>
-          <a:blip r:embed="rId3">
-            <a:extLst>
-              <a:ext uri="{28A0092B-C50C-407E-A947-70E740481C1C}">
-                <a14:useLocalDpi xmlns:a14="http://schemas.microsoft.com/office/drawing/2010/main" val="0"/>
-              </a:ext>
-            </a:extLst>
-          </a:blip>
-          <a:srcRect/>
-          <a:stretch>
-            <a:fillRect/>
-          </a:stretch>
-        </p:blipFill>
-        <p:spPr bwMode="auto">
-          <a:xfrm>
-            <a:off x="1" y="804519"/>
-            <a:ext cx="6299592" cy="4199728"/>
-          </a:xfrm>
-          <a:prstGeom prst="rect">
-            <a:avLst/>
-          </a:prstGeom>
-          <a:noFill/>
-          <a:extLst>
-            <a:ext uri="{909E8E84-426E-40DD-AFC4-6F175D3DCCD1}">
-              <a14:hiddenFill xmlns:a14="http://schemas.microsoft.com/office/drawing/2010/main">
-                <a:solidFill>
-                  <a:srgbClr val="FFFFFF"/>
-                </a:solidFill>
-              </a14:hiddenFill>
-            </a:ext>
-          </a:extLst>
-        </p:spPr>
-      </p:pic>
     </p:spTree>
     <p:extLst>
       <p:ext uri="{BB962C8B-B14F-4D97-AF65-F5344CB8AC3E}">
-        <p14:creationId xmlns:p14="http://schemas.microsoft.com/office/powerpoint/2010/main" val="999310419"/>
+        <p14:creationId xmlns:p14="http://schemas.microsoft.com/office/powerpoint/2010/main" val="944658866"/>
       </p:ext>
     </p:extLst>
   </p:cSld>

--- a/reference_material/slides/008_Analytical_Distributions.pptx
+++ b/reference_material/slides/008_Analytical_Distributions.pptx
@@ -6007,7 +6007,7 @@
           <a:p>
             <a:r>
               <a:rPr lang="en-US" dirty="0"/>
-              <a:t>Analytical Distribution</a:t>
+              <a:t>Analytical Distributions</a:t>
             </a:r>
           </a:p>
         </p:txBody>
@@ -6033,7 +6033,10 @@
           <a:bodyPr/>
           <a:lstStyle/>
           <a:p>
-            <a:endParaRPr lang="en-US"/>
+            <a:r>
+              <a:rPr lang="en-US" dirty="0"/>
+              <a:t>Part Uno</a:t>
+            </a:r>
           </a:p>
         </p:txBody>
       </p:sp>
@@ -8987,13 +8990,8 @@
             <a:pPr lvl="1"/>
             <a:r>
               <a:rPr lang="en-US" dirty="0"/>
-              <a:t>We can use properties, </a:t>
-            </a:r>
-            <a:r>
-              <a:rPr lang="en-US"/>
-              <a:t>like z-scores. </a:t>
-            </a:r>
-            <a:endParaRPr lang="en-US" dirty="0"/>
+              <a:t>We can use properties, like z-scores. </a:t>
+            </a:r>
           </a:p>
           <a:p>
             <a:r>
